--- a/inner pages/assets/files_to_download/Лекция 7.1.pptx
+++ b/inner pages/assets/files_to_download/Лекция 7.1.pptx
@@ -172,57 +172,6 @@
           <inkml:channelProperty channel="T" name="resolution" value="1" units="1/dev"/>
         </inkml:channelProperties>
       </inkml:inkSource>
-      <inkml:timestamp xml:id="ts0" timeString="2022-11-08T06:32:15.527"/>
-    </inkml:context>
-    <inkml:brush xml:id="br0">
-      <inkml:brushProperty name="width" value="0.05292" units="cm"/>
-      <inkml:brushProperty name="height" value="0.05292" units="cm"/>
-      <inkml:brushProperty name="color" value="#FF0000"/>
-    </inkml:brush>
-  </inkml:definitions>
-  <inkml:trace contextRef="#ctx0" brushRef="#br0">3806 7430 0,'30'0'63,"59"0"-63,0 0 0,-29 0 15,58 0 1,1 0-16,30 0 16,0 0-1,-30 0 1,0 0-1,0 0 1,29-30 15,-59 30-15,30 0 0,-59 0-1,-1 0 1,-29 0-1,29 0 1,1 0-16,178 0 16,-149 0-1,60 0 1,-30 0 0,-30 0-1,-30 0 1,90 0-1,0 0 1,29 0 15,0 0-15,-59 0 0,30 0-1,-60 0 1,60 0-1,-30 0 1,0 0 0,-90 0-1,31 0 1,-1 0 0,-29 0-1,30 0 1,88 0-1,-88 0 1,-1 0 15,120 0-15,-90 0 0,0-30-1,0 1 1,-59 29-1,0 0 1,29 0 0,-29 0-1,59 0 1,-29 0 0,-31 0-1,1 0 188,0 0-156,0 0-31,-1 0-16,1 0 15,0 0 1,-1 0 0,1 0-1,0 0 1</inkml:trace>
-  <inkml:trace contextRef="#ctx0" brushRef="#br0" timeOffset="6156.1">3865 7489 0,'-29'0'78,"-1"0"-62,0 0-16,-89 0 31,0 0-15,0 0-1,30 0 1,0 0-1,59 0 1,-118 0 0,88 0-1,-29-30 1,-30 30 0,59 0-1,1 0 1,-30 0-1,29 0 1,1 0 15,-1 0-15,31 0 0,-31 0-1,-29 30 1,59-30-1,-29 30 1,-30 0 0,29-1-1,1-29 1,-31 30 0,61 0-1,-31-1 1,31-29-1,-31 60 1,1-30 0,-1 29 15,1 30-31,-1 0 16,-59 30-1,60 30 1,-30-1-1,29 1 1,1 0 0,-1-1-1,1 31 1,-1 29 0,1-30-1,-1 30 1,1 89-1,29-119 1,0 90 15,30-120-15,0 1 0,0 29-1,0-29 1,0 59-1,209 297 1,-91-178 0,31-59-1,-30-90 1,119 149 0,-89-119-1,88 0 1,-58-59-1,29-1 1,-59-29 15,29 0-15,-29 0 0,-60-30-1,60 89 1,-1-59-1,-88-59 1,-1-1 0,30 0-1,1 31 1,58 28 0,-58-58-1,28 59 1,1-30-1,60 30 1,-60-30 15,29 30-15,1-60 0,0-29-1,-1 29 1,-29-59-1,30 30 1,119 0 0,-60 0-1,-60-30 1,1 0 0,178 0-1,-297 0 1,-30-30 359,0 0-360,-30 0 1,0 1-16,1 29 31,-1 0-15,60 0 93,-1 0-93,1 0 0,0 0-1,0 29 1,-1 31 15,-29-30-15,30-1-16,0 31 15,-30-31 1,0 1 0,30 0-1,-60-30 126,0 0-141,-29 0 15,29 0 1,-30 0-16,31 0 16,-1 0-1,0 0 1,0 0 15,1 0 0</inkml:trace>
-  <inkml:trace contextRef="#ctx0" brushRef="#br0" timeOffset="9567.85">7166 15127 0,'0'59'62,"0"-29"-62,0 30 16,0-1-1,-30 149 1,30-119 0,0-29-1,0-1 1,0 1-1,30-60 48,0 0-47,-1 0-1,1 0 1,0 0-1,-1 0 1,1-30 0,-30 0-1,60-29 1,-60-1 0,29 30-1,1-29 1,0 0-1,-30 29 17,0 0-17,0 0 1,0-29 0,0 0-1,0 88 63,0 1-78,0 0 16,0 29-16,0-29 16,-30 148-1,0-118 1,30 59-1,0-60 17,0-29-17,0-1 1,0 1 0,0 0 15,30-30 31,0 0-62,0 0 32,-1 0-17,1 0 1,0 0 15,0 0 16,-1 0 0,1 0 0,-30 59 62,0-29-93,0 0-1,0-1 1,-89 1 0,59 0-1,0 0 1,-29-1-1,-1 1 1,1 0 0,29-30-1,0 0 1,30-30 125,30-29-126,0 59-15,-30-30 16,119-30-1,0 1 1,-30-30 0,0 29-1,0 1 1,1-30 0,-61 29-1,1 1 1,30-1-1,-31 1 17,-29 29-17,30 1 1,-30-1 0,0 0 30,0 0-14,0 1 30,0-1-31,0 0 1,-30 30-17,1-29 1,-1 29-16,0 0 16,0 0-1,1 0 1,-31 0-1,-29 89 1,59 0 0,30 0-1,0-30 1,0 1 0,0-1-1,30-29 1,0 30 15,29-60-15,-29 0-1,29 0 1,-29 0 0,0 0-1,0 0 1,-1 0 15,1 0 16,0 0-31,-1 0-1,-29-30 16,30 30 110</inkml:trace>
-  <inkml:trace contextRef="#ctx0" brushRef="#br0" timeOffset="12623.97">8296 15781 0,'0'30'78,"0"-1"-62,29-29-16,-29 30 15,30-30 79,0 0-63,0 0-31,-1-30 16,31-29-16,-30-1 16,29-59-1,1 1 1,-1 28 15,0-28-15,-29 28-1,0 31 1,0-30 0,-30 119 62,0-1-78,0 1 15,0 29 1,0 31-16,0 28 16,0 1-1,0-59 1,0-1 15,0 1-15,0-31-1,0 1 1,29 0 0,-29 0-16,90-1 31,-61 1-16,1-30 1,0 0 0,0 0-1,29-30 1,30-59 0,0 0-1,-59 29-15,30-29 16,-31 30 15,31-90-15,-60 120-1,0-1 1,0 0 15,0 0 0,0 1-15,0 58 62,0 1-78,0 30 16,0-1-16,0 30 31,0 0-15,0 0-1,0 1 1,0-31 0,0 30-1,0-29 1,30-31 15,-1-29 0,1 0-15,0 0 0,-1 0-1,1 0 1,0-29-1,-30-1 1,89-59 0,-29 0-1,-1-1 1,-29 31 0,0 0-1,-1-1 1,1 30-1,-30 1 1,-30 88 78,30 1-79,0-1 1,0 60 0,0-60-16,0 1 15,0-30 1,0-1 46,30 1-46,0-30 0,-1 0 15,1 0-15,0 0 15,0 0-16,29 0 1,-29 0 109,-30-30-125,0 1 16,0-1-1,0 0-15,0 0 16,0 1 0,30-31-1,-1 30 1,-29-29-1,30 0 1,0 29 0,-30-30-1,30 31 1,-30-1 0,0 60 46,0-1-46,0 31-1,0 29 1,0 30 0,0 30-1,0-90 1,0 0-1,0 1 1,0-1 0,0-29-1,0 0 1,0-60 62,0 0-62,59-29-16,-59-1 15,59-88 1,31-1 0,-1 60-1,-59 0 1,29 59-1,-59 0 1,30 30 0,0 0-1,-1 0 17,-29-29-32,30 29 15,-60 0 63,1 0-62,-1 0 0,-30 29-1,1 1 1</inkml:trace>
-  <inkml:trace contextRef="#ctx0" brushRef="#br0" timeOffset="13655.2">10437 15840 0,'29'0'140,"31"0"-124,-31 30-16,1-30 16,30 30-1,-31-30 1,-29 29 15,0 1 0,30-30-15,-30 30 47,30-30-32,0 0-16,29 0-15,1 0 32,-31 0-17,1 0 1,0 0 0,-1 0 15,-29-30-16,30 0 1</inkml:trace>
-  <inkml:trace contextRef="#ctx0" brushRef="#br0" timeOffset="14655.17">11418 15335 0,'-30'0'62,"-29"0"-46,29 0 0,0 0-1,-29 59 1,-1 31 0,30-1-1,-29 89 1,59-89-1,0 0 1,0 1 0,0-61-1,0 31 1,0-31 31,30-29-32,-1 0 1,1 0 0,30 0-1,-1 0 1,1-29 0,-31-1-1,31-29 1,-31 29-1,1-30 1,0 1 0,0 0-1,-1-31 1,-29 31 0,0-1-1,0 31 1,0-1-16,0 0 47,-29 1-32,-1 29 1,0 0 0,30-30-1,-30 30 1</inkml:trace>
-  <inkml:trace contextRef="#ctx0" brushRef="#br0" timeOffset="16420.75">11447 16019 0,'30'0'141,"0"0"-110,0 0 0,29 0-15,1-60 0,-31 60-16,-29-30 15,30 1 1,0-1 0,0-59-1,29 59 1,-29-59 15,-1 29-15,31 1-1,-60 29 1,30 1 0,-30-31-1,29 30 1,-29 1-1,0-1 1,0 89 93,0-29-93,0 30-16,0-1 16,0 30-1,0 0 1,0 30 0,0 60-1,0-150 1,0 31-1,30-60 64,0 0-79,29 0 15,-29 0-15,59 0 16,-29 0-1,-1-30 17,1-59-17,-31 29-15,31-58 16,-30 28 0,-1 1-1,31 0 1,-60 0-1,30 59 1,-30 0 0,0 1-1,0-1 17,0 60 30,0-1-46,0 61-1,-30-1 1,0 30 0,0 29-1,30-29 1,0-30-1,0 30 1,0-89 0,0 0-1,0-1 63,30-29-46,0 30-32,0-30 15,-1 0 1,1 30 0,0-30-1,-30-30 1,0 0-1,0 1 1,29 29-16</inkml:trace>
-  <inkml:trace contextRef="#ctx0" brushRef="#br0" timeOffset="17358.24">13261 16227 0,'0'29'16,"0"1"-1,0 0-15,0-1 16,0 1 0,-30 0-1,1-30 1,-1 0 15,0 0 0,1 0-15,-31 0 0</inkml:trace>
-  <inkml:trace contextRef="#ctx0" brushRef="#br0" timeOffset="19406.38">14064 16227 0,'0'29'16,"0"1"-1,0 0 1,89-90 78,-29-29-94,29 0 15,30-30-15,-60 30 16,31 0-16,-1-30 31,-30-30-15,1 90-1,-31-90 1,-29 120 0,30-31-1,-30 90 79,0 89-78,0-60-16,0 119 15,0-29 1,0-60 15,0 0-15,0-59-1,0 0 1,60 0 0,-31-1-1,31 1 1,-30-30-1,-1 0 1,90-30 0,0-89-1,-30 30 1,1-30 0,-61 0-1,-29 60 1,60 0-1,-31-60 1,-29 148 109,0 1-125,-29 59 16,29-29-16,-30-31 15,30 90 1,-30 60 0,30-60-1,0-60 1,0-29-1,0-1 17,0 1-17,0 0 1,0 0 0,0-1-1,30-29-15,0 30 16,-1-30-1,1 0 1,30 0 0,88-89-1,-88-30 1,59-59 0,-30-1-1,-30 1 1,-29 59 15,0 60-15,-30 29-1,0 60 48,0-1-63,0 1 15,0 59 1,0 60 15,0-30-15,0-30 0,0 0-1,0-59 1,0 29-1,0-29 1,0 0 0,30-30 15,-1 59-15,-29-29-1,30-30 1,0 0-1,29-30 1,179-148 0</inkml:trace>
-  <inkml:trace contextRef="#ctx0" brushRef="#br0" timeOffset="20265.73">17127 15573 0,'-30'0'32,"0"0"-17,0 29 1,1-29-16,-61 119 16,1 0-1,89-30 1,-29 90-1,29-90 1,0-59 0,0 29 15,0-29-15,29-1 15,1-29-16,89 0 1,-30-29 0,30-31-1,30-29 1,-60-89 0,-59 0-1,-30 118 1,0-326-1,0 178 1,-60-89 0,60 88 15,-30 61-15,30 118-1,0 0 1,30 30 15,0 0-15,59 0-1,30 0 1,268 30 0,-239-30-1,-29 0 1,0 0-1,-59 0 1</inkml:trace>
-  <inkml:trace contextRef="#ctx0" brushRef="#br0" timeOffset="22292.1">18167 15870 0,'0'0'0,"-59"0"16,29 0 0,0 0-16,-59 0 15,59 0 17,1 0-17,-31 0 1,1 30-1,29 59 1,0 0 0,30-30-1,-29 1 1,29-1 0,0 1-1,0-1 1,0 1-1,0-31 1,29-29 15,1 0-15,0 0 0,-1 0-1,61 0 1,-1-29-1,30-61 1,0 61 0,-30-31-1,0 1 1,-29 29 0,-31-29-1,-29 29 1,0-29-1,0 29 1,0 0-16,-29 30 31,-1 0 16,0 0-31,0 0-1,1 0 1</inkml:trace>
-  <inkml:trace contextRef="#ctx0" brushRef="#br0" timeOffset="23760.82">20159 15840 0,'0'30'15,"0"29"1,0 60 0,0 89-1,0-148-15,-29 118 16,29-29 0,-30-60-1,30-30 1,-30 1-1,30 29 1,0-59 0,0-1-1,-29-29 32</inkml:trace>
-  <inkml:trace contextRef="#ctx0" brushRef="#br0" timeOffset="24198.31">20130 16553 0,'29'0'31,"1"0"-16,0 0 1,0 0 15,89 0-31,-30 0 16,59 0 0,1 0-1,-149-29 79</inkml:trace>
-  <inkml:trace contextRef="#ctx0" brushRef="#br0" timeOffset="24667.05">20695 16078 0,'0'30'47,"0"29"-31,0 30-16,0 60 16,0 59 15,0-30-16,0 1 1,0-1 0,0-119-1,0 1 1,0-90 78</inkml:trace>
-  <inkml:trace contextRef="#ctx0" brushRef="#br0" timeOffset="25665.99">20962 16910 0,'30'0'47,"0"0"-16,-1 0-15,1 0-16,0 0 15,59 0 1,60 0 0,59-30-1,-59-59-15,-1-30 16,-59-29-1,-59 59 1,0 29 0,-30 30-1,0 1 17,-60-31-17,1 60 1,29 0-1,-29 0 1,-1 0 0,-29 0-1,0 30-15,0 89 16,29 0 0,31 0-1,29-60 1,-30 30-1,30-29 1,0-1 0,0 30-1,30 0 17,29-29-17,0-30 1,60 29-1,-89-59 1,59 0 0,-59 0-1,0-30 17,29-29-17,-29 29 1,29-59-1,209-60 1,-208 90-16</inkml:trace>
-  <inkml:trace contextRef="#ctx0" brushRef="#br0" timeOffset="28957.03">22598 16762 0,'29'0'32,"1"0"186,-30-30-14,60 0-204,-1-29 15,0-31-15,31 1 16,88-59-1,0-60 1,-88 119-16,-61-1 16,-29-28-1,0 88 17,0 0-1,0 0-16,0 1 1,0-1 0,-59 30-1,-1 0 1,-29 0 0,0 59-1,0 90 1,-30 237-1,89-297 1,-29 90-16,59 59 16,0 59-1,0-89 17,0-119-17,0-30 1,0-29-1,59-30 1,30 0 0,30 0-1,-29-30-15,-1-29 16,-60-1 0,1-29-1,-30-30 1,-30 30-1,-29 30 1,29 29 0,1 0-1,-31 30 17,1 0-17,29 0 1,0 0-1,30 30 32,60-30 0,-1-30-31,1-29-1,118-90 1,-59 60 0,119-89-1,-119 89 1,-90 59 0,1 0-1,-30 90 95,0 29-110,-30-30 15,1 1-15,-1 118 31,0 0-15,30-59 0,0-59-1,0-31 1,0 1 0,30 0 15,0-30-16,-1 0 1,1 30 15,30-30-31,-1 0 16,1 0 0,-1 0-1,-29 0 1,-30-30 15,29 30-15,-29-30-1,30 30 1,-30-30 0,30 1-16,-30-1 15,0 0 1,30-29-1,-30-30 1,29 59 0,-58 30 140,-1 0-140,0 0-1,0 0 1,1 0-1,-1 0 1,0 0 0,1 0-1,-1 0 1,-30 0 0,31 0-1,-1 30 16,89-30 94,-29 0-125,30 0 16,-1 0-16,-29-30 16,59-29-1,-59 29-15,29 0 16,-29 0 0,0 1-1,-1-1 16,-29 0-15,30 30 0,-30-30-1,30 1 1,-30-1 31,30 0-47,-30 1 15,29 29 1,-29-30 0,0 60 77,0-1-77,0 31-16,-29-1 16,-1 90-1,30-30 1,0 0 0,0-30-1,0 30 1,0-60-1,30 30 1,-30-29 0,29-31-1,1-29 1,0 0 15,59-29 0,0-31-15,0-29 0,1 30-1,-61-1 1,31 1 0</inkml:trace>
-  <inkml:trace contextRef="#ctx0" brushRef="#br0" timeOffset="29974.82">25095 16553 0,'0'30'31,"0"0"-15,0 59-16,0-59 15,0 148 1,0 0 0,0-59-1,0 0-15,0-30 16,0 1 15,0-31-15,0-89 62,0-89-78,0 30 15,0-30-15,0 0 16,119-59 0,-59 89-1,-31 59-15,31 30 16,-1 0 0,31 0-1,28 0 1,31 0 15,-89 0-15,29 30-1,-59 0 1,-1-1 0,-29 61-1,0 28 1,0-58-1,0-30-15,0 88 16,0-88 0,0 30-1,0-1 1,0-29 0,0 0 15,30-30 0,0-30-15,118-30-1,-29-59 1,-59 60 0,-1 0-1</inkml:trace>
-  <inkml:trace contextRef="#ctx0" brushRef="#br0" timeOffset="30896.67">26493 16791 0,'-30'0'32,"0"0"-32,1 0 31,-1 0-15,30 30-16,-30 0 15,30-1-15,0 31 16,-30 29 15,30 30-15,0-60-1,0 30 1,0-29 0,0-1-1,0 1 1,30-60-1,30 30 1,-1-30 0,90 0-1,-149-60 17,29-89-17,-29 60 1,0 30-1,0-1 17,0 1-17,0 0 1,0 29 0,-29 30-1,-1 0 1,0 0-1,0 0 1,1 0 0,-1 0-1,0 0 1,1 0 0,-1 30 15,30-1-16,-30 1 1</inkml:trace>
-  <inkml:trace contextRef="#ctx0" brushRef="#br0" timeOffset="32034.41">26909 17445 0,'30'0'172,"-1"0"-156,31 0-1,-1-30 1,31-29-1,29-30 1,-60 0 0,30-30-1,-29 0 1,-1 59 0,-29 1-1,-30 118 173,0 1-188,0-1 15,0 1-15,-30-1 16,30 30 0,0 0 15,0-29-16,0-30 1,0-1 0,30-29 15,0 0-15,-1 0-16,1 0 15,89 0 1,-60 0-1,-29 0-15,0 0 16,29 0 0</inkml:trace>
-  <inkml:trace contextRef="#ctx0" brushRef="#br0" timeOffset="32643.77">28158 16851 0,'0'59'16,"0"30"-1,0 60-15,0-60 16,0 30-1,0 59 1,-30 30 0,30-119-1,0-59 1,-30-60 31,-29-29-47,29 0 15,30-1 1,0 30 47,30 1-32,0 29-16,-1 0-15</inkml:trace>
-  <inkml:trace contextRef="#ctx0" brushRef="#br0" timeOffset="33016.67">28306 17534 0,'0'0'0,"30"0"0,0 0 15,0 0 1,29 0-16,1 0 16,29 0-1,-30 0-15,-59-29 172,0-1-172,0 0 16,0 0-1,0 1 1</inkml:trace>
-  <inkml:trace contextRef="#ctx0" brushRef="#br0" timeOffset="33547.9">28663 16999 0,'0'30'47,"0"0"-31,0 29-16,0 30 15,0 30 17,0 30-17,0-60 1,0-30-1,0 60 1,0-59 0,0 29-16,0-59 15,0-1 1,0 1 0</inkml:trace>
-  <inkml:trace contextRef="#ctx0" brushRef="#br0" timeOffset="33907.25">29288 17861 0</inkml:trace>
-  <inkml:trace contextRef="#ctx0" brushRef="#br0" timeOffset="36526.21">29258 17891 0,'0'30'78,"0"-1"-62,0-58 109,0-1-125,0 0 15,0 0 1,-30 30 93,0 30-77,30 0-17,0 0-15,0-1 16,0 1-1,0 0 1,30-30 15,0 0 1,-60-30 46</inkml:trace>
-</inkml:ink>
-</file>
-
-<file path=ppt/ink/ink2.xml><?xml version="1.0" encoding="utf-8"?>
-<inkml:ink xmlns:inkml="http://www.w3.org/2003/InkML">
-  <inkml:definitions>
-    <inkml:context xml:id="ctx0">
-      <inkml:inkSource xml:id="inkSrc0">
-        <inkml:traceFormat>
-          <inkml:channel name="X" type="integer" max="3840" units="cm"/>
-          <inkml:channel name="Y" type="integer" max="1080" units="cm"/>
-          <inkml:channel name="T" type="integer" max="2.14748E9" units="dev"/>
-        </inkml:traceFormat>
-        <inkml:channelProperties>
-          <inkml:channelProperty channel="X" name="resolution" value="80.67227" units="1/cm"/>
-          <inkml:channelProperty channel="Y" name="resolution" value="40.29851" units="1/cm"/>
-          <inkml:channelProperty channel="T" name="resolution" value="1" units="1/dev"/>
-        </inkml:channelProperties>
-      </inkml:inkSource>
       <inkml:timestamp xml:id="ts0" timeString="2022-11-08T11:52:47.216"/>
     </inkml:context>
     <inkml:brush xml:id="br0">
@@ -319,7 +268,7 @@
           <a:p>
             <a:fld id="{96DF6AE1-AB72-416A-B830-1F0F856F6653}" type="datetimeFigureOut">
               <a:rPr lang="ru-RU" smtClean="0"/>
-              <a:t>16.11.2022</a:t>
+              <a:t>03.05.2023</a:t>
             </a:fld>
             <a:endParaRPr lang="ru-RU"/>
           </a:p>
@@ -1545,7 +1494,7 @@
           <a:p>
             <a:fld id="{4D6FD9B6-D0A2-45B8-A4E4-4AEBC2C6E164}" type="datetimeFigureOut">
               <a:rPr lang="ru-RU" smtClean="0"/>
-              <a:t>16.11.2022</a:t>
+              <a:t>03.05.2023</a:t>
             </a:fld>
             <a:endParaRPr lang="ru-RU"/>
           </a:p>
@@ -1716,7 +1665,7 @@
           <a:p>
             <a:fld id="{4D6FD9B6-D0A2-45B8-A4E4-4AEBC2C6E164}" type="datetimeFigureOut">
               <a:rPr lang="ru-RU" smtClean="0"/>
-              <a:t>16.11.2022</a:t>
+              <a:t>03.05.2023</a:t>
             </a:fld>
             <a:endParaRPr lang="ru-RU"/>
           </a:p>
@@ -1897,7 +1846,7 @@
           <a:p>
             <a:fld id="{4D6FD9B6-D0A2-45B8-A4E4-4AEBC2C6E164}" type="datetimeFigureOut">
               <a:rPr lang="ru-RU" smtClean="0"/>
-              <a:t>16.11.2022</a:t>
+              <a:t>03.05.2023</a:t>
             </a:fld>
             <a:endParaRPr lang="ru-RU"/>
           </a:p>
@@ -2068,7 +2017,7 @@
           <a:p>
             <a:fld id="{4D6FD9B6-D0A2-45B8-A4E4-4AEBC2C6E164}" type="datetimeFigureOut">
               <a:rPr lang="ru-RU" smtClean="0"/>
-              <a:t>16.11.2022</a:t>
+              <a:t>03.05.2023</a:t>
             </a:fld>
             <a:endParaRPr lang="ru-RU"/>
           </a:p>
@@ -2316,7 +2265,7 @@
           <a:p>
             <a:fld id="{4D6FD9B6-D0A2-45B8-A4E4-4AEBC2C6E164}" type="datetimeFigureOut">
               <a:rPr lang="ru-RU" smtClean="0"/>
-              <a:t>16.11.2022</a:t>
+              <a:t>03.05.2023</a:t>
             </a:fld>
             <a:endParaRPr lang="ru-RU"/>
           </a:p>
@@ -2604,7 +2553,7 @@
           <a:p>
             <a:fld id="{4D6FD9B6-D0A2-45B8-A4E4-4AEBC2C6E164}" type="datetimeFigureOut">
               <a:rPr lang="ru-RU" smtClean="0"/>
-              <a:t>16.11.2022</a:t>
+              <a:t>03.05.2023</a:t>
             </a:fld>
             <a:endParaRPr lang="ru-RU"/>
           </a:p>
@@ -3026,7 +2975,7 @@
           <a:p>
             <a:fld id="{4D6FD9B6-D0A2-45B8-A4E4-4AEBC2C6E164}" type="datetimeFigureOut">
               <a:rPr lang="ru-RU" smtClean="0"/>
-              <a:t>16.11.2022</a:t>
+              <a:t>03.05.2023</a:t>
             </a:fld>
             <a:endParaRPr lang="ru-RU"/>
           </a:p>
@@ -3146,7 +3095,7 @@
           <a:p>
             <a:fld id="{4D6FD9B6-D0A2-45B8-A4E4-4AEBC2C6E164}" type="datetimeFigureOut">
               <a:rPr lang="ru-RU" smtClean="0"/>
-              <a:t>16.11.2022</a:t>
+              <a:t>03.05.2023</a:t>
             </a:fld>
             <a:endParaRPr lang="ru-RU"/>
           </a:p>
@@ -3244,7 +3193,7 @@
           <a:p>
             <a:fld id="{4D6FD9B6-D0A2-45B8-A4E4-4AEBC2C6E164}" type="datetimeFigureOut">
               <a:rPr lang="ru-RU" smtClean="0"/>
-              <a:t>16.11.2022</a:t>
+              <a:t>03.05.2023</a:t>
             </a:fld>
             <a:endParaRPr lang="ru-RU"/>
           </a:p>
@@ -3522,7 +3471,7 @@
           <a:p>
             <a:fld id="{4D6FD9B6-D0A2-45B8-A4E4-4AEBC2C6E164}" type="datetimeFigureOut">
               <a:rPr lang="ru-RU" smtClean="0"/>
-              <a:t>16.11.2022</a:t>
+              <a:t>03.05.2023</a:t>
             </a:fld>
             <a:endParaRPr lang="ru-RU"/>
           </a:p>
@@ -3777,7 +3726,7 @@
           <a:p>
             <a:fld id="{4D6FD9B6-D0A2-45B8-A4E4-4AEBC2C6E164}" type="datetimeFigureOut">
               <a:rPr lang="ru-RU" smtClean="0"/>
-              <a:t>16.11.2022</a:t>
+              <a:t>03.05.2023</a:t>
             </a:fld>
             <a:endParaRPr lang="ru-RU"/>
           </a:p>
@@ -3991,7 +3940,7 @@
           <a:p>
             <a:fld id="{4D6FD9B6-D0A2-45B8-A4E4-4AEBC2C6E164}" type="datetimeFigureOut">
               <a:rPr lang="ru-RU" smtClean="0"/>
-              <a:t>16.11.2022</a:t>
+              <a:t>03.05.2023</a:t>
             </a:fld>
             <a:endParaRPr lang="ru-RU"/>
           </a:p>
@@ -4390,20 +4339,14 @@
           <a:lstStyle/>
           <a:p>
             <a:r>
-              <a:rPr lang="ru-RU" dirty="0" err="1">
+              <a:rPr lang="ru-RU" dirty="0">
                 <a:solidFill>
                   <a:srgbClr val="FF0000"/>
                 </a:solidFill>
-              </a:rPr>
-              <a:t>Сервисно</a:t>
-            </a:r>
-            <a:r>
-              <a:rPr lang="ru-RU" dirty="0">
-                <a:solidFill>
-                  <a:srgbClr val="FF0000"/>
-                </a:solidFill>
-              </a:rPr>
-              <a:t> - ориентированные архитектуры</a:t>
+                <a:latin typeface="Times New Roman" panose="02020603050405020304" pitchFamily="18" charset="0"/>
+                <a:cs typeface="Times New Roman" panose="02020603050405020304" pitchFamily="18" charset="0"/>
+              </a:rPr>
+              <a:t>Сервисно - ориентированные архитектуры</a:t>
             </a:r>
           </a:p>
         </p:txBody>
@@ -4468,6 +4411,8 @@
                 <a:solidFill>
                   <a:srgbClr val="0070C0"/>
                 </a:solidFill>
+                <a:latin typeface="Times New Roman" panose="02020603050405020304" pitchFamily="18" charset="0"/>
+                <a:cs typeface="Times New Roman" panose="02020603050405020304" pitchFamily="18" charset="0"/>
               </a:rPr>
               <a:t>Сервисно-ориентированная архитектура </a:t>
             </a:r>
@@ -4476,6 +4421,8 @@
                 <a:solidFill>
                   <a:srgbClr val="0070C0"/>
                 </a:solidFill>
+                <a:latin typeface="Times New Roman" panose="02020603050405020304" pitchFamily="18" charset="0"/>
+                <a:cs typeface="Times New Roman" panose="02020603050405020304" pitchFamily="18" charset="0"/>
               </a:rPr>
               <a:t>SOA, </a:t>
             </a:r>
@@ -4484,6 +4431,8 @@
                 <a:solidFill>
                   <a:srgbClr val="0070C0"/>
                 </a:solidFill>
+                <a:latin typeface="Times New Roman" panose="02020603050405020304" pitchFamily="18" charset="0"/>
+                <a:cs typeface="Times New Roman" panose="02020603050405020304" pitchFamily="18" charset="0"/>
               </a:rPr>
               <a:t>service-oriented</a:t>
             </a:r>
@@ -4492,6 +4441,8 @@
                 <a:solidFill>
                   <a:srgbClr val="0070C0"/>
                 </a:solidFill>
+                <a:latin typeface="Times New Roman" panose="02020603050405020304" pitchFamily="18" charset="0"/>
+                <a:cs typeface="Times New Roman" panose="02020603050405020304" pitchFamily="18" charset="0"/>
               </a:rPr>
               <a:t> </a:t>
             </a:r>
@@ -4500,6 +4451,8 @@
                 <a:solidFill>
                   <a:srgbClr val="0070C0"/>
                 </a:solidFill>
+                <a:latin typeface="Times New Roman" panose="02020603050405020304" pitchFamily="18" charset="0"/>
+                <a:cs typeface="Times New Roman" panose="02020603050405020304" pitchFamily="18" charset="0"/>
               </a:rPr>
               <a:t>architecture</a:t>
             </a:r>
@@ -4508,6 +4461,8 @@
                 <a:solidFill>
                   <a:srgbClr val="0070C0"/>
                 </a:solidFill>
+                <a:latin typeface="Times New Roman" panose="02020603050405020304" pitchFamily="18" charset="0"/>
+                <a:cs typeface="Times New Roman" panose="02020603050405020304" pitchFamily="18" charset="0"/>
               </a:rPr>
               <a:t>)</a:t>
             </a:r>
@@ -4516,6 +4471,8 @@
                 <a:solidFill>
                   <a:srgbClr val="0070C0"/>
                 </a:solidFill>
+                <a:latin typeface="Times New Roman" panose="02020603050405020304" pitchFamily="18" charset="0"/>
+                <a:cs typeface="Times New Roman" panose="02020603050405020304" pitchFamily="18" charset="0"/>
               </a:rPr>
               <a:t> </a:t>
             </a:r>
@@ -4548,7 +4505,10 @@
               <a:buNone/>
             </a:pPr>
             <a:r>
-              <a:rPr lang="ru-RU" dirty="0"/>
+              <a:rPr lang="ru-RU" dirty="0">
+                <a:latin typeface="Times New Roman" panose="02020603050405020304" pitchFamily="18" charset="0"/>
+                <a:cs typeface="Times New Roman" panose="02020603050405020304" pitchFamily="18" charset="0"/>
+              </a:rPr>
               <a:t>Под сервис-ориентированной архитектурой </a:t>
             </a:r>
             <a:r>
@@ -4556,6 +4516,8 @@
                 <a:solidFill>
                   <a:srgbClr val="0070C0"/>
                 </a:solidFill>
+                <a:latin typeface="Times New Roman" panose="02020603050405020304" pitchFamily="18" charset="0"/>
+                <a:cs typeface="Times New Roman" panose="02020603050405020304" pitchFamily="18" charset="0"/>
               </a:rPr>
               <a:t>понимается модульный подход к проектированию прикладных информационных систем, который руководствуется следующими принципами:</a:t>
             </a:r>
@@ -4566,6 +4528,8 @@
                 <a:solidFill>
                   <a:srgbClr val="FF0000"/>
                 </a:solidFill>
+                <a:latin typeface="Times New Roman" panose="02020603050405020304" pitchFamily="18" charset="0"/>
+                <a:cs typeface="Times New Roman" panose="02020603050405020304" pitchFamily="18" charset="0"/>
               </a:rPr>
               <a:t>явное отделение бизнес-логики прикладной системы от логики презентации информации;</a:t>
             </a:r>
@@ -4575,35 +4539,59 @@
               <a:buNone/>
             </a:pPr>
             <a:r>
-              <a:rPr lang="ru-RU" dirty="0"/>
+              <a:rPr lang="ru-RU" dirty="0">
+                <a:latin typeface="Times New Roman" panose="02020603050405020304" pitchFamily="18" charset="0"/>
+                <a:cs typeface="Times New Roman" panose="02020603050405020304" pitchFamily="18" charset="0"/>
+              </a:rPr>
               <a:t>Базовыми понятиями в такой архитектуре являются </a:t>
             </a:r>
             <a:r>
-              <a:rPr lang="ru-RU" i="1" dirty="0"/>
+              <a:rPr lang="ru-RU" i="1" dirty="0">
+                <a:latin typeface="Times New Roman" panose="02020603050405020304" pitchFamily="18" charset="0"/>
+                <a:cs typeface="Times New Roman" panose="02020603050405020304" pitchFamily="18" charset="0"/>
+              </a:rPr>
               <a:t>"информационная услуга“</a:t>
             </a:r>
             <a:r>
-              <a:rPr lang="en-US" i="1" dirty="0"/>
+              <a:rPr lang="en-US" i="1" dirty="0">
+                <a:latin typeface="Times New Roman" panose="02020603050405020304" pitchFamily="18" charset="0"/>
+                <a:cs typeface="Times New Roman" panose="02020603050405020304" pitchFamily="18" charset="0"/>
+              </a:rPr>
               <a:t> (</a:t>
             </a:r>
             <a:r>
-              <a:rPr lang="ru-RU" i="1" dirty="0"/>
+              <a:rPr lang="ru-RU" i="1" dirty="0">
+                <a:latin typeface="Times New Roman" panose="02020603050405020304" pitchFamily="18" charset="0"/>
+                <a:cs typeface="Times New Roman" panose="02020603050405020304" pitchFamily="18" charset="0"/>
+              </a:rPr>
               <a:t>сервис</a:t>
             </a:r>
             <a:r>
-              <a:rPr lang="en-US" i="1" dirty="0"/>
+              <a:rPr lang="en-US" i="1" dirty="0">
+                <a:latin typeface="Times New Roman" panose="02020603050405020304" pitchFamily="18" charset="0"/>
+                <a:cs typeface="Times New Roman" panose="02020603050405020304" pitchFamily="18" charset="0"/>
+              </a:rPr>
               <a:t>)</a:t>
             </a:r>
             <a:r>
-              <a:rPr lang="ru-RU" dirty="0"/>
+              <a:rPr lang="ru-RU" dirty="0">
+                <a:latin typeface="Times New Roman" panose="02020603050405020304" pitchFamily="18" charset="0"/>
+                <a:cs typeface="Times New Roman" panose="02020603050405020304" pitchFamily="18" charset="0"/>
+              </a:rPr>
               <a:t> и </a:t>
             </a:r>
             <a:r>
-              <a:rPr lang="ru-RU" i="1" dirty="0"/>
+              <a:rPr lang="ru-RU" i="1" dirty="0">
+                <a:latin typeface="Times New Roman" panose="02020603050405020304" pitchFamily="18" charset="0"/>
+                <a:cs typeface="Times New Roman" panose="02020603050405020304" pitchFamily="18" charset="0"/>
+              </a:rPr>
               <a:t>"композитное приложение"</a:t>
             </a:r>
             <a:r>
-              <a:rPr lang="ru-RU" dirty="0"/>
+              <a:rPr lang="ru-RU" dirty="0">
+                <a:latin typeface="Times New Roman" panose="02020603050405020304" pitchFamily="18" charset="0"/>
+                <a:cs typeface="Times New Roman" panose="02020603050405020304" pitchFamily="18" charset="0"/>
+              </a:rPr>
               <a:t>.</a:t>
             </a:r>
           </a:p>
@@ -4669,6 +4657,8 @@
                 <a:solidFill>
                   <a:srgbClr val="0070C0"/>
                 </a:solidFill>
+                <a:latin typeface="Times New Roman" panose="02020603050405020304" pitchFamily="18" charset="0"/>
+                <a:cs typeface="Times New Roman" panose="02020603050405020304" pitchFamily="18" charset="0"/>
               </a:rPr>
               <a:t>Сервисно-ориентированная архитектура </a:t>
             </a:r>
@@ -4677,6 +4667,8 @@
                 <a:solidFill>
                   <a:srgbClr val="0070C0"/>
                 </a:solidFill>
+                <a:latin typeface="Times New Roman" panose="02020603050405020304" pitchFamily="18" charset="0"/>
+                <a:cs typeface="Times New Roman" panose="02020603050405020304" pitchFamily="18" charset="0"/>
               </a:rPr>
               <a:t>SOA, </a:t>
             </a:r>
@@ -4685,6 +4677,8 @@
                 <a:solidFill>
                   <a:srgbClr val="0070C0"/>
                 </a:solidFill>
+                <a:latin typeface="Times New Roman" panose="02020603050405020304" pitchFamily="18" charset="0"/>
+                <a:cs typeface="Times New Roman" panose="02020603050405020304" pitchFamily="18" charset="0"/>
               </a:rPr>
               <a:t>service-oriented</a:t>
             </a:r>
@@ -4693,6 +4687,8 @@
                 <a:solidFill>
                   <a:srgbClr val="0070C0"/>
                 </a:solidFill>
+                <a:latin typeface="Times New Roman" panose="02020603050405020304" pitchFamily="18" charset="0"/>
+                <a:cs typeface="Times New Roman" panose="02020603050405020304" pitchFamily="18" charset="0"/>
               </a:rPr>
               <a:t> </a:t>
             </a:r>
@@ -4701,6 +4697,8 @@
                 <a:solidFill>
                   <a:srgbClr val="0070C0"/>
                 </a:solidFill>
+                <a:latin typeface="Times New Roman" panose="02020603050405020304" pitchFamily="18" charset="0"/>
+                <a:cs typeface="Times New Roman" panose="02020603050405020304" pitchFamily="18" charset="0"/>
               </a:rPr>
               <a:t>architecture</a:t>
             </a:r>
@@ -4709,6 +4707,8 @@
                 <a:solidFill>
                   <a:srgbClr val="0070C0"/>
                 </a:solidFill>
+                <a:latin typeface="Times New Roman" panose="02020603050405020304" pitchFamily="18" charset="0"/>
+                <a:cs typeface="Times New Roman" panose="02020603050405020304" pitchFamily="18" charset="0"/>
               </a:rPr>
               <a:t>)</a:t>
             </a:r>
@@ -4717,6 +4717,8 @@
                 <a:solidFill>
                   <a:srgbClr val="0070C0"/>
                 </a:solidFill>
+                <a:latin typeface="Times New Roman" panose="02020603050405020304" pitchFamily="18" charset="0"/>
+                <a:cs typeface="Times New Roman" panose="02020603050405020304" pitchFamily="18" charset="0"/>
               </a:rPr>
               <a:t> </a:t>
             </a:r>
@@ -4749,7 +4751,10 @@
               <a:buNone/>
             </a:pPr>
             <a:r>
-              <a:rPr lang="ru-RU" dirty="0"/>
+              <a:rPr lang="ru-RU" dirty="0">
+                <a:latin typeface="Times New Roman" panose="02020603050405020304" pitchFamily="18" charset="0"/>
+                <a:cs typeface="Times New Roman" panose="02020603050405020304" pitchFamily="18" charset="0"/>
+              </a:rPr>
               <a:t>Под сервис-ориентированной архитектурой </a:t>
             </a:r>
             <a:r>
@@ -4757,6 +4762,8 @@
                 <a:solidFill>
                   <a:srgbClr val="0070C0"/>
                 </a:solidFill>
+                <a:latin typeface="Times New Roman" panose="02020603050405020304" pitchFamily="18" charset="0"/>
+                <a:cs typeface="Times New Roman" panose="02020603050405020304" pitchFamily="18" charset="0"/>
               </a:rPr>
               <a:t>понимается модульный подход к проектированию прикладных информационных систем, который руководствуется следующими принципами:</a:t>
             </a:r>
@@ -4767,6 +4774,8 @@
                 <a:solidFill>
                   <a:srgbClr val="FF0000"/>
                 </a:solidFill>
+                <a:latin typeface="Times New Roman" panose="02020603050405020304" pitchFamily="18" charset="0"/>
+                <a:cs typeface="Times New Roman" panose="02020603050405020304" pitchFamily="18" charset="0"/>
               </a:rPr>
               <a:t>реализация бизнес-логики прикладной системы в виде некоторого количества программных модулей (сервисов), которые доступны извне (пользователям и другим модулям), чаще всего в режиме "запрос-ответ", через четко определенные формальные интерфейсы доступа;</a:t>
             </a:r>
@@ -4776,35 +4785,59 @@
               <a:buNone/>
             </a:pPr>
             <a:r>
-              <a:rPr lang="ru-RU" dirty="0"/>
+              <a:rPr lang="ru-RU" dirty="0">
+                <a:latin typeface="Times New Roman" panose="02020603050405020304" pitchFamily="18" charset="0"/>
+                <a:cs typeface="Times New Roman" panose="02020603050405020304" pitchFamily="18" charset="0"/>
+              </a:rPr>
               <a:t>Базовыми понятиями в такой архитектуре являются </a:t>
             </a:r>
             <a:r>
-              <a:rPr lang="ru-RU" i="1" dirty="0"/>
+              <a:rPr lang="ru-RU" i="1" dirty="0">
+                <a:latin typeface="Times New Roman" panose="02020603050405020304" pitchFamily="18" charset="0"/>
+                <a:cs typeface="Times New Roman" panose="02020603050405020304" pitchFamily="18" charset="0"/>
+              </a:rPr>
               <a:t>"информационная услуга“</a:t>
             </a:r>
             <a:r>
-              <a:rPr lang="en-US" i="1" dirty="0"/>
+              <a:rPr lang="en-US" i="1" dirty="0">
+                <a:latin typeface="Times New Roman" panose="02020603050405020304" pitchFamily="18" charset="0"/>
+                <a:cs typeface="Times New Roman" panose="02020603050405020304" pitchFamily="18" charset="0"/>
+              </a:rPr>
               <a:t> (</a:t>
             </a:r>
             <a:r>
-              <a:rPr lang="ru-RU" i="1" dirty="0"/>
+              <a:rPr lang="ru-RU" i="1" dirty="0">
+                <a:latin typeface="Times New Roman" panose="02020603050405020304" pitchFamily="18" charset="0"/>
+                <a:cs typeface="Times New Roman" panose="02020603050405020304" pitchFamily="18" charset="0"/>
+              </a:rPr>
               <a:t>сервис</a:t>
             </a:r>
             <a:r>
-              <a:rPr lang="en-US" i="1" dirty="0"/>
+              <a:rPr lang="en-US" i="1" dirty="0">
+                <a:latin typeface="Times New Roman" panose="02020603050405020304" pitchFamily="18" charset="0"/>
+                <a:cs typeface="Times New Roman" panose="02020603050405020304" pitchFamily="18" charset="0"/>
+              </a:rPr>
               <a:t>)</a:t>
             </a:r>
             <a:r>
-              <a:rPr lang="ru-RU" dirty="0"/>
+              <a:rPr lang="ru-RU" dirty="0">
+                <a:latin typeface="Times New Roman" panose="02020603050405020304" pitchFamily="18" charset="0"/>
+                <a:cs typeface="Times New Roman" panose="02020603050405020304" pitchFamily="18" charset="0"/>
+              </a:rPr>
               <a:t> и </a:t>
             </a:r>
             <a:r>
-              <a:rPr lang="ru-RU" i="1" dirty="0"/>
+              <a:rPr lang="ru-RU" i="1" dirty="0">
+                <a:latin typeface="Times New Roman" panose="02020603050405020304" pitchFamily="18" charset="0"/>
+                <a:cs typeface="Times New Roman" panose="02020603050405020304" pitchFamily="18" charset="0"/>
+              </a:rPr>
               <a:t>"композитное приложение"</a:t>
             </a:r>
             <a:r>
-              <a:rPr lang="ru-RU" dirty="0"/>
+              <a:rPr lang="ru-RU" dirty="0">
+                <a:latin typeface="Times New Roman" panose="02020603050405020304" pitchFamily="18" charset="0"/>
+                <a:cs typeface="Times New Roman" panose="02020603050405020304" pitchFamily="18" charset="0"/>
+              </a:rPr>
               <a:t>.</a:t>
             </a:r>
           </a:p>
@@ -4879,6 +4912,8 @@
                 <a:solidFill>
                   <a:srgbClr val="0070C0"/>
                 </a:solidFill>
+                <a:latin typeface="Times New Roman" panose="02020603050405020304" pitchFamily="18" charset="0"/>
+                <a:cs typeface="Times New Roman" panose="02020603050405020304" pitchFamily="18" charset="0"/>
               </a:rPr>
               <a:t>Сервисно-ориентированная архитектура </a:t>
             </a:r>
@@ -4887,6 +4922,8 @@
                 <a:solidFill>
                   <a:srgbClr val="0070C0"/>
                 </a:solidFill>
+                <a:latin typeface="Times New Roman" panose="02020603050405020304" pitchFamily="18" charset="0"/>
+                <a:cs typeface="Times New Roman" panose="02020603050405020304" pitchFamily="18" charset="0"/>
               </a:rPr>
               <a:t>SOA, </a:t>
             </a:r>
@@ -4895,6 +4932,8 @@
                 <a:solidFill>
                   <a:srgbClr val="0070C0"/>
                 </a:solidFill>
+                <a:latin typeface="Times New Roman" panose="02020603050405020304" pitchFamily="18" charset="0"/>
+                <a:cs typeface="Times New Roman" panose="02020603050405020304" pitchFamily="18" charset="0"/>
               </a:rPr>
               <a:t>service-oriented</a:t>
             </a:r>
@@ -4903,6 +4942,8 @@
                 <a:solidFill>
                   <a:srgbClr val="0070C0"/>
                 </a:solidFill>
+                <a:latin typeface="Times New Roman" panose="02020603050405020304" pitchFamily="18" charset="0"/>
+                <a:cs typeface="Times New Roman" panose="02020603050405020304" pitchFamily="18" charset="0"/>
               </a:rPr>
               <a:t> </a:t>
             </a:r>
@@ -4911,6 +4952,8 @@
                 <a:solidFill>
                   <a:srgbClr val="0070C0"/>
                 </a:solidFill>
+                <a:latin typeface="Times New Roman" panose="02020603050405020304" pitchFamily="18" charset="0"/>
+                <a:cs typeface="Times New Roman" panose="02020603050405020304" pitchFamily="18" charset="0"/>
               </a:rPr>
               <a:t>architecture</a:t>
             </a:r>
@@ -4919,6 +4962,8 @@
                 <a:solidFill>
                   <a:srgbClr val="0070C0"/>
                 </a:solidFill>
+                <a:latin typeface="Times New Roman" panose="02020603050405020304" pitchFamily="18" charset="0"/>
+                <a:cs typeface="Times New Roman" panose="02020603050405020304" pitchFamily="18" charset="0"/>
               </a:rPr>
               <a:t>)</a:t>
             </a:r>
@@ -4927,6 +4972,8 @@
                 <a:solidFill>
                   <a:srgbClr val="0070C0"/>
                 </a:solidFill>
+                <a:latin typeface="Times New Roman" panose="02020603050405020304" pitchFamily="18" charset="0"/>
+                <a:cs typeface="Times New Roman" panose="02020603050405020304" pitchFamily="18" charset="0"/>
               </a:rPr>
               <a:t> </a:t>
             </a:r>
@@ -4959,7 +5006,10 @@
               <a:buNone/>
             </a:pPr>
             <a:r>
-              <a:rPr lang="ru-RU" dirty="0"/>
+              <a:rPr lang="ru-RU" dirty="0">
+                <a:latin typeface="Times New Roman" panose="02020603050405020304" pitchFamily="18" charset="0"/>
+                <a:cs typeface="Times New Roman" panose="02020603050405020304" pitchFamily="18" charset="0"/>
+              </a:rPr>
               <a:t>Под сервис-ориентированной архитектурой </a:t>
             </a:r>
             <a:r>
@@ -4967,6 +5017,8 @@
                 <a:solidFill>
                   <a:srgbClr val="0070C0"/>
                 </a:solidFill>
+                <a:latin typeface="Times New Roman" panose="02020603050405020304" pitchFamily="18" charset="0"/>
+                <a:cs typeface="Times New Roman" panose="02020603050405020304" pitchFamily="18" charset="0"/>
               </a:rPr>
               <a:t>понимается модульный подход к проектированию прикладных информационных систем, который руководствуется следующими принципами:</a:t>
             </a:r>
@@ -4977,6 +5029,8 @@
                 <a:solidFill>
                   <a:srgbClr val="FF0000"/>
                 </a:solidFill>
+                <a:latin typeface="Times New Roman" panose="02020603050405020304" pitchFamily="18" charset="0"/>
+                <a:cs typeface="Times New Roman" panose="02020603050405020304" pitchFamily="18" charset="0"/>
               </a:rPr>
               <a:t>при этом "потребитель услуги", который может быть прикладной системой или другим сервисом, имеет возможность вызвать сервис через интерфейсы, используя соответствующие коммуникационные механизмы.</a:t>
             </a:r>
@@ -4986,35 +5040,59 @@
               <a:buNone/>
             </a:pPr>
             <a:r>
-              <a:rPr lang="ru-RU" dirty="0"/>
+              <a:rPr lang="ru-RU" dirty="0">
+                <a:latin typeface="Times New Roman" panose="02020603050405020304" pitchFamily="18" charset="0"/>
+                <a:cs typeface="Times New Roman" panose="02020603050405020304" pitchFamily="18" charset="0"/>
+              </a:rPr>
               <a:t>Базовыми понятиями в такой архитектуре являются </a:t>
             </a:r>
             <a:r>
-              <a:rPr lang="ru-RU" i="1" dirty="0"/>
+              <a:rPr lang="ru-RU" i="1" dirty="0">
+                <a:latin typeface="Times New Roman" panose="02020603050405020304" pitchFamily="18" charset="0"/>
+                <a:cs typeface="Times New Roman" panose="02020603050405020304" pitchFamily="18" charset="0"/>
+              </a:rPr>
               <a:t>"информационная услуга“</a:t>
             </a:r>
             <a:r>
-              <a:rPr lang="en-US" i="1" dirty="0"/>
+              <a:rPr lang="en-US" i="1" dirty="0">
+                <a:latin typeface="Times New Roman" panose="02020603050405020304" pitchFamily="18" charset="0"/>
+                <a:cs typeface="Times New Roman" panose="02020603050405020304" pitchFamily="18" charset="0"/>
+              </a:rPr>
               <a:t> (</a:t>
             </a:r>
             <a:r>
-              <a:rPr lang="ru-RU" i="1" dirty="0"/>
+              <a:rPr lang="ru-RU" i="1" dirty="0">
+                <a:latin typeface="Times New Roman" panose="02020603050405020304" pitchFamily="18" charset="0"/>
+                <a:cs typeface="Times New Roman" panose="02020603050405020304" pitchFamily="18" charset="0"/>
+              </a:rPr>
               <a:t>сервис</a:t>
             </a:r>
             <a:r>
-              <a:rPr lang="en-US" i="1" dirty="0"/>
+              <a:rPr lang="en-US" i="1" dirty="0">
+                <a:latin typeface="Times New Roman" panose="02020603050405020304" pitchFamily="18" charset="0"/>
+                <a:cs typeface="Times New Roman" panose="02020603050405020304" pitchFamily="18" charset="0"/>
+              </a:rPr>
               <a:t>)</a:t>
             </a:r>
             <a:r>
-              <a:rPr lang="ru-RU" dirty="0"/>
+              <a:rPr lang="ru-RU" dirty="0">
+                <a:latin typeface="Times New Roman" panose="02020603050405020304" pitchFamily="18" charset="0"/>
+                <a:cs typeface="Times New Roman" panose="02020603050405020304" pitchFamily="18" charset="0"/>
+              </a:rPr>
               <a:t> и </a:t>
             </a:r>
             <a:r>
-              <a:rPr lang="ru-RU" i="1" dirty="0"/>
+              <a:rPr lang="ru-RU" i="1" dirty="0">
+                <a:latin typeface="Times New Roman" panose="02020603050405020304" pitchFamily="18" charset="0"/>
+                <a:cs typeface="Times New Roman" panose="02020603050405020304" pitchFamily="18" charset="0"/>
+              </a:rPr>
               <a:t>"композитное приложение"</a:t>
             </a:r>
             <a:r>
-              <a:rPr lang="ru-RU" dirty="0"/>
+              <a:rPr lang="ru-RU" dirty="0">
+                <a:latin typeface="Times New Roman" panose="02020603050405020304" pitchFamily="18" charset="0"/>
+                <a:cs typeface="Times New Roman" panose="02020603050405020304" pitchFamily="18" charset="0"/>
+              </a:rPr>
               <a:t>.</a:t>
             </a:r>
           </a:p>
@@ -5082,6 +5160,8 @@
                 <a:solidFill>
                   <a:srgbClr val="0070C0"/>
                 </a:solidFill>
+                <a:latin typeface="Times New Roman" panose="02020603050405020304" pitchFamily="18" charset="0"/>
+                <a:cs typeface="Times New Roman" panose="02020603050405020304" pitchFamily="18" charset="0"/>
               </a:rPr>
               <a:t>Принципы </a:t>
             </a:r>
@@ -5090,6 +5170,8 @@
                 <a:solidFill>
                   <a:srgbClr val="0070C0"/>
                 </a:solidFill>
+                <a:latin typeface="Times New Roman" panose="02020603050405020304" pitchFamily="18" charset="0"/>
+                <a:cs typeface="Times New Roman" panose="02020603050405020304" pitchFamily="18" charset="0"/>
               </a:rPr>
               <a:t>SOA:</a:t>
             </a:r>
@@ -5097,6 +5179,8 @@
               <a:solidFill>
                 <a:srgbClr val="0070C0"/>
               </a:solidFill>
+              <a:latin typeface="Times New Roman" panose="02020603050405020304" pitchFamily="18" charset="0"/>
+              <a:cs typeface="Times New Roman" panose="02020603050405020304" pitchFamily="18" charset="0"/>
             </a:endParaRPr>
           </a:p>
         </p:txBody>
@@ -5123,6 +5207,8 @@
                 <a:solidFill>
                   <a:srgbClr val="0070C0"/>
                 </a:solidFill>
+                <a:latin typeface="Times New Roman" panose="02020603050405020304" pitchFamily="18" charset="0"/>
+                <a:cs typeface="Times New Roman" panose="02020603050405020304" pitchFamily="18" charset="0"/>
               </a:rPr>
               <a:t>архитектура</a:t>
             </a:r>
@@ -5131,6 +5217,8 @@
                 <a:solidFill>
                   <a:srgbClr val="0070C0"/>
                 </a:solidFill>
+                <a:latin typeface="Times New Roman" panose="02020603050405020304" pitchFamily="18" charset="0"/>
+                <a:cs typeface="Times New Roman" panose="02020603050405020304" pitchFamily="18" charset="0"/>
               </a:rPr>
               <a:t>, как таковая, не привязана к какой-то определенной технологии;</a:t>
             </a:r>
@@ -5141,6 +5229,8 @@
                 <a:solidFill>
                   <a:srgbClr val="0070C0"/>
                 </a:solidFill>
+                <a:latin typeface="Times New Roman" panose="02020603050405020304" pitchFamily="18" charset="0"/>
+                <a:cs typeface="Times New Roman" panose="02020603050405020304" pitchFamily="18" charset="0"/>
               </a:rPr>
               <a:t>независимость организации системы от используемой вычислительной платформы (платформ);</a:t>
             </a:r>
@@ -5151,12 +5241,17 @@
                 <a:solidFill>
                   <a:srgbClr val="0070C0"/>
                 </a:solidFill>
+                <a:latin typeface="Times New Roman" panose="02020603050405020304" pitchFamily="18" charset="0"/>
+                <a:cs typeface="Times New Roman" panose="02020603050405020304" pitchFamily="18" charset="0"/>
               </a:rPr>
               <a:t>независимость организации системы от применяемых языков программирования;</a:t>
             </a:r>
           </a:p>
           <a:p>
-            <a:endParaRPr lang="ru-RU" dirty="0"/>
+            <a:endParaRPr lang="ru-RU" dirty="0">
+              <a:latin typeface="Times New Roman" panose="02020603050405020304" pitchFamily="18" charset="0"/>
+              <a:cs typeface="Times New Roman" panose="02020603050405020304" pitchFamily="18" charset="0"/>
+            </a:endParaRPr>
           </a:p>
         </p:txBody>
       </p:sp>
@@ -5213,6 +5308,8 @@
                 <a:solidFill>
                   <a:srgbClr val="0070C0"/>
                 </a:solidFill>
+                <a:latin typeface="Times New Roman" panose="02020603050405020304" pitchFamily="18" charset="0"/>
+                <a:cs typeface="Times New Roman" panose="02020603050405020304" pitchFamily="18" charset="0"/>
               </a:rPr>
               <a:t>Принципы </a:t>
             </a:r>
@@ -5221,6 +5318,8 @@
                 <a:solidFill>
                   <a:srgbClr val="0070C0"/>
                 </a:solidFill>
+                <a:latin typeface="Times New Roman" panose="02020603050405020304" pitchFamily="18" charset="0"/>
+                <a:cs typeface="Times New Roman" panose="02020603050405020304" pitchFamily="18" charset="0"/>
               </a:rPr>
               <a:t>SOA:</a:t>
             </a:r>
@@ -5228,6 +5327,8 @@
               <a:solidFill>
                 <a:srgbClr val="0070C0"/>
               </a:solidFill>
+              <a:latin typeface="Times New Roman" panose="02020603050405020304" pitchFamily="18" charset="0"/>
+              <a:cs typeface="Times New Roman" panose="02020603050405020304" pitchFamily="18" charset="0"/>
             </a:endParaRPr>
           </a:p>
         </p:txBody>
@@ -5254,6 +5355,8 @@
                 <a:solidFill>
                   <a:srgbClr val="0070C0"/>
                 </a:solidFill>
+                <a:latin typeface="Times New Roman" panose="02020603050405020304" pitchFamily="18" charset="0"/>
+                <a:cs typeface="Times New Roman" panose="02020603050405020304" pitchFamily="18" charset="0"/>
               </a:rPr>
               <a:t>использование сервисов, независимых от конкретных приложений, с единообразными интерфейсами доступа к ним;</a:t>
             </a:r>
@@ -5264,12 +5367,17 @@
                 <a:solidFill>
                   <a:srgbClr val="0070C0"/>
                 </a:solidFill>
+                <a:latin typeface="Times New Roman" panose="02020603050405020304" pitchFamily="18" charset="0"/>
+                <a:cs typeface="Times New Roman" panose="02020603050405020304" pitchFamily="18" charset="0"/>
               </a:rPr>
               <a:t>организация сервисов как слабосвязанных компонентов для построения систем.</a:t>
             </a:r>
           </a:p>
           <a:p>
-            <a:endParaRPr lang="ru-RU" dirty="0"/>
+            <a:endParaRPr lang="ru-RU" dirty="0">
+              <a:latin typeface="Times New Roman" panose="02020603050405020304" pitchFamily="18" charset="0"/>
+              <a:cs typeface="Times New Roman" panose="02020603050405020304" pitchFamily="18" charset="0"/>
+            </a:endParaRPr>
           </a:p>
         </p:txBody>
       </p:sp>
@@ -5335,6 +5443,8 @@
                 <a:solidFill>
                   <a:srgbClr val="0070C0"/>
                 </a:solidFill>
+                <a:latin typeface="Times New Roman" panose="02020603050405020304" pitchFamily="18" charset="0"/>
+                <a:cs typeface="Times New Roman" panose="02020603050405020304" pitchFamily="18" charset="0"/>
               </a:rPr>
               <a:t>Информационная услуга (сервис)</a:t>
             </a:r>
@@ -5366,6 +5476,8 @@
                 <a:solidFill>
                   <a:srgbClr val="FF0000"/>
                 </a:solidFill>
+                <a:latin typeface="Times New Roman" panose="02020603050405020304" pitchFamily="18" charset="0"/>
+                <a:cs typeface="Times New Roman" panose="02020603050405020304" pitchFamily="18" charset="0"/>
               </a:rPr>
               <a:t>Информационная услуга</a:t>
             </a:r>
@@ -5374,11 +5486,16 @@
                 <a:solidFill>
                   <a:srgbClr val="FF0000"/>
                 </a:solidFill>
+                <a:latin typeface="Times New Roman" panose="02020603050405020304" pitchFamily="18" charset="0"/>
+                <a:cs typeface="Times New Roman" panose="02020603050405020304" pitchFamily="18" charset="0"/>
               </a:rPr>
               <a:t> (сервис</a:t>
             </a:r>
             <a:r>
-              <a:rPr lang="ru-RU" dirty="0"/>
+              <a:rPr lang="ru-RU" dirty="0">
+                <a:latin typeface="Times New Roman" panose="02020603050405020304" pitchFamily="18" charset="0"/>
+                <a:cs typeface="Times New Roman" panose="02020603050405020304" pitchFamily="18" charset="0"/>
+              </a:rPr>
               <a:t>) - </a:t>
             </a:r>
             <a:r>
@@ -5386,6 +5503,8 @@
                 <a:solidFill>
                   <a:srgbClr val="0070C0"/>
                 </a:solidFill>
+                <a:latin typeface="Times New Roman" panose="02020603050405020304" pitchFamily="18" charset="0"/>
+                <a:cs typeface="Times New Roman" panose="02020603050405020304" pitchFamily="18" charset="0"/>
               </a:rPr>
               <a:t>это </a:t>
             </a:r>
@@ -5394,14 +5513,38 @@
                 <a:solidFill>
                   <a:srgbClr val="0070C0"/>
                 </a:solidFill>
-              </a:rPr>
-              <a:t>атомарная</a:t>
-            </a:r>
-            <a:r>
-              <a:rPr lang="ru-RU" dirty="0">
-                <a:solidFill>
-                  <a:srgbClr val="0070C0"/>
-                </a:solidFill>
+                <a:latin typeface="Times New Roman" panose="02020603050405020304" pitchFamily="18" charset="0"/>
+                <a:cs typeface="Times New Roman" panose="02020603050405020304" pitchFamily="18" charset="0"/>
+              </a:rPr>
+              <a:t>атомарная(целиком либо не </a:t>
+            </a:r>
+            <a:r>
+              <a:rPr lang="ru-RU" i="1" dirty="0" err="1">
+                <a:solidFill>
+                  <a:srgbClr val="0070C0"/>
+                </a:solidFill>
+                <a:latin typeface="Times New Roman" panose="02020603050405020304" pitchFamily="18" charset="0"/>
+                <a:cs typeface="Times New Roman" panose="02020603050405020304" pitchFamily="18" charset="0"/>
+              </a:rPr>
+              <a:t>выполн</a:t>
+            </a:r>
+            <a:r>
+              <a:rPr lang="ru-RU" i="1" dirty="0">
+                <a:solidFill>
+                  <a:srgbClr val="0070C0"/>
+                </a:solidFill>
+                <a:latin typeface="Times New Roman" panose="02020603050405020304" pitchFamily="18" charset="0"/>
+                <a:cs typeface="Times New Roman" panose="02020603050405020304" pitchFamily="18" charset="0"/>
+              </a:rPr>
+              <a:t>.)</a:t>
+            </a:r>
+            <a:r>
+              <a:rPr lang="ru-RU" dirty="0">
+                <a:solidFill>
+                  <a:srgbClr val="0070C0"/>
+                </a:solidFill>
+                <a:latin typeface="Times New Roman" panose="02020603050405020304" pitchFamily="18" charset="0"/>
+                <a:cs typeface="Times New Roman" panose="02020603050405020304" pitchFamily="18" charset="0"/>
               </a:rPr>
               <a:t> прикладная </a:t>
             </a:r>
@@ -5410,6 +5553,8 @@
                 <a:solidFill>
                   <a:srgbClr val="0070C0"/>
                 </a:solidFill>
+                <a:latin typeface="Times New Roman" panose="02020603050405020304" pitchFamily="18" charset="0"/>
+                <a:cs typeface="Times New Roman" panose="02020603050405020304" pitchFamily="18" charset="0"/>
               </a:rPr>
               <a:t>функция</a:t>
             </a:r>
@@ -5418,6 +5563,8 @@
                 <a:solidFill>
                   <a:srgbClr val="0070C0"/>
                 </a:solidFill>
+                <a:latin typeface="Times New Roman" panose="02020603050405020304" pitchFamily="18" charset="0"/>
+                <a:cs typeface="Times New Roman" panose="02020603050405020304" pitchFamily="18" charset="0"/>
               </a:rPr>
               <a:t> </a:t>
             </a:r>
@@ -5426,6 +5573,8 @@
                 <a:solidFill>
                   <a:srgbClr val="0070C0"/>
                 </a:solidFill>
+                <a:latin typeface="Times New Roman" panose="02020603050405020304" pitchFamily="18" charset="0"/>
+                <a:cs typeface="Times New Roman" panose="02020603050405020304" pitchFamily="18" charset="0"/>
               </a:rPr>
               <a:t>автоматизированной системы</a:t>
             </a:r>
@@ -5434,66 +5583,20 @@
                 <a:solidFill>
                   <a:srgbClr val="0070C0"/>
                 </a:solidFill>
+                <a:latin typeface="Times New Roman" panose="02020603050405020304" pitchFamily="18" charset="0"/>
+                <a:cs typeface="Times New Roman" panose="02020603050405020304" pitchFamily="18" charset="0"/>
               </a:rPr>
               <a:t>, которая пригодна для использования при разработке приложений, реализующих прикладную логику автоматизируемых процессов как в самой системе, так и для использования в приложениях других автоматизированных систем.</a:t>
             </a:r>
           </a:p>
           <a:p>
-            <a:endParaRPr lang="ru-RU" dirty="0"/>
-          </a:p>
-        </p:txBody>
-      </p:sp>
-      <mc:AlternateContent xmlns:mc="http://schemas.openxmlformats.org/markup-compatibility/2006" xmlns:p14="http://schemas.microsoft.com/office/powerpoint/2010/main">
-        <mc:Choice Requires="p14">
-          <p:contentPart p14:bwMode="auto" r:id="rId2">
-            <p14:nvContentPartPr>
-              <p14:cNvPr id="4" name="Рукописный ввод 3">
-                <a:extLst>
-                  <a:ext uri="{FF2B5EF4-FFF2-40B4-BE49-F238E27FC236}">
-                    <a16:creationId xmlns:a16="http://schemas.microsoft.com/office/drawing/2014/main" id="{8A8FCF23-2FDE-4D40-B50F-6855DD6F0A44}"/>
-                  </a:ext>
-                </a:extLst>
-              </p14:cNvPr>
-              <p14:cNvContentPartPr/>
-              <p14:nvPr/>
-            </p14:nvContentPartPr>
-            <p14:xfrm>
-              <a:off x="224640" y="2642760"/>
-              <a:ext cx="10319400" cy="3841200"/>
-            </p14:xfrm>
-          </p:contentPart>
-        </mc:Choice>
-        <mc:Fallback xmlns="">
-          <p:pic>
-            <p:nvPicPr>
-              <p:cNvPr id="4" name="Рукописный ввод 3">
-                <a:extLst>
-                  <a:ext uri="{FF2B5EF4-FFF2-40B4-BE49-F238E27FC236}">
-                    <a16:creationId xmlns:a16="http://schemas.microsoft.com/office/drawing/2014/main" id="{8A8FCF23-2FDE-4D40-B50F-6855DD6F0A44}"/>
-                  </a:ext>
-                </a:extLst>
-              </p:cNvPr>
-              <p:cNvPicPr/>
-              <p:nvPr/>
-            </p:nvPicPr>
-            <p:blipFill>
-              <a:blip r:embed="rId3"/>
-              <a:stretch>
-                <a:fillRect/>
-              </a:stretch>
-            </p:blipFill>
-            <p:spPr>
-              <a:xfrm>
-                <a:off x="215280" y="2633400"/>
-                <a:ext cx="10338120" cy="3859920"/>
-              </a:xfrm>
-              <a:prstGeom prst="rect">
-                <a:avLst/>
-              </a:prstGeom>
-            </p:spPr>
-          </p:pic>
-        </mc:Fallback>
-      </mc:AlternateContent>
+            <a:endParaRPr lang="ru-RU" dirty="0">
+              <a:latin typeface="Times New Roman" panose="02020603050405020304" pitchFamily="18" charset="0"/>
+              <a:cs typeface="Times New Roman" panose="02020603050405020304" pitchFamily="18" charset="0"/>
+            </a:endParaRPr>
+          </a:p>
+        </p:txBody>
+      </p:sp>
     </p:spTree>
     <p:extLst>
       <p:ext uri="{BB962C8B-B14F-4D97-AF65-F5344CB8AC3E}">
@@ -5547,6 +5650,8 @@
                 <a:solidFill>
                   <a:srgbClr val="0070C0"/>
                 </a:solidFill>
+                <a:latin typeface="Times New Roman" panose="02020603050405020304" pitchFamily="18" charset="0"/>
+                <a:cs typeface="Times New Roman" panose="02020603050405020304" pitchFamily="18" charset="0"/>
               </a:rPr>
               <a:t>Информационная услуга (сервис)</a:t>
             </a:r>
@@ -5578,6 +5683,8 @@
                 <a:solidFill>
                   <a:srgbClr val="0070C0"/>
                 </a:solidFill>
+                <a:latin typeface="Times New Roman" panose="02020603050405020304" pitchFamily="18" charset="0"/>
+                <a:cs typeface="Times New Roman" panose="02020603050405020304" pitchFamily="18" charset="0"/>
               </a:rPr>
               <a:t>Сервис обычно характеризуется следующими свойствами:</a:t>
             </a:r>
@@ -5588,6 +5695,8 @@
                 <a:solidFill>
                   <a:srgbClr val="FF0000"/>
                 </a:solidFill>
+                <a:latin typeface="Times New Roman" panose="02020603050405020304" pitchFamily="18" charset="0"/>
+                <a:cs typeface="Times New Roman" panose="02020603050405020304" pitchFamily="18" charset="0"/>
               </a:rPr>
               <a:t>возможность многократного применения</a:t>
             </a:r>
@@ -5596,6 +5705,8 @@
                 <a:solidFill>
                   <a:srgbClr val="0070C0"/>
                 </a:solidFill>
+                <a:latin typeface="Times New Roman" panose="02020603050405020304" pitchFamily="18" charset="0"/>
+                <a:cs typeface="Times New Roman" panose="02020603050405020304" pitchFamily="18" charset="0"/>
               </a:rPr>
               <a:t>;</a:t>
             </a:r>
@@ -5606,6 +5717,8 @@
                 <a:solidFill>
                   <a:srgbClr val="FF0000"/>
                 </a:solidFill>
+                <a:latin typeface="Times New Roman" panose="02020603050405020304" pitchFamily="18" charset="0"/>
+                <a:cs typeface="Times New Roman" panose="02020603050405020304" pitchFamily="18" charset="0"/>
               </a:rPr>
               <a:t>услуга может быть определена одним или несколькими технологически независимыми интерфейсами</a:t>
             </a:r>
@@ -5614,6 +5727,8 @@
                 <a:solidFill>
                   <a:srgbClr val="0070C0"/>
                 </a:solidFill>
+                <a:latin typeface="Times New Roman" panose="02020603050405020304" pitchFamily="18" charset="0"/>
+                <a:cs typeface="Times New Roman" panose="02020603050405020304" pitchFamily="18" charset="0"/>
               </a:rPr>
               <a:t>;</a:t>
             </a:r>
@@ -5624,6 +5739,8 @@
                 <a:solidFill>
                   <a:srgbClr val="FF0000"/>
                 </a:solidFill>
+                <a:latin typeface="Times New Roman" panose="02020603050405020304" pitchFamily="18" charset="0"/>
+                <a:cs typeface="Times New Roman" panose="02020603050405020304" pitchFamily="18" charset="0"/>
               </a:rPr>
               <a:t>выделенные услуги слабо связаны между собой, и каждая из них может быть вызвана посредством </a:t>
             </a:r>
@@ -5632,6 +5749,8 @@
                 <a:solidFill>
                   <a:srgbClr val="FF0000"/>
                 </a:solidFill>
+                <a:latin typeface="Times New Roman" panose="02020603050405020304" pitchFamily="18" charset="0"/>
+                <a:cs typeface="Times New Roman" panose="02020603050405020304" pitchFamily="18" charset="0"/>
               </a:rPr>
               <a:t>коммуникационных протоколов</a:t>
             </a:r>
@@ -5640,6 +5759,8 @@
                 <a:solidFill>
                   <a:srgbClr val="FF0000"/>
                 </a:solidFill>
+                <a:latin typeface="Times New Roman" panose="02020603050405020304" pitchFamily="18" charset="0"/>
+                <a:cs typeface="Times New Roman" panose="02020603050405020304" pitchFamily="18" charset="0"/>
               </a:rPr>
               <a:t>, обеспечивающих возможность взаимодействия услуг между собой</a:t>
             </a:r>
@@ -5648,12 +5769,17 @@
                 <a:solidFill>
                   <a:srgbClr val="0070C0"/>
                 </a:solidFill>
+                <a:latin typeface="Times New Roman" panose="02020603050405020304" pitchFamily="18" charset="0"/>
+                <a:cs typeface="Times New Roman" panose="02020603050405020304" pitchFamily="18" charset="0"/>
               </a:rPr>
               <a:t>.</a:t>
             </a:r>
           </a:p>
           <a:p>
-            <a:endParaRPr lang="ru-RU" dirty="0"/>
+            <a:endParaRPr lang="ru-RU" dirty="0">
+              <a:latin typeface="Times New Roman" panose="02020603050405020304" pitchFamily="18" charset="0"/>
+              <a:cs typeface="Times New Roman" panose="02020603050405020304" pitchFamily="18" charset="0"/>
+            </a:endParaRPr>
           </a:p>
         </p:txBody>
       </p:sp>
@@ -5712,6 +5838,8 @@
                 <a:solidFill>
                   <a:srgbClr val="0070C0"/>
                 </a:solidFill>
+                <a:latin typeface="Times New Roman" panose="02020603050405020304" pitchFamily="18" charset="0"/>
+                <a:cs typeface="Times New Roman" panose="02020603050405020304" pitchFamily="18" charset="0"/>
               </a:rPr>
               <a:t>Композитное (составное) приложение</a:t>
             </a:r>
@@ -5740,6 +5868,8 @@
                 <a:solidFill>
                   <a:srgbClr val="FF0000"/>
                 </a:solidFill>
+                <a:latin typeface="Times New Roman" panose="02020603050405020304" pitchFamily="18" charset="0"/>
+                <a:cs typeface="Times New Roman" panose="02020603050405020304" pitchFamily="18" charset="0"/>
               </a:rPr>
               <a:t>Композитное (составное) приложение</a:t>
             </a:r>
@@ -5748,6 +5878,8 @@
                 <a:solidFill>
                   <a:srgbClr val="FF0000"/>
                 </a:solidFill>
+                <a:latin typeface="Times New Roman" panose="02020603050405020304" pitchFamily="18" charset="0"/>
+                <a:cs typeface="Times New Roman" panose="02020603050405020304" pitchFamily="18" charset="0"/>
               </a:rPr>
               <a:t> </a:t>
             </a:r>
@@ -5756,40 +5888,30 @@
                 <a:solidFill>
                   <a:srgbClr val="0070C0"/>
                 </a:solidFill>
-              </a:rPr>
-              <a:t>- программное решение для конкретной прикладной проблемы, которое связывает прикладную логику процесса с источниками данных и информационных услуг, хранящихся </a:t>
-            </a:r>
-            <a:r>
-              <a:rPr lang="ru-RU">
-                <a:solidFill>
-                  <a:srgbClr val="0070C0"/>
-                </a:solidFill>
-              </a:rPr>
-              <a:t>на </a:t>
-            </a:r>
-            <a:r>
-              <a:rPr lang="ru-RU" i="1">
-                <a:solidFill>
-                  <a:srgbClr val="0070C0"/>
-                </a:solidFill>
+                <a:latin typeface="Times New Roman" panose="02020603050405020304" pitchFamily="18" charset="0"/>
+                <a:cs typeface="Times New Roman" panose="02020603050405020304" pitchFamily="18" charset="0"/>
+              </a:rPr>
+              <a:t>- программное решение для конкретной прикладной проблемы, которое связывает прикладную логику процесса с источниками данных и информационных услуг, хранящихся на </a:t>
+            </a:r>
+            <a:r>
+              <a:rPr lang="ru-RU" i="1" dirty="0">
+                <a:solidFill>
+                  <a:srgbClr val="0070C0"/>
+                </a:solidFill>
+                <a:latin typeface="Times New Roman" panose="02020603050405020304" pitchFamily="18" charset="0"/>
+                <a:cs typeface="Times New Roman" panose="02020603050405020304" pitchFamily="18" charset="0"/>
               </a:rPr>
               <a:t>разнородном</a:t>
             </a:r>
             <a:r>
-              <a:rPr lang="ru-RU">
-                <a:solidFill>
-                  <a:srgbClr val="0070C0"/>
-                </a:solidFill>
-              </a:rPr>
-              <a:t> </a:t>
-            </a:r>
-            <a:r>
-              <a:rPr lang="ru-RU" dirty="0">
-                <a:solidFill>
-                  <a:srgbClr val="0070C0"/>
-                </a:solidFill>
-              </a:rPr>
-              <a:t>множестве базовых информационных систем. </a:t>
+              <a:rPr lang="ru-RU" dirty="0">
+                <a:solidFill>
+                  <a:srgbClr val="0070C0"/>
+                </a:solidFill>
+                <a:latin typeface="Times New Roman" panose="02020603050405020304" pitchFamily="18" charset="0"/>
+                <a:cs typeface="Times New Roman" panose="02020603050405020304" pitchFamily="18" charset="0"/>
+              </a:rPr>
+              <a:t> множестве базовых информационных систем. </a:t>
             </a:r>
           </a:p>
           <a:p>
@@ -5798,6 +5920,8 @@
                 <a:solidFill>
                   <a:srgbClr val="FF0000"/>
                 </a:solidFill>
+                <a:latin typeface="Times New Roman" panose="02020603050405020304" pitchFamily="18" charset="0"/>
+                <a:cs typeface="Times New Roman" panose="02020603050405020304" pitchFamily="18" charset="0"/>
               </a:rPr>
               <a:t>Обычно композитные приложения ассоциированы с процессами деятельности и могут объединять различные этапы процессов</a:t>
             </a:r>
@@ -5806,6 +5930,8 @@
                 <a:solidFill>
                   <a:srgbClr val="0070C0"/>
                 </a:solidFill>
+                <a:latin typeface="Times New Roman" panose="02020603050405020304" pitchFamily="18" charset="0"/>
+                <a:cs typeface="Times New Roman" panose="02020603050405020304" pitchFamily="18" charset="0"/>
               </a:rPr>
               <a:t>, представляя их пользователю через единый </a:t>
             </a:r>
@@ -5814,6 +5940,8 @@
                 <a:solidFill>
                   <a:srgbClr val="0070C0"/>
                 </a:solidFill>
+                <a:latin typeface="Times New Roman" panose="02020603050405020304" pitchFamily="18" charset="0"/>
+                <a:cs typeface="Times New Roman" panose="02020603050405020304" pitchFamily="18" charset="0"/>
               </a:rPr>
               <a:t>интерфейс</a:t>
             </a:r>
@@ -5822,6 +5950,8 @@
                 <a:solidFill>
                   <a:srgbClr val="0070C0"/>
                 </a:solidFill>
+                <a:latin typeface="Times New Roman" panose="02020603050405020304" pitchFamily="18" charset="0"/>
+                <a:cs typeface="Times New Roman" panose="02020603050405020304" pitchFamily="18" charset="0"/>
               </a:rPr>
               <a:t>.</a:t>
             </a:r>
@@ -5932,6 +6062,8 @@
                 <a:solidFill>
                   <a:srgbClr val="0070C0"/>
                 </a:solidFill>
+                <a:latin typeface="Times New Roman" panose="02020603050405020304" pitchFamily="18" charset="0"/>
+                <a:cs typeface="Times New Roman" panose="02020603050405020304" pitchFamily="18" charset="0"/>
               </a:rPr>
               <a:t>SOA </a:t>
             </a:r>
@@ -5940,6 +6072,8 @@
                 <a:solidFill>
                   <a:srgbClr val="0070C0"/>
                 </a:solidFill>
+                <a:latin typeface="Times New Roman" panose="02020603050405020304" pitchFamily="18" charset="0"/>
+                <a:cs typeface="Times New Roman" panose="02020603050405020304" pitchFamily="18" charset="0"/>
               </a:rPr>
               <a:t>позволяет:</a:t>
             </a:r>
@@ -5978,6 +6112,8 @@
                 <a:solidFill>
                   <a:srgbClr val="0070C0"/>
                 </a:solidFill>
+                <a:latin typeface="Times New Roman" panose="02020603050405020304" pitchFamily="18" charset="0"/>
+                <a:cs typeface="Times New Roman" panose="02020603050405020304" pitchFamily="18" charset="0"/>
               </a:rPr>
               <a:t>создать систему корпоративных композитных приложений, основанных на системе корпоративных </a:t>
             </a:r>
@@ -5986,6 +6122,8 @@
                 <a:solidFill>
                   <a:srgbClr val="0070C0"/>
                 </a:solidFill>
+                <a:latin typeface="Times New Roman" panose="02020603050405020304" pitchFamily="18" charset="0"/>
+                <a:cs typeface="Times New Roman" panose="02020603050405020304" pitchFamily="18" charset="0"/>
               </a:rPr>
               <a:t>Web</a:t>
             </a:r>
@@ -5994,6 +6132,8 @@
                 <a:solidFill>
                   <a:srgbClr val="0070C0"/>
                 </a:solidFill>
+                <a:latin typeface="Times New Roman" panose="02020603050405020304" pitchFamily="18" charset="0"/>
+                <a:cs typeface="Times New Roman" panose="02020603050405020304" pitchFamily="18" charset="0"/>
               </a:rPr>
               <a:t>-сервисов;</a:t>
             </a:r>
@@ -6009,6 +6149,8 @@
                 <a:solidFill>
                   <a:srgbClr val="0070C0"/>
                 </a:solidFill>
+                <a:latin typeface="Times New Roman" panose="02020603050405020304" pitchFamily="18" charset="0"/>
+                <a:cs typeface="Times New Roman" panose="02020603050405020304" pitchFamily="18" charset="0"/>
               </a:rPr>
               <a:t>организовать </a:t>
             </a:r>
@@ -6017,6 +6159,8 @@
                 <a:solidFill>
                   <a:srgbClr val="0070C0"/>
                 </a:solidFill>
+                <a:latin typeface="Times New Roman" panose="02020603050405020304" pitchFamily="18" charset="0"/>
+                <a:cs typeface="Times New Roman" panose="02020603050405020304" pitchFamily="18" charset="0"/>
               </a:rPr>
               <a:t>интеграцию приложений</a:t>
             </a:r>
@@ -6025,6 +6169,8 @@
                 <a:solidFill>
                   <a:srgbClr val="0070C0"/>
                 </a:solidFill>
+                <a:latin typeface="Times New Roman" panose="02020603050405020304" pitchFamily="18" charset="0"/>
+                <a:cs typeface="Times New Roman" panose="02020603050405020304" pitchFamily="18" charset="0"/>
               </a:rPr>
               <a:t>, бизнес-процессов, с автоматизацией бизнес-процессов;</a:t>
             </a:r>
@@ -6039,6 +6185,8 @@
               <a:solidFill>
                 <a:srgbClr val="0070C0"/>
               </a:solidFill>
+              <a:latin typeface="Times New Roman" panose="02020603050405020304" pitchFamily="18" charset="0"/>
+              <a:cs typeface="Times New Roman" panose="02020603050405020304" pitchFamily="18" charset="0"/>
             </a:endParaRPr>
           </a:p>
         </p:txBody>
@@ -6096,6 +6244,8 @@
                 <a:solidFill>
                   <a:srgbClr val="0070C0"/>
                 </a:solidFill>
+                <a:latin typeface="Times New Roman" panose="02020603050405020304" pitchFamily="18" charset="0"/>
+                <a:cs typeface="Times New Roman" panose="02020603050405020304" pitchFamily="18" charset="0"/>
               </a:rPr>
               <a:t>SOA </a:t>
             </a:r>
@@ -6104,6 +6254,8 @@
                 <a:solidFill>
                   <a:srgbClr val="0070C0"/>
                 </a:solidFill>
+                <a:latin typeface="Times New Roman" panose="02020603050405020304" pitchFamily="18" charset="0"/>
+                <a:cs typeface="Times New Roman" panose="02020603050405020304" pitchFamily="18" charset="0"/>
               </a:rPr>
               <a:t>позволяет:</a:t>
             </a:r>
@@ -6142,6 +6294,8 @@
                 <a:solidFill>
                   <a:srgbClr val="0070C0"/>
                 </a:solidFill>
+                <a:latin typeface="Times New Roman" panose="02020603050405020304" pitchFamily="18" charset="0"/>
+                <a:cs typeface="Times New Roman" panose="02020603050405020304" pitchFamily="18" charset="0"/>
               </a:rPr>
               <a:t>использовать различные транспортные протоколы и стандарты форматирования сообщений, средства обеспечения безопасности, надежной и своевременной доставки сообщений;</a:t>
             </a:r>
@@ -6157,6 +6311,8 @@
                 <a:solidFill>
                   <a:srgbClr val="0070C0"/>
                 </a:solidFill>
+                <a:latin typeface="Times New Roman" panose="02020603050405020304" pitchFamily="18" charset="0"/>
+                <a:cs typeface="Times New Roman" panose="02020603050405020304" pitchFamily="18" charset="0"/>
               </a:rPr>
               <a:t>существенно повысить скорость разработки прикладных приложений и снизить затраты на эти цели.</a:t>
             </a:r>
@@ -6171,6 +6327,8 @@
               <a:solidFill>
                 <a:srgbClr val="0070C0"/>
               </a:solidFill>
+              <a:latin typeface="Times New Roman" panose="02020603050405020304" pitchFamily="18" charset="0"/>
+              <a:cs typeface="Times New Roman" panose="02020603050405020304" pitchFamily="18" charset="0"/>
             </a:endParaRPr>
           </a:p>
         </p:txBody>
@@ -6235,6 +6393,8 @@
                 <a:solidFill>
                   <a:srgbClr val="0070C0"/>
                 </a:solidFill>
+                <a:latin typeface="Times New Roman" panose="02020603050405020304" pitchFamily="18" charset="0"/>
+                <a:cs typeface="Times New Roman" panose="02020603050405020304" pitchFamily="18" charset="0"/>
               </a:rPr>
               <a:t>Архитектура информационной системы</a:t>
             </a:r>
@@ -6274,6 +6434,7 @@
                 <a:solidFill>
                   <a:srgbClr val="0070C0"/>
                 </a:solidFill>
+                <a:latin typeface="Times New Roman" panose="02020603050405020304" pitchFamily="18" charset="0"/>
                 <a:cs typeface="Times New Roman" panose="02020603050405020304" pitchFamily="18" charset="0"/>
               </a:rPr>
               <a:t>Архитектурой информационной системы </a:t>
@@ -6283,15 +6444,11 @@
                 <a:solidFill>
                   <a:srgbClr val="0070C0"/>
                 </a:solidFill>
+                <a:latin typeface="Times New Roman" panose="02020603050405020304" pitchFamily="18" charset="0"/>
                 <a:cs typeface="Times New Roman" panose="02020603050405020304" pitchFamily="18" charset="0"/>
               </a:rPr>
               <a:t>называется концепция, согласно которой взаимодействуют компоненты информационной системы.</a:t>
             </a:r>
-            <a:endParaRPr lang="ru-RU" dirty="0">
-              <a:solidFill>
-                <a:srgbClr val="0070C0"/>
-              </a:solidFill>
-            </a:endParaRPr>
           </a:p>
           <a:p>
             <a:pPr>
@@ -6299,7 +6456,10 @@
                 <a:spcPct val="150000"/>
               </a:lnSpc>
             </a:pPr>
-            <a:endParaRPr lang="ru-RU" dirty="0"/>
+            <a:endParaRPr lang="ru-RU" dirty="0">
+              <a:latin typeface="Times New Roman" panose="02020603050405020304" pitchFamily="18" charset="0"/>
+              <a:cs typeface="Times New Roman" panose="02020603050405020304" pitchFamily="18" charset="0"/>
+            </a:endParaRPr>
           </a:p>
         </p:txBody>
       </p:sp>
@@ -6356,6 +6516,8 @@
                 <a:solidFill>
                   <a:srgbClr val="0070C0"/>
                 </a:solidFill>
+                <a:latin typeface="Times New Roman" panose="02020603050405020304" pitchFamily="18" charset="0"/>
+                <a:cs typeface="Times New Roman" panose="02020603050405020304" pitchFamily="18" charset="0"/>
               </a:rPr>
               <a:t>Веб-сервис</a:t>
             </a:r>
@@ -6394,6 +6556,8 @@
                 <a:solidFill>
                   <a:srgbClr val="FF0000"/>
                 </a:solidFill>
+                <a:latin typeface="Times New Roman" panose="02020603050405020304" pitchFamily="18" charset="0"/>
+                <a:cs typeface="Times New Roman" panose="02020603050405020304" pitchFamily="18" charset="0"/>
               </a:rPr>
               <a:t>Веб-сервис – идентифицируемая веб-адресом программная система со стандартизированными интерфейсами</a:t>
             </a:r>
@@ -6402,6 +6566,8 @@
                 <a:solidFill>
                   <a:srgbClr val="0070C0"/>
                 </a:solidFill>
+                <a:latin typeface="Times New Roman" panose="02020603050405020304" pitchFamily="18" charset="0"/>
+                <a:cs typeface="Times New Roman" panose="02020603050405020304" pitchFamily="18" charset="0"/>
               </a:rPr>
               <a:t>. Веб-службы могут взаимодействовать между собой и со сторонними приложениями посредством сообщений, основанных на определенных протоколах. </a:t>
             </a:r>
@@ -6467,6 +6633,8 @@
                 <a:solidFill>
                   <a:srgbClr val="0070C0"/>
                 </a:solidFill>
+                <a:latin typeface="Times New Roman" panose="02020603050405020304" pitchFamily="18" charset="0"/>
+                <a:cs typeface="Times New Roman" panose="02020603050405020304" pitchFamily="18" charset="0"/>
               </a:rPr>
               <a:t>Характеристики Веб-сервисов:</a:t>
             </a:r>
@@ -6506,6 +6674,8 @@
                 <a:solidFill>
                   <a:srgbClr val="0070C0"/>
                 </a:solidFill>
+                <a:latin typeface="Times New Roman" panose="02020603050405020304" pitchFamily="18" charset="0"/>
+                <a:cs typeface="Times New Roman" panose="02020603050405020304" pitchFamily="18" charset="0"/>
               </a:rPr>
               <a:t>функциональная совместимость;</a:t>
             </a:r>
@@ -6523,6 +6693,8 @@
                 <a:solidFill>
                   <a:srgbClr val="0070C0"/>
                 </a:solidFill>
+                <a:latin typeface="Times New Roman" panose="02020603050405020304" pitchFamily="18" charset="0"/>
+                <a:cs typeface="Times New Roman" panose="02020603050405020304" pitchFamily="18" charset="0"/>
               </a:rPr>
               <a:t>расширяемость;</a:t>
             </a:r>
@@ -6540,6 +6712,8 @@
                 <a:solidFill>
                   <a:srgbClr val="0070C0"/>
                 </a:solidFill>
+                <a:latin typeface="Times New Roman" panose="02020603050405020304" pitchFamily="18" charset="0"/>
+                <a:cs typeface="Times New Roman" panose="02020603050405020304" pitchFamily="18" charset="0"/>
               </a:rPr>
               <a:t>возможность машинной обработки описания.</a:t>
             </a:r>
@@ -6547,6 +6721,8 @@
               <a:solidFill>
                 <a:srgbClr val="0070C0"/>
               </a:solidFill>
+              <a:latin typeface="Times New Roman" panose="02020603050405020304" pitchFamily="18" charset="0"/>
+              <a:cs typeface="Times New Roman" panose="02020603050405020304" pitchFamily="18" charset="0"/>
             </a:endParaRPr>
           </a:p>
           <a:p>
@@ -6561,6 +6737,8 @@
                 <a:solidFill>
                   <a:srgbClr val="0070C0"/>
                 </a:solidFill>
+                <a:latin typeface="Times New Roman" panose="02020603050405020304" pitchFamily="18" charset="0"/>
+                <a:cs typeface="Times New Roman" panose="02020603050405020304" pitchFamily="18" charset="0"/>
               </a:rPr>
               <a:t>Веб-сервисы взаимодействуют между собой через протокол </a:t>
             </a:r>
@@ -6569,6 +6747,8 @@
                 <a:solidFill>
                   <a:srgbClr val="0070C0"/>
                 </a:solidFill>
+                <a:latin typeface="Times New Roman" panose="02020603050405020304" pitchFamily="18" charset="0"/>
+                <a:cs typeface="Times New Roman" panose="02020603050405020304" pitchFamily="18" charset="0"/>
               </a:rPr>
               <a:t>SOAP </a:t>
             </a:r>
@@ -6577,6 +6757,8 @@
                 <a:solidFill>
                   <a:srgbClr val="0070C0"/>
                 </a:solidFill>
+                <a:latin typeface="Times New Roman" panose="02020603050405020304" pitchFamily="18" charset="0"/>
+                <a:cs typeface="Times New Roman" panose="02020603050405020304" pitchFamily="18" charset="0"/>
               </a:rPr>
               <a:t>в соответствии с </a:t>
             </a:r>
@@ -6585,6 +6767,8 @@
                 <a:solidFill>
                   <a:srgbClr val="0070C0"/>
                 </a:solidFill>
+                <a:latin typeface="Times New Roman" panose="02020603050405020304" pitchFamily="18" charset="0"/>
+                <a:cs typeface="Times New Roman" panose="02020603050405020304" pitchFamily="18" charset="0"/>
               </a:rPr>
               <a:t>WSDL.</a:t>
             </a:r>
@@ -6592,6 +6776,8 @@
               <a:solidFill>
                 <a:srgbClr val="0070C0"/>
               </a:solidFill>
+              <a:latin typeface="Times New Roman" panose="02020603050405020304" pitchFamily="18" charset="0"/>
+              <a:cs typeface="Times New Roman" panose="02020603050405020304" pitchFamily="18" charset="0"/>
             </a:endParaRPr>
           </a:p>
           <a:p>
@@ -6604,6 +6790,8 @@
               <a:solidFill>
                 <a:srgbClr val="0070C0"/>
               </a:solidFill>
+              <a:latin typeface="Times New Roman" panose="02020603050405020304" pitchFamily="18" charset="0"/>
+              <a:cs typeface="Times New Roman" panose="02020603050405020304" pitchFamily="18" charset="0"/>
             </a:endParaRPr>
           </a:p>
         </p:txBody>
@@ -6661,6 +6849,8 @@
                 <a:solidFill>
                   <a:srgbClr val="0070C0"/>
                 </a:solidFill>
+                <a:latin typeface="Times New Roman" panose="02020603050405020304" pitchFamily="18" charset="0"/>
+                <a:cs typeface="Times New Roman" panose="02020603050405020304" pitchFamily="18" charset="0"/>
               </a:rPr>
               <a:t>SOAP</a:t>
             </a:r>
@@ -6668,6 +6858,8 @@
               <a:solidFill>
                 <a:srgbClr val="0070C0"/>
               </a:solidFill>
+              <a:latin typeface="Times New Roman" panose="02020603050405020304" pitchFamily="18" charset="0"/>
+              <a:cs typeface="Times New Roman" panose="02020603050405020304" pitchFamily="18" charset="0"/>
             </a:endParaRPr>
           </a:p>
         </p:txBody>
@@ -6704,6 +6896,8 @@
                 <a:solidFill>
                   <a:srgbClr val="0070C0"/>
                 </a:solidFill>
+                <a:latin typeface="Times New Roman" panose="02020603050405020304" pitchFamily="18" charset="0"/>
+                <a:cs typeface="Times New Roman" panose="02020603050405020304" pitchFamily="18" charset="0"/>
               </a:rPr>
               <a:t>SOAP (Simple Object Access Protocol – </a:t>
             </a:r>
@@ -6712,6 +6906,8 @@
                 <a:solidFill>
                   <a:srgbClr val="0070C0"/>
                 </a:solidFill>
+                <a:latin typeface="Times New Roman" panose="02020603050405020304" pitchFamily="18" charset="0"/>
+                <a:cs typeface="Times New Roman" panose="02020603050405020304" pitchFamily="18" charset="0"/>
               </a:rPr>
               <a:t>простой протокол доступа к объектам</a:t>
             </a:r>
@@ -6720,6 +6916,8 @@
                 <a:solidFill>
                   <a:srgbClr val="0070C0"/>
                 </a:solidFill>
+                <a:latin typeface="Times New Roman" panose="02020603050405020304" pitchFamily="18" charset="0"/>
+                <a:cs typeface="Times New Roman" panose="02020603050405020304" pitchFamily="18" charset="0"/>
               </a:rPr>
               <a:t>)</a:t>
             </a:r>
@@ -6728,6 +6926,8 @@
                 <a:solidFill>
                   <a:srgbClr val="0070C0"/>
                 </a:solidFill>
+                <a:latin typeface="Times New Roman" panose="02020603050405020304" pitchFamily="18" charset="0"/>
+                <a:cs typeface="Times New Roman" panose="02020603050405020304" pitchFamily="18" charset="0"/>
               </a:rPr>
               <a:t>  - протокол обмена структурированными сообщениями в распределенной вычислительной среде</a:t>
             </a:r>
@@ -6736,6 +6936,8 @@
                 <a:solidFill>
                   <a:srgbClr val="0070C0"/>
                 </a:solidFill>
+                <a:latin typeface="Times New Roman" panose="02020603050405020304" pitchFamily="18" charset="0"/>
+                <a:cs typeface="Times New Roman" panose="02020603050405020304" pitchFamily="18" charset="0"/>
               </a:rPr>
               <a:t>; </a:t>
             </a:r>
@@ -6744,6 +6946,8 @@
                 <a:solidFill>
                   <a:srgbClr val="0070C0"/>
                 </a:solidFill>
+                <a:latin typeface="Times New Roman" panose="02020603050405020304" pitchFamily="18" charset="0"/>
+                <a:cs typeface="Times New Roman" panose="02020603050405020304" pitchFamily="18" charset="0"/>
               </a:rPr>
               <a:t>первоначально предназначался для удаленного вызова процедур (</a:t>
             </a:r>
@@ -6752,6 +6956,8 @@
                 <a:solidFill>
                   <a:srgbClr val="0070C0"/>
                 </a:solidFill>
+                <a:latin typeface="Times New Roman" panose="02020603050405020304" pitchFamily="18" charset="0"/>
+                <a:cs typeface="Times New Roman" panose="02020603050405020304" pitchFamily="18" charset="0"/>
               </a:rPr>
               <a:t>RPC</a:t>
             </a:r>
@@ -6760,6 +6966,8 @@
                 <a:solidFill>
                   <a:srgbClr val="0070C0"/>
                 </a:solidFill>
+                <a:latin typeface="Times New Roman" panose="02020603050405020304" pitchFamily="18" charset="0"/>
+                <a:cs typeface="Times New Roman" panose="02020603050405020304" pitchFamily="18" charset="0"/>
               </a:rPr>
               <a:t>), сейчас используется так же для обмена произвольными сообщениями в формате </a:t>
             </a:r>
@@ -6768,6 +6976,8 @@
                 <a:solidFill>
                   <a:srgbClr val="0070C0"/>
                 </a:solidFill>
+                <a:latin typeface="Times New Roman" panose="02020603050405020304" pitchFamily="18" charset="0"/>
+                <a:cs typeface="Times New Roman" panose="02020603050405020304" pitchFamily="18" charset="0"/>
               </a:rPr>
               <a:t>XML.</a:t>
             </a:r>
@@ -6827,6 +7037,8 @@
                 <a:solidFill>
                   <a:srgbClr val="0070C0"/>
                 </a:solidFill>
+                <a:latin typeface="Times New Roman" panose="02020603050405020304" pitchFamily="18" charset="0"/>
+                <a:cs typeface="Times New Roman" panose="02020603050405020304" pitchFamily="18" charset="0"/>
               </a:rPr>
               <a:t>SOAP</a:t>
             </a:r>
@@ -6834,6 +7046,8 @@
               <a:solidFill>
                 <a:srgbClr val="0070C0"/>
               </a:solidFill>
+              <a:latin typeface="Times New Roman" panose="02020603050405020304" pitchFamily="18" charset="0"/>
+              <a:cs typeface="Times New Roman" panose="02020603050405020304" pitchFamily="18" charset="0"/>
             </a:endParaRPr>
           </a:p>
         </p:txBody>
@@ -6870,6 +7084,8 @@
                 <a:solidFill>
                   <a:srgbClr val="0070C0"/>
                 </a:solidFill>
+                <a:latin typeface="Times New Roman" panose="02020603050405020304" pitchFamily="18" charset="0"/>
+                <a:cs typeface="Times New Roman" panose="02020603050405020304" pitchFamily="18" charset="0"/>
               </a:rPr>
               <a:t>SOAP </a:t>
             </a:r>
@@ -6878,6 +7094,8 @@
                 <a:solidFill>
                   <a:srgbClr val="0070C0"/>
                 </a:solidFill>
+                <a:latin typeface="Times New Roman" panose="02020603050405020304" pitchFamily="18" charset="0"/>
+                <a:cs typeface="Times New Roman" panose="02020603050405020304" pitchFamily="18" charset="0"/>
               </a:rPr>
               <a:t>может использоваться с любым протоколом прикладного уровня: </a:t>
             </a:r>
@@ -6886,6 +7104,8 @@
                 <a:solidFill>
                   <a:srgbClr val="0070C0"/>
                 </a:solidFill>
+                <a:latin typeface="Times New Roman" panose="02020603050405020304" pitchFamily="18" charset="0"/>
+                <a:cs typeface="Times New Roman" panose="02020603050405020304" pitchFamily="18" charset="0"/>
               </a:rPr>
               <a:t>SMTP, FTP, HTTP, HTTPS </a:t>
             </a:r>
@@ -6894,6 +7114,8 @@
                 <a:solidFill>
                   <a:srgbClr val="0070C0"/>
                 </a:solidFill>
+                <a:latin typeface="Times New Roman" panose="02020603050405020304" pitchFamily="18" charset="0"/>
+                <a:cs typeface="Times New Roman" panose="02020603050405020304" pitchFamily="18" charset="0"/>
               </a:rPr>
               <a:t>и др.</a:t>
             </a:r>
@@ -6901,6 +7123,8 @@
               <a:solidFill>
                 <a:srgbClr val="0070C0"/>
               </a:solidFill>
+              <a:latin typeface="Times New Roman" panose="02020603050405020304" pitchFamily="18" charset="0"/>
+              <a:cs typeface="Times New Roman" panose="02020603050405020304" pitchFamily="18" charset="0"/>
             </a:endParaRPr>
           </a:p>
           <a:p>
@@ -6914,6 +7138,8 @@
                 <a:solidFill>
                   <a:srgbClr val="0070C0"/>
                 </a:solidFill>
+                <a:latin typeface="Times New Roman" panose="02020603050405020304" pitchFamily="18" charset="0"/>
+                <a:cs typeface="Times New Roman" panose="02020603050405020304" pitchFamily="18" charset="0"/>
               </a:rPr>
               <a:t>Как правило, применяется в бизнес-приложениях и на основе ранее существовавших систем.</a:t>
             </a:r>
@@ -6929,6 +7155,8 @@
                 <a:solidFill>
                   <a:srgbClr val="0070C0"/>
                 </a:solidFill>
+                <a:latin typeface="Times New Roman" panose="02020603050405020304" pitchFamily="18" charset="0"/>
+                <a:cs typeface="Times New Roman" panose="02020603050405020304" pitchFamily="18" charset="0"/>
               </a:rPr>
               <a:t>Ориентирован на написание методов и ОО-подход. </a:t>
             </a:r>
@@ -6988,6 +7216,8 @@
                 <a:solidFill>
                   <a:srgbClr val="0070C0"/>
                 </a:solidFill>
+                <a:latin typeface="Times New Roman" panose="02020603050405020304" pitchFamily="18" charset="0"/>
+                <a:cs typeface="Times New Roman" panose="02020603050405020304" pitchFamily="18" charset="0"/>
               </a:rPr>
               <a:t>REST</a:t>
             </a:r>
@@ -6995,6 +7225,8 @@
               <a:solidFill>
                 <a:srgbClr val="0070C0"/>
               </a:solidFill>
+              <a:latin typeface="Times New Roman" panose="02020603050405020304" pitchFamily="18" charset="0"/>
+              <a:cs typeface="Times New Roman" panose="02020603050405020304" pitchFamily="18" charset="0"/>
             </a:endParaRPr>
           </a:p>
         </p:txBody>
@@ -7027,35 +7259,59 @@
               </a:lnSpc>
             </a:pPr>
             <a:r>
-              <a:rPr lang="ru-RU" b="1" dirty="0"/>
+              <a:rPr lang="ru-RU" b="1" dirty="0">
+                <a:latin typeface="Times New Roman" panose="02020603050405020304" pitchFamily="18" charset="0"/>
+                <a:cs typeface="Times New Roman" panose="02020603050405020304" pitchFamily="18" charset="0"/>
+              </a:rPr>
               <a:t>REST</a:t>
             </a:r>
             <a:r>
-              <a:rPr lang="ru-RU" dirty="0"/>
+              <a:rPr lang="ru-RU" dirty="0">
+                <a:latin typeface="Times New Roman" panose="02020603050405020304" pitchFamily="18" charset="0"/>
+                <a:cs typeface="Times New Roman" panose="02020603050405020304" pitchFamily="18" charset="0"/>
+              </a:rPr>
               <a:t> (</a:t>
             </a:r>
             <a:r>
-              <a:rPr lang="ru-RU" b="1" i="1" dirty="0" err="1"/>
+              <a:rPr lang="ru-RU" b="1" i="1" dirty="0" err="1">
+                <a:latin typeface="Times New Roman" panose="02020603050405020304" pitchFamily="18" charset="0"/>
+                <a:cs typeface="Times New Roman" panose="02020603050405020304" pitchFamily="18" charset="0"/>
+              </a:rPr>
               <a:t>Representational</a:t>
             </a:r>
             <a:r>
-              <a:rPr lang="ru-RU" b="1" i="1" dirty="0"/>
+              <a:rPr lang="ru-RU" b="1" i="1" dirty="0">
+                <a:latin typeface="Times New Roman" panose="02020603050405020304" pitchFamily="18" charset="0"/>
+                <a:cs typeface="Times New Roman" panose="02020603050405020304" pitchFamily="18" charset="0"/>
+              </a:rPr>
               <a:t> </a:t>
             </a:r>
             <a:r>
-              <a:rPr lang="ru-RU" b="1" i="1" dirty="0" err="1"/>
+              <a:rPr lang="ru-RU" b="1" i="1" dirty="0" err="1">
+                <a:latin typeface="Times New Roman" panose="02020603050405020304" pitchFamily="18" charset="0"/>
+                <a:cs typeface="Times New Roman" panose="02020603050405020304" pitchFamily="18" charset="0"/>
+              </a:rPr>
               <a:t>State</a:t>
             </a:r>
             <a:r>
-              <a:rPr lang="ru-RU" b="1" i="1" dirty="0"/>
+              <a:rPr lang="ru-RU" b="1" i="1" dirty="0">
+                <a:latin typeface="Times New Roman" panose="02020603050405020304" pitchFamily="18" charset="0"/>
+                <a:cs typeface="Times New Roman" panose="02020603050405020304" pitchFamily="18" charset="0"/>
+              </a:rPr>
               <a:t> </a:t>
             </a:r>
             <a:r>
-              <a:rPr lang="ru-RU" b="1" i="1" dirty="0" err="1"/>
+              <a:rPr lang="ru-RU" b="1" i="1" dirty="0" err="1">
+                <a:latin typeface="Times New Roman" panose="02020603050405020304" pitchFamily="18" charset="0"/>
+                <a:cs typeface="Times New Roman" panose="02020603050405020304" pitchFamily="18" charset="0"/>
+              </a:rPr>
               <a:t>Transfer</a:t>
             </a:r>
             <a:r>
-              <a:rPr lang="ru-RU" dirty="0"/>
+              <a:rPr lang="ru-RU" dirty="0">
+                <a:latin typeface="Times New Roman" panose="02020603050405020304" pitchFamily="18" charset="0"/>
+                <a:cs typeface="Times New Roman" panose="02020603050405020304" pitchFamily="18" charset="0"/>
+              </a:rPr>
               <a:t> — «передача состояния представления») </a:t>
             </a:r>
             <a:r>
@@ -7063,11 +7319,16 @@
                 <a:solidFill>
                   <a:srgbClr val="0070C0"/>
                 </a:solidFill>
+                <a:latin typeface="Times New Roman" panose="02020603050405020304" pitchFamily="18" charset="0"/>
+                <a:cs typeface="Times New Roman" panose="02020603050405020304" pitchFamily="18" charset="0"/>
               </a:rPr>
               <a:t>представляет собой согласованный набор ограничений, учитываемых при проектировании распределённой гипермедиа-системы</a:t>
             </a:r>
             <a:r>
-              <a:rPr lang="ru-RU" dirty="0"/>
+              <a:rPr lang="ru-RU" dirty="0">
+                <a:latin typeface="Times New Roman" panose="02020603050405020304" pitchFamily="18" charset="0"/>
+                <a:cs typeface="Times New Roman" panose="02020603050405020304" pitchFamily="18" charset="0"/>
+              </a:rPr>
               <a:t>. </a:t>
             </a:r>
           </a:p>
@@ -7079,7 +7340,10 @@
               <a:buNone/>
             </a:pPr>
             <a:r>
-              <a:rPr lang="ru-RU" dirty="0"/>
+              <a:rPr lang="ru-RU" dirty="0">
+                <a:latin typeface="Times New Roman" panose="02020603050405020304" pitchFamily="18" charset="0"/>
+                <a:cs typeface="Times New Roman" panose="02020603050405020304" pitchFamily="18" charset="0"/>
+              </a:rPr>
               <a:t>	В определённых случаях (интернет-магазины, поисковые системы, прочие системы, основанные на данных) это приводит к повышению производительности и упрощению архитектуры. </a:t>
             </a:r>
           </a:p>
@@ -7089,7 +7353,10 @@
                 <a:spcPct val="150000"/>
               </a:lnSpc>
             </a:pPr>
-            <a:endParaRPr lang="ru-RU" dirty="0"/>
+            <a:endParaRPr lang="ru-RU" dirty="0">
+              <a:latin typeface="Times New Roman" panose="02020603050405020304" pitchFamily="18" charset="0"/>
+              <a:cs typeface="Times New Roman" panose="02020603050405020304" pitchFamily="18" charset="0"/>
+            </a:endParaRPr>
           </a:p>
         </p:txBody>
       </p:sp>
@@ -7153,6 +7420,8 @@
                 <a:solidFill>
                   <a:srgbClr val="0070C0"/>
                 </a:solidFill>
+                <a:latin typeface="Times New Roman" panose="02020603050405020304" pitchFamily="18" charset="0"/>
+                <a:cs typeface="Times New Roman" panose="02020603050405020304" pitchFamily="18" charset="0"/>
               </a:rPr>
               <a:t>Требования к архитектуре </a:t>
             </a:r>
@@ -7161,6 +7430,8 @@
                 <a:solidFill>
                   <a:srgbClr val="0070C0"/>
                 </a:solidFill>
+                <a:latin typeface="Times New Roman" panose="02020603050405020304" pitchFamily="18" charset="0"/>
+                <a:cs typeface="Times New Roman" panose="02020603050405020304" pitchFamily="18" charset="0"/>
               </a:rPr>
               <a:t>REST</a:t>
             </a:r>
@@ -7168,6 +7439,8 @@
               <a:solidFill>
                 <a:srgbClr val="0070C0"/>
               </a:solidFill>
+              <a:latin typeface="Times New Roman" panose="02020603050405020304" pitchFamily="18" charset="0"/>
+              <a:cs typeface="Times New Roman" panose="02020603050405020304" pitchFamily="18" charset="0"/>
             </a:endParaRPr>
           </a:p>
         </p:txBody>
@@ -7205,6 +7478,8 @@
                 <a:solidFill>
                   <a:srgbClr val="0070C0"/>
                 </a:solidFill>
+                <a:latin typeface="Times New Roman" panose="02020603050405020304" pitchFamily="18" charset="0"/>
+                <a:cs typeface="Times New Roman" panose="02020603050405020304" pitchFamily="18" charset="0"/>
               </a:rPr>
               <a:t>Модель клиент-сервер</a:t>
             </a:r>
@@ -7222,6 +7497,8 @@
                 <a:solidFill>
                   <a:srgbClr val="0070C0"/>
                 </a:solidFill>
+                <a:latin typeface="Times New Roman" panose="02020603050405020304" pitchFamily="18" charset="0"/>
+                <a:cs typeface="Times New Roman" panose="02020603050405020304" pitchFamily="18" charset="0"/>
               </a:rPr>
               <a:t>Отсутствие состояния</a:t>
             </a:r>
@@ -7238,6 +7515,8 @@
                 <a:solidFill>
                   <a:srgbClr val="0070C0"/>
                 </a:solidFill>
+                <a:latin typeface="Times New Roman" panose="02020603050405020304" pitchFamily="18" charset="0"/>
+                <a:cs typeface="Times New Roman" panose="02020603050405020304" pitchFamily="18" charset="0"/>
               </a:rPr>
               <a:t>В период между запросами клиента никакая информация о </a:t>
             </a:r>
@@ -7246,6 +7525,8 @@
                 <a:solidFill>
                   <a:srgbClr val="0070C0"/>
                 </a:solidFill>
+                <a:latin typeface="Times New Roman" panose="02020603050405020304" pitchFamily="18" charset="0"/>
+                <a:cs typeface="Times New Roman" panose="02020603050405020304" pitchFamily="18" charset="0"/>
               </a:rPr>
               <a:t>состоянии</a:t>
             </a:r>
@@ -7254,6 +7535,8 @@
                 <a:solidFill>
                   <a:srgbClr val="0070C0"/>
                 </a:solidFill>
+                <a:latin typeface="Times New Roman" panose="02020603050405020304" pitchFamily="18" charset="0"/>
+                <a:cs typeface="Times New Roman" panose="02020603050405020304" pitchFamily="18" charset="0"/>
               </a:rPr>
               <a:t> клиента на сервере не хранится.</a:t>
             </a:r>
@@ -7262,6 +7545,8 @@
                 <a:solidFill>
                   <a:srgbClr val="0070C0"/>
                 </a:solidFill>
+                <a:latin typeface="Times New Roman" panose="02020603050405020304" pitchFamily="18" charset="0"/>
+                <a:cs typeface="Times New Roman" panose="02020603050405020304" pitchFamily="18" charset="0"/>
               </a:rPr>
               <a:t>.</a:t>
             </a:r>
@@ -7278,6 +7563,8 @@
                 <a:solidFill>
                   <a:srgbClr val="0070C0"/>
                 </a:solidFill>
+                <a:latin typeface="Times New Roman" panose="02020603050405020304" pitchFamily="18" charset="0"/>
+                <a:cs typeface="Times New Roman" panose="02020603050405020304" pitchFamily="18" charset="0"/>
               </a:rPr>
               <a:t>3. Кэширование</a:t>
             </a:r>
@@ -7294,6 +7581,8 @@
                 <a:solidFill>
                   <a:srgbClr val="0070C0"/>
                 </a:solidFill>
+                <a:latin typeface="Times New Roman" panose="02020603050405020304" pitchFamily="18" charset="0"/>
+                <a:cs typeface="Times New Roman" panose="02020603050405020304" pitchFamily="18" charset="0"/>
               </a:rPr>
               <a:t>Кэширование (кэш) – </a:t>
             </a:r>
@@ -7302,6 +7591,8 @@
                 <a:solidFill>
                   <a:srgbClr val="0070C0"/>
                 </a:solidFill>
+                <a:latin typeface="Times New Roman" panose="02020603050405020304" pitchFamily="18" charset="0"/>
+                <a:cs typeface="Times New Roman" panose="02020603050405020304" pitchFamily="18" charset="0"/>
               </a:rPr>
               <a:t>некоторой промежуточный буфер, в котором хранятся данные.</a:t>
             </a:r>
@@ -7309,6 +7600,8 @@
               <a:solidFill>
                 <a:srgbClr val="0070C0"/>
               </a:solidFill>
+              <a:latin typeface="Times New Roman" panose="02020603050405020304" pitchFamily="18" charset="0"/>
+              <a:cs typeface="Times New Roman" panose="02020603050405020304" pitchFamily="18" charset="0"/>
             </a:endParaRPr>
           </a:p>
           <a:p>
@@ -7323,6 +7616,8 @@
                 <a:solidFill>
                   <a:srgbClr val="0070C0"/>
                 </a:solidFill>
+                <a:latin typeface="Times New Roman" panose="02020603050405020304" pitchFamily="18" charset="0"/>
+                <a:cs typeface="Times New Roman" panose="02020603050405020304" pitchFamily="18" charset="0"/>
               </a:rPr>
               <a:t>Клиенты, а также промежуточные узлы, могут выполнять кэширование ответов сервера. Ответы сервера, в свою очередь, должны иметь явное или неявное обозначение как кэшируемые или.</a:t>
             </a:r>
@@ -7330,6 +7625,8 @@
               <a:solidFill>
                 <a:srgbClr val="0070C0"/>
               </a:solidFill>
+              <a:latin typeface="Times New Roman" panose="02020603050405020304" pitchFamily="18" charset="0"/>
+              <a:cs typeface="Times New Roman" panose="02020603050405020304" pitchFamily="18" charset="0"/>
             </a:endParaRPr>
           </a:p>
           <a:p>
@@ -7342,6 +7639,8 @@
               <a:solidFill>
                 <a:srgbClr val="0070C0"/>
               </a:solidFill>
+              <a:latin typeface="Times New Roman" panose="02020603050405020304" pitchFamily="18" charset="0"/>
+              <a:cs typeface="Times New Roman" panose="02020603050405020304" pitchFamily="18" charset="0"/>
             </a:endParaRPr>
           </a:p>
         </p:txBody>
@@ -7412,6 +7711,8 @@
                 <a:solidFill>
                   <a:srgbClr val="0070C0"/>
                 </a:solidFill>
+                <a:latin typeface="Times New Roman" panose="02020603050405020304" pitchFamily="18" charset="0"/>
+                <a:cs typeface="Times New Roman" panose="02020603050405020304" pitchFamily="18" charset="0"/>
               </a:rPr>
               <a:t>4. Единообразие интерфейса</a:t>
             </a:r>
@@ -7428,6 +7729,8 @@
                 <a:solidFill>
                   <a:srgbClr val="0070C0"/>
                 </a:solidFill>
+                <a:latin typeface="Times New Roman" panose="02020603050405020304" pitchFamily="18" charset="0"/>
+                <a:cs typeface="Times New Roman" panose="02020603050405020304" pitchFamily="18" charset="0"/>
               </a:rPr>
               <a:t>Унифицированные интерфейсы позволяют каждому из сервисов развиваться независимо.</a:t>
             </a:r>
@@ -7444,6 +7747,8 @@
                 <a:solidFill>
                   <a:srgbClr val="0070C0"/>
                 </a:solidFill>
+                <a:latin typeface="Times New Roman" panose="02020603050405020304" pitchFamily="18" charset="0"/>
+                <a:cs typeface="Times New Roman" panose="02020603050405020304" pitchFamily="18" charset="0"/>
               </a:rPr>
               <a:t>Требования к унифицированным интерфейсам:</a:t>
             </a:r>
@@ -7459,6 +7764,8 @@
                 <a:solidFill>
                   <a:srgbClr val="0070C0"/>
                 </a:solidFill>
+                <a:latin typeface="Times New Roman" panose="02020603050405020304" pitchFamily="18" charset="0"/>
+                <a:cs typeface="Times New Roman" panose="02020603050405020304" pitchFamily="18" charset="0"/>
               </a:rPr>
               <a:t>Идентификация ресурсов</a:t>
             </a:r>
@@ -7475,6 +7782,8 @@
                 <a:solidFill>
                   <a:srgbClr val="0070C0"/>
                 </a:solidFill>
+                <a:latin typeface="Times New Roman" panose="02020603050405020304" pitchFamily="18" charset="0"/>
+                <a:cs typeface="Times New Roman" panose="02020603050405020304" pitchFamily="18" charset="0"/>
               </a:rPr>
               <a:t>Ресурс – </a:t>
             </a:r>
@@ -7483,6 +7792,8 @@
                 <a:solidFill>
                   <a:srgbClr val="0070C0"/>
                 </a:solidFill>
+                <a:latin typeface="Times New Roman" panose="02020603050405020304" pitchFamily="18" charset="0"/>
+                <a:cs typeface="Times New Roman" panose="02020603050405020304" pitchFamily="18" charset="0"/>
               </a:rPr>
               <a:t>многократно используемый и относительно стабильный объект, который может распределяться внутри системы</a:t>
             </a:r>
@@ -7491,6 +7802,8 @@
                 <a:solidFill>
                   <a:srgbClr val="0070C0"/>
                 </a:solidFill>
+                <a:latin typeface="Times New Roman" panose="02020603050405020304" pitchFamily="18" charset="0"/>
+                <a:cs typeface="Times New Roman" panose="02020603050405020304" pitchFamily="18" charset="0"/>
               </a:rPr>
               <a:t>.</a:t>
             </a:r>
@@ -7498,6 +7811,8 @@
               <a:solidFill>
                 <a:srgbClr val="0070C0"/>
               </a:solidFill>
+              <a:latin typeface="Times New Roman" panose="02020603050405020304" pitchFamily="18" charset="0"/>
+              <a:cs typeface="Times New Roman" panose="02020603050405020304" pitchFamily="18" charset="0"/>
             </a:endParaRPr>
           </a:p>
           <a:p>
@@ -7512,6 +7827,8 @@
                 <a:solidFill>
                   <a:srgbClr val="0070C0"/>
                 </a:solidFill>
+                <a:latin typeface="Times New Roman" panose="02020603050405020304" pitchFamily="18" charset="0"/>
+                <a:cs typeface="Times New Roman" panose="02020603050405020304" pitchFamily="18" charset="0"/>
               </a:rPr>
               <a:t>Все ресурсы идентифицируются в запросах, например, с использованием URI в интернет-системах. </a:t>
             </a:r>
@@ -7527,6 +7844,8 @@
                 <a:solidFill>
                   <a:srgbClr val="0070C0"/>
                 </a:solidFill>
+                <a:latin typeface="Times New Roman" panose="02020603050405020304" pitchFamily="18" charset="0"/>
+                <a:cs typeface="Times New Roman" panose="02020603050405020304" pitchFamily="18" charset="0"/>
               </a:rPr>
               <a:t>Манипуляция ресурсами через представление</a:t>
             </a:r>
@@ -7534,6 +7853,8 @@
               <a:solidFill>
                 <a:srgbClr val="0070C0"/>
               </a:solidFill>
+              <a:latin typeface="Times New Roman" panose="02020603050405020304" pitchFamily="18" charset="0"/>
+              <a:cs typeface="Times New Roman" panose="02020603050405020304" pitchFamily="18" charset="0"/>
             </a:endParaRPr>
           </a:p>
           <a:p>
@@ -7548,6 +7869,8 @@
                 <a:solidFill>
                   <a:srgbClr val="0070C0"/>
                 </a:solidFill>
+                <a:latin typeface="Times New Roman" panose="02020603050405020304" pitchFamily="18" charset="0"/>
+                <a:cs typeface="Times New Roman" panose="02020603050405020304" pitchFamily="18" charset="0"/>
               </a:rPr>
               <a:t>Представление ресурса – </a:t>
             </a:r>
@@ -7556,6 +7879,8 @@
                 <a:solidFill>
                   <a:srgbClr val="0070C0"/>
                 </a:solidFill>
+                <a:latin typeface="Times New Roman" panose="02020603050405020304" pitchFamily="18" charset="0"/>
+                <a:cs typeface="Times New Roman" panose="02020603050405020304" pitchFamily="18" charset="0"/>
               </a:rPr>
               <a:t>документ, отражающий текущее или требуемое состояние ресурса.</a:t>
             </a:r>
@@ -7570,6 +7895,8 @@
               <a:solidFill>
                 <a:srgbClr val="0070C0"/>
               </a:solidFill>
+              <a:latin typeface="Times New Roman" panose="02020603050405020304" pitchFamily="18" charset="0"/>
+              <a:cs typeface="Times New Roman" panose="02020603050405020304" pitchFamily="18" charset="0"/>
             </a:endParaRPr>
           </a:p>
           <a:p>
@@ -7583,6 +7910,8 @@
               <a:solidFill>
                 <a:srgbClr val="0070C0"/>
               </a:solidFill>
+              <a:latin typeface="Times New Roman" panose="02020603050405020304" pitchFamily="18" charset="0"/>
+              <a:cs typeface="Times New Roman" panose="02020603050405020304" pitchFamily="18" charset="0"/>
             </a:endParaRPr>
           </a:p>
           <a:p>
@@ -7596,6 +7925,8 @@
               <a:solidFill>
                 <a:srgbClr val="0070C0"/>
               </a:solidFill>
+              <a:latin typeface="Times New Roman" panose="02020603050405020304" pitchFamily="18" charset="0"/>
+              <a:cs typeface="Times New Roman" panose="02020603050405020304" pitchFamily="18" charset="0"/>
             </a:endParaRPr>
           </a:p>
         </p:txBody>
@@ -7683,9 +8014,8 @@
                 <a:effectLst/>
                 <a:uLnTx/>
                 <a:uFillTx/>
-                <a:latin typeface="Calibri"/>
-                <a:ea typeface="+mn-ea"/>
-                <a:cs typeface="+mn-cs"/>
+                <a:latin typeface="Times New Roman" panose="02020603050405020304" pitchFamily="18" charset="0"/>
+                <a:cs typeface="Times New Roman" panose="02020603050405020304" pitchFamily="18" charset="0"/>
               </a:rPr>
               <a:t>«</a:t>
             </a:r>
@@ -7700,9 +8030,8 @@
                 <a:effectLst/>
                 <a:uLnTx/>
                 <a:uFillTx/>
-                <a:latin typeface="Calibri"/>
-                <a:ea typeface="+mn-ea"/>
-                <a:cs typeface="+mn-cs"/>
+                <a:latin typeface="Times New Roman" panose="02020603050405020304" pitchFamily="18" charset="0"/>
+                <a:cs typeface="Times New Roman" panose="02020603050405020304" pitchFamily="18" charset="0"/>
               </a:rPr>
               <a:t>Самоописываемые</a:t>
             </a:r>
@@ -7717,9 +8046,8 @@
                 <a:effectLst/>
                 <a:uLnTx/>
                 <a:uFillTx/>
-                <a:latin typeface="Calibri"/>
-                <a:ea typeface="+mn-ea"/>
-                <a:cs typeface="+mn-cs"/>
+                <a:latin typeface="Times New Roman" panose="02020603050405020304" pitchFamily="18" charset="0"/>
+                <a:cs typeface="Times New Roman" panose="02020603050405020304" pitchFamily="18" charset="0"/>
               </a:rPr>
               <a:t>» сообщения</a:t>
             </a:r>
@@ -7733,9 +8061,8 @@
               <a:effectLst/>
               <a:uLnTx/>
               <a:uFillTx/>
-              <a:latin typeface="Calibri"/>
-              <a:ea typeface="+mn-ea"/>
-              <a:cs typeface="+mn-cs"/>
+              <a:latin typeface="Times New Roman" panose="02020603050405020304" pitchFamily="18" charset="0"/>
+              <a:cs typeface="Times New Roman" panose="02020603050405020304" pitchFamily="18" charset="0"/>
             </a:endParaRPr>
           </a:p>
           <a:p>
@@ -7767,9 +8094,8 @@
                 <a:effectLst/>
                 <a:uLnTx/>
                 <a:uFillTx/>
-                <a:latin typeface="Calibri"/>
-                <a:ea typeface="+mn-ea"/>
-                <a:cs typeface="+mn-cs"/>
+                <a:latin typeface="Times New Roman" panose="02020603050405020304" pitchFamily="18" charset="0"/>
+                <a:cs typeface="Times New Roman" panose="02020603050405020304" pitchFamily="18" charset="0"/>
               </a:rPr>
               <a:t>Каждое сообщение содержит достаточно информации, чтобы понять, каким образом его обрабатывать.</a:t>
             </a:r>
@@ -7803,9 +8129,8 @@
                 <a:effectLst/>
                 <a:uLnTx/>
                 <a:uFillTx/>
-                <a:latin typeface="Calibri"/>
-                <a:ea typeface="+mn-ea"/>
-                <a:cs typeface="+mn-cs"/>
+                <a:latin typeface="Times New Roman" panose="02020603050405020304" pitchFamily="18" charset="0"/>
+                <a:cs typeface="Times New Roman" panose="02020603050405020304" pitchFamily="18" charset="0"/>
               </a:rPr>
               <a:t>Гипермедиа как средство изменения состояния приложения </a:t>
             </a:r>
@@ -7839,9 +8164,8 @@
                 <a:effectLst/>
                 <a:uLnTx/>
                 <a:uFillTx/>
-                <a:latin typeface="Calibri"/>
-                <a:ea typeface="+mn-ea"/>
-                <a:cs typeface="+mn-cs"/>
+                <a:latin typeface="Times New Roman" panose="02020603050405020304" pitchFamily="18" charset="0"/>
+                <a:cs typeface="Times New Roman" panose="02020603050405020304" pitchFamily="18" charset="0"/>
               </a:rPr>
               <a:t>Клиенты изменяют состояние системы только через действия, которые динамически определены в гипермедиа на сервере (к примеру, гиперссылки в гипертексте). Исключая простые точки входа в приложение, клиент не может предположить, что доступна какая-то операция над каким-то ресурсом, если не получил информацию об этом в предыдущих запросах к серверу. </a:t>
             </a:r>
@@ -7849,6 +8173,8 @@
               <a:solidFill>
                 <a:srgbClr val="0070C0"/>
               </a:solidFill>
+              <a:latin typeface="Times New Roman" panose="02020603050405020304" pitchFamily="18" charset="0"/>
+              <a:cs typeface="Times New Roman" panose="02020603050405020304" pitchFamily="18" charset="0"/>
             </a:endParaRPr>
           </a:p>
         </p:txBody>
@@ -7919,6 +8245,8 @@
                 <a:solidFill>
                   <a:srgbClr val="0070C0"/>
                 </a:solidFill>
+                <a:latin typeface="Times New Roman" panose="02020603050405020304" pitchFamily="18" charset="0"/>
+                <a:cs typeface="Times New Roman" panose="02020603050405020304" pitchFamily="18" charset="0"/>
               </a:rPr>
               <a:t>5. Слои</a:t>
             </a:r>
@@ -7935,6 +8263,8 @@
                 <a:solidFill>
                   <a:srgbClr val="0070C0"/>
                 </a:solidFill>
+                <a:latin typeface="Times New Roman" panose="02020603050405020304" pitchFamily="18" charset="0"/>
+                <a:cs typeface="Times New Roman" panose="02020603050405020304" pitchFamily="18" charset="0"/>
               </a:rPr>
               <a:t>Клиент обычно не способен точно определить, взаимодействует он напрямую с сервером или же с промежуточным узлом, в связи с иерархической структурой сетей (подразумевая, что такая структура образует слои).</a:t>
             </a:r>
@@ -7951,6 +8281,8 @@
                 <a:solidFill>
                   <a:srgbClr val="0070C0"/>
                 </a:solidFill>
+                <a:latin typeface="Times New Roman" panose="02020603050405020304" pitchFamily="18" charset="0"/>
+                <a:cs typeface="Times New Roman" panose="02020603050405020304" pitchFamily="18" charset="0"/>
               </a:rPr>
               <a:t>6. Код по требованию (необязательное ограничение)</a:t>
             </a:r>
@@ -7967,6 +8299,8 @@
                 <a:solidFill>
                   <a:srgbClr val="0070C0"/>
                 </a:solidFill>
+                <a:latin typeface="Times New Roman" panose="02020603050405020304" pitchFamily="18" charset="0"/>
+                <a:cs typeface="Times New Roman" panose="02020603050405020304" pitchFamily="18" charset="0"/>
               </a:rPr>
               <a:t>REST может позволить расширить функциональность клиента за счёт загрузки кода с сервера в виде апплетов или сценариев.</a:t>
             </a:r>
@@ -7983,6 +8317,8 @@
                 <a:solidFill>
                   <a:srgbClr val="0070C0"/>
                 </a:solidFill>
+                <a:latin typeface="Times New Roman" panose="02020603050405020304" pitchFamily="18" charset="0"/>
+                <a:cs typeface="Times New Roman" panose="02020603050405020304" pitchFamily="18" charset="0"/>
               </a:rPr>
               <a:t>Апплет</a:t>
             </a:r>
@@ -7991,6 +8327,8 @@
                 <a:solidFill>
                   <a:srgbClr val="0070C0"/>
                 </a:solidFill>
+                <a:latin typeface="Times New Roman" panose="02020603050405020304" pitchFamily="18" charset="0"/>
+                <a:cs typeface="Times New Roman" panose="02020603050405020304" pitchFamily="18" charset="0"/>
               </a:rPr>
               <a:t> - это несамостоятельный компонент программного обеспечения, работающий в контексте другого, полновесного приложения, предназначенный для одной узкой задачи и не имеющий ценности в отрыве от базового приложения.</a:t>
             </a:r>
@@ -8007,6 +8345,8 @@
                 <a:solidFill>
                   <a:srgbClr val="0070C0"/>
                 </a:solidFill>
+                <a:latin typeface="Times New Roman" panose="02020603050405020304" pitchFamily="18" charset="0"/>
+                <a:cs typeface="Times New Roman" panose="02020603050405020304" pitchFamily="18" charset="0"/>
               </a:rPr>
               <a:t>Сценарий</a:t>
             </a:r>
@@ -8015,6 +8355,8 @@
                 <a:solidFill>
                   <a:srgbClr val="0070C0"/>
                 </a:solidFill>
+                <a:latin typeface="Times New Roman" panose="02020603050405020304" pitchFamily="18" charset="0"/>
+                <a:cs typeface="Times New Roman" panose="02020603050405020304" pitchFamily="18" charset="0"/>
               </a:rPr>
               <a:t> — это программа, имеющая дело с готовыми программными компонентами.</a:t>
             </a:r>
@@ -8077,7 +8419,10 @@
           <a:lstStyle/>
           <a:p>
             <a:r>
-              <a:rPr lang="ru-RU" sz="3200" dirty="0"/>
+              <a:rPr lang="ru-RU" sz="3200" dirty="0">
+                <a:latin typeface="Times New Roman" panose="02020603050405020304" pitchFamily="18" charset="0"/>
+                <a:cs typeface="Times New Roman" panose="02020603050405020304" pitchFamily="18" charset="0"/>
+              </a:rPr>
               <a:t>Учет интересов клиентов и выбор оптимального решения</a:t>
             </a:r>
           </a:p>
@@ -8098,7 +8443,7 @@
           <p:nvPr>
             <p:extLst>
               <p:ext uri="{D42A27DB-BD31-4B8C-83A1-F6EECF244321}">
-                <p14:modId xmlns:p14="http://schemas.microsoft.com/office/powerpoint/2010/main" val="3587384373"/>
+                <p14:modId xmlns:p14="http://schemas.microsoft.com/office/powerpoint/2010/main" val="2499567803"/>
               </p:ext>
             </p:extLst>
           </p:nvPr>
@@ -8143,7 +8488,10 @@
                     <a:lstStyle/>
                     <a:p>
                       <a:r>
-                        <a:rPr lang="ru-RU" sz="2500" dirty="0"/>
+                        <a:rPr lang="ru-RU" sz="2500" dirty="0">
+                          <a:latin typeface="Times New Roman" panose="02020603050405020304" pitchFamily="18" charset="0"/>
+                          <a:cs typeface="Times New Roman" panose="02020603050405020304" pitchFamily="18" charset="0"/>
+                        </a:rPr>
                         <a:t>Название</a:t>
                       </a:r>
                     </a:p>
@@ -8173,10 +8521,16 @@
                         <a:defRPr/>
                       </a:pPr>
                       <a:r>
-                        <a:rPr lang="en-US" sz="2500" dirty="0"/>
+                        <a:rPr lang="en-US" sz="2500" dirty="0">
+                          <a:latin typeface="Times New Roman" panose="02020603050405020304" pitchFamily="18" charset="0"/>
+                          <a:cs typeface="Times New Roman" panose="02020603050405020304" pitchFamily="18" charset="0"/>
+                        </a:rPr>
                         <a:t>REST</a:t>
                       </a:r>
-                      <a:endParaRPr lang="ru-RU" sz="2500" dirty="0"/>
+                      <a:endParaRPr lang="ru-RU" sz="2500" dirty="0">
+                        <a:latin typeface="Times New Roman" panose="02020603050405020304" pitchFamily="18" charset="0"/>
+                        <a:cs typeface="Times New Roman" panose="02020603050405020304" pitchFamily="18" charset="0"/>
+                      </a:endParaRPr>
                     </a:p>
                   </a:txBody>
                   <a:tcPr/>
@@ -8187,10 +8541,16 @@
                     <a:lstStyle/>
                     <a:p>
                       <a:r>
-                        <a:rPr lang="en-US" sz="2500" dirty="0"/>
+                        <a:rPr lang="en-US" sz="2500" dirty="0">
+                          <a:latin typeface="Times New Roman" panose="02020603050405020304" pitchFamily="18" charset="0"/>
+                          <a:cs typeface="Times New Roman" panose="02020603050405020304" pitchFamily="18" charset="0"/>
+                        </a:rPr>
                         <a:t>SOAP</a:t>
                       </a:r>
-                      <a:endParaRPr lang="ru-RU" sz="2500" dirty="0"/>
+                      <a:endParaRPr lang="ru-RU" sz="2500" dirty="0">
+                        <a:latin typeface="Times New Roman" panose="02020603050405020304" pitchFamily="18" charset="0"/>
+                        <a:cs typeface="Times New Roman" panose="02020603050405020304" pitchFamily="18" charset="0"/>
+                      </a:endParaRPr>
                     </a:p>
                   </a:txBody>
                   <a:tcPr/>
@@ -8208,7 +8568,10 @@
                     <a:lstStyle/>
                     <a:p>
                       <a:r>
-                        <a:rPr lang="ru-RU" sz="2500" dirty="0"/>
+                        <a:rPr lang="ru-RU" sz="2500" dirty="0">
+                          <a:latin typeface="Times New Roman" panose="02020603050405020304" pitchFamily="18" charset="0"/>
+                          <a:cs typeface="Times New Roman" panose="02020603050405020304" pitchFamily="18" charset="0"/>
+                        </a:rPr>
                         <a:t>Поддерживаемые форматы</a:t>
                       </a:r>
                     </a:p>
@@ -8221,11 +8584,17 @@
                     <a:lstStyle/>
                     <a:p>
                       <a:r>
-                        <a:rPr lang="ru-RU" sz="2500" dirty="0" err="1"/>
+                        <a:rPr lang="ru-RU" sz="2500" dirty="0" err="1">
+                          <a:latin typeface="Times New Roman" panose="02020603050405020304" pitchFamily="18" charset="0"/>
+                          <a:cs typeface="Times New Roman" panose="02020603050405020304" pitchFamily="18" charset="0"/>
+                        </a:rPr>
                         <a:t>text</a:t>
                       </a:r>
                       <a:r>
-                        <a:rPr lang="ru-RU" sz="2500" dirty="0"/>
+                        <a:rPr lang="ru-RU" sz="2500" dirty="0">
+                          <a:latin typeface="Times New Roman" panose="02020603050405020304" pitchFamily="18" charset="0"/>
+                          <a:cs typeface="Times New Roman" panose="02020603050405020304" pitchFamily="18" charset="0"/>
+                        </a:rPr>
                         <a:t>, JSON, XML</a:t>
                       </a:r>
                     </a:p>
@@ -8238,7 +8607,10 @@
                     <a:lstStyle/>
                     <a:p>
                       <a:r>
-                        <a:rPr lang="ru-RU" sz="2500" dirty="0"/>
+                        <a:rPr lang="ru-RU" sz="2500" dirty="0">
+                          <a:latin typeface="Times New Roman" panose="02020603050405020304" pitchFamily="18" charset="0"/>
+                          <a:cs typeface="Times New Roman" panose="02020603050405020304" pitchFamily="18" charset="0"/>
+                        </a:rPr>
                         <a:t>только XML</a:t>
                       </a:r>
                     </a:p>
@@ -8258,7 +8630,10 @@
                     <a:lstStyle/>
                     <a:p>
                       <a:r>
-                        <a:rPr lang="ru-RU" sz="2500" dirty="0"/>
+                        <a:rPr lang="ru-RU" sz="2500" dirty="0">
+                          <a:latin typeface="Times New Roman" panose="02020603050405020304" pitchFamily="18" charset="0"/>
+                          <a:cs typeface="Times New Roman" panose="02020603050405020304" pitchFamily="18" charset="0"/>
+                        </a:rPr>
                         <a:t>Протоколы</a:t>
                       </a:r>
                     </a:p>
@@ -8271,7 +8646,10 @@
                     <a:lstStyle/>
                     <a:p>
                       <a:r>
-                        <a:rPr lang="ru-RU" sz="2500" dirty="0"/>
+                        <a:rPr lang="ru-RU" sz="2500" dirty="0">
+                          <a:latin typeface="Times New Roman" panose="02020603050405020304" pitchFamily="18" charset="0"/>
+                          <a:cs typeface="Times New Roman" panose="02020603050405020304" pitchFamily="18" charset="0"/>
+                        </a:rPr>
                         <a:t>Только по HTTP(S)</a:t>
                       </a:r>
                     </a:p>
@@ -8284,7 +8662,10 @@
                     <a:lstStyle/>
                     <a:p>
                       <a:r>
-                        <a:rPr lang="ru-RU" sz="2500" dirty="0"/>
+                        <a:rPr lang="ru-RU" sz="2500" dirty="0">
+                          <a:latin typeface="Times New Roman" panose="02020603050405020304" pitchFamily="18" charset="0"/>
+                          <a:cs typeface="Times New Roman" panose="02020603050405020304" pitchFamily="18" charset="0"/>
+                        </a:rPr>
                         <a:t>Различные протоколы</a:t>
                       </a:r>
                     </a:p>
@@ -8304,7 +8685,10 @@
                     <a:lstStyle/>
                     <a:p>
                       <a:r>
-                        <a:rPr lang="ru-RU" sz="2500" dirty="0"/>
+                        <a:rPr lang="ru-RU" sz="2500" dirty="0">
+                          <a:latin typeface="Times New Roman" panose="02020603050405020304" pitchFamily="18" charset="0"/>
+                          <a:cs typeface="Times New Roman" panose="02020603050405020304" pitchFamily="18" charset="0"/>
+                        </a:rPr>
                         <a:t>Работа с ресурсами и операциями</a:t>
                       </a:r>
                     </a:p>
@@ -8317,7 +8701,10 @@
                     <a:lstStyle/>
                     <a:p>
                       <a:r>
-                        <a:rPr lang="ru-RU" sz="2500" dirty="0"/>
+                        <a:rPr lang="ru-RU" sz="2500" dirty="0">
+                          <a:latin typeface="Times New Roman" panose="02020603050405020304" pitchFamily="18" charset="0"/>
+                          <a:cs typeface="Times New Roman" panose="02020603050405020304" pitchFamily="18" charset="0"/>
+                        </a:rPr>
                         <a:t>Работает с ресурсами</a:t>
                       </a:r>
                     </a:p>
@@ -8330,7 +8717,10 @@
                     <a:lstStyle/>
                     <a:p>
                       <a:r>
-                        <a:rPr lang="ru-RU" sz="2500" dirty="0"/>
+                        <a:rPr lang="ru-RU" sz="2500" dirty="0">
+                          <a:latin typeface="Times New Roman" panose="02020603050405020304" pitchFamily="18" charset="0"/>
+                          <a:cs typeface="Times New Roman" panose="02020603050405020304" pitchFamily="18" charset="0"/>
+                        </a:rPr>
                         <a:t>Работает с операциями</a:t>
                       </a:r>
                     </a:p>
@@ -8350,7 +8740,10 @@
                     <a:lstStyle/>
                     <a:p>
                       <a:r>
-                        <a:rPr lang="ru-RU" sz="2500" dirty="0"/>
+                        <a:rPr lang="ru-RU" sz="2500" dirty="0">
+                          <a:latin typeface="Times New Roman" panose="02020603050405020304" pitchFamily="18" charset="0"/>
+                          <a:cs typeface="Times New Roman" panose="02020603050405020304" pitchFamily="18" charset="0"/>
+                        </a:rPr>
                         <a:t>Возможность кэширования</a:t>
                       </a:r>
                     </a:p>
@@ -8363,7 +8756,10 @@
                     <a:lstStyle/>
                     <a:p>
                       <a:r>
-                        <a:rPr lang="ru-RU" sz="2500" dirty="0"/>
+                        <a:rPr lang="ru-RU" sz="2500" dirty="0">
+                          <a:latin typeface="Times New Roman" panose="02020603050405020304" pitchFamily="18" charset="0"/>
+                          <a:cs typeface="Times New Roman" panose="02020603050405020304" pitchFamily="18" charset="0"/>
+                        </a:rPr>
                         <a:t>есть</a:t>
                       </a:r>
                     </a:p>
@@ -8376,7 +8772,10 @@
                     <a:lstStyle/>
                     <a:p>
                       <a:r>
-                        <a:rPr lang="ru-RU" sz="2500" dirty="0"/>
+                        <a:rPr lang="ru-RU" sz="2500" dirty="0">
+                          <a:latin typeface="Times New Roman" panose="02020603050405020304" pitchFamily="18" charset="0"/>
+                          <a:cs typeface="Times New Roman" panose="02020603050405020304" pitchFamily="18" charset="0"/>
+                        </a:rPr>
                         <a:t>Нет</a:t>
                       </a:r>
                     </a:p>
@@ -8396,22 +8795,37 @@
                     <a:lstStyle/>
                     <a:p>
                       <a:r>
-                        <a:rPr lang="ru-RU" sz="2500" dirty="0"/>
+                        <a:rPr lang="ru-RU" sz="2500" dirty="0">
+                          <a:latin typeface="Times New Roman" panose="02020603050405020304" pitchFamily="18" charset="0"/>
+                          <a:cs typeface="Times New Roman" panose="02020603050405020304" pitchFamily="18" charset="0"/>
+                        </a:rPr>
                         <a:t>Поддержка протокола </a:t>
                       </a:r>
                       <a:r>
-                        <a:rPr lang="en-US" sz="2500" dirty="0"/>
+                        <a:rPr lang="en-US" sz="2500" dirty="0">
+                          <a:latin typeface="Times New Roman" panose="02020603050405020304" pitchFamily="18" charset="0"/>
+                          <a:cs typeface="Times New Roman" panose="02020603050405020304" pitchFamily="18" charset="0"/>
+                        </a:rPr>
                         <a:t>SSL </a:t>
                       </a:r>
                       <a:r>
-                        <a:rPr lang="ru-RU" sz="2500" dirty="0"/>
+                        <a:rPr lang="ru-RU" sz="2500" dirty="0">
+                          <a:latin typeface="Times New Roman" panose="02020603050405020304" pitchFamily="18" charset="0"/>
+                          <a:cs typeface="Times New Roman" panose="02020603050405020304" pitchFamily="18" charset="0"/>
+                        </a:rPr>
                         <a:t>и </a:t>
                       </a:r>
                       <a:r>
-                        <a:rPr lang="en-US" sz="2500" dirty="0"/>
+                        <a:rPr lang="en-US" sz="2500" dirty="0">
+                          <a:latin typeface="Times New Roman" panose="02020603050405020304" pitchFamily="18" charset="0"/>
+                          <a:cs typeface="Times New Roman" panose="02020603050405020304" pitchFamily="18" charset="0"/>
+                        </a:rPr>
                         <a:t>WS-security</a:t>
                       </a:r>
-                      <a:endParaRPr lang="ru-RU" sz="2500" dirty="0"/>
+                      <a:endParaRPr lang="ru-RU" sz="2500" dirty="0">
+                        <a:latin typeface="Times New Roman" panose="02020603050405020304" pitchFamily="18" charset="0"/>
+                        <a:cs typeface="Times New Roman" panose="02020603050405020304" pitchFamily="18" charset="0"/>
+                      </a:endParaRPr>
                     </a:p>
                   </a:txBody>
                   <a:tcPr/>
@@ -8422,22 +8836,37 @@
                     <a:lstStyle/>
                     <a:p>
                       <a:r>
-                        <a:rPr lang="ru-RU" sz="2500" dirty="0"/>
+                        <a:rPr lang="ru-RU" sz="2500" dirty="0">
+                          <a:latin typeface="Times New Roman" panose="02020603050405020304" pitchFamily="18" charset="0"/>
+                          <a:cs typeface="Times New Roman" panose="02020603050405020304" pitchFamily="18" charset="0"/>
+                        </a:rPr>
                         <a:t>протокола </a:t>
                       </a:r>
                       <a:r>
-                        <a:rPr lang="en-US" sz="2500" dirty="0"/>
+                        <a:rPr lang="en-US" sz="2500" dirty="0">
+                          <a:latin typeface="Times New Roman" panose="02020603050405020304" pitchFamily="18" charset="0"/>
+                          <a:cs typeface="Times New Roman" panose="02020603050405020304" pitchFamily="18" charset="0"/>
+                        </a:rPr>
                         <a:t>SSL </a:t>
                       </a:r>
                       <a:r>
-                        <a:rPr lang="ru-RU" sz="2500" dirty="0"/>
+                        <a:rPr lang="ru-RU" sz="2500" dirty="0">
+                          <a:latin typeface="Times New Roman" panose="02020603050405020304" pitchFamily="18" charset="0"/>
+                          <a:cs typeface="Times New Roman" panose="02020603050405020304" pitchFamily="18" charset="0"/>
+                        </a:rPr>
                         <a:t>и </a:t>
                       </a:r>
                       <a:r>
-                        <a:rPr lang="en-US" sz="2500" dirty="0"/>
+                        <a:rPr lang="en-US" sz="2500" dirty="0">
+                          <a:latin typeface="Times New Roman" panose="02020603050405020304" pitchFamily="18" charset="0"/>
+                          <a:cs typeface="Times New Roman" panose="02020603050405020304" pitchFamily="18" charset="0"/>
+                        </a:rPr>
                         <a:t>WS-security</a:t>
                       </a:r>
-                      <a:endParaRPr lang="ru-RU" sz="2500" dirty="0"/>
+                      <a:endParaRPr lang="ru-RU" sz="2500" dirty="0">
+                        <a:latin typeface="Times New Roman" panose="02020603050405020304" pitchFamily="18" charset="0"/>
+                        <a:cs typeface="Times New Roman" panose="02020603050405020304" pitchFamily="18" charset="0"/>
+                      </a:endParaRPr>
                     </a:p>
                   </a:txBody>
                   <a:tcPr/>
@@ -8448,14 +8877,23 @@
                     <a:lstStyle/>
                     <a:p>
                       <a:r>
-                        <a:rPr lang="ru-RU" sz="2500" dirty="0"/>
+                        <a:rPr lang="ru-RU" sz="2500" dirty="0">
+                          <a:latin typeface="Times New Roman" panose="02020603050405020304" pitchFamily="18" charset="0"/>
+                          <a:cs typeface="Times New Roman" panose="02020603050405020304" pitchFamily="18" charset="0"/>
+                        </a:rPr>
                         <a:t>протокола </a:t>
                       </a:r>
                       <a:r>
-                        <a:rPr lang="en-US" sz="2500" dirty="0"/>
+                        <a:rPr lang="en-US" sz="2500" dirty="0">
+                          <a:latin typeface="Times New Roman" panose="02020603050405020304" pitchFamily="18" charset="0"/>
+                          <a:cs typeface="Times New Roman" panose="02020603050405020304" pitchFamily="18" charset="0"/>
+                        </a:rPr>
                         <a:t>SSL</a:t>
                       </a:r>
-                      <a:endParaRPr lang="ru-RU" sz="2500" dirty="0"/>
+                      <a:endParaRPr lang="ru-RU" sz="2500" dirty="0">
+                        <a:latin typeface="Times New Roman" panose="02020603050405020304" pitchFamily="18" charset="0"/>
+                        <a:cs typeface="Times New Roman" panose="02020603050405020304" pitchFamily="18" charset="0"/>
+                      </a:endParaRPr>
                     </a:p>
                   </a:txBody>
                   <a:tcPr/>
@@ -8542,6 +8980,7 @@
                 <a:solidFill>
                   <a:srgbClr val="0070C0"/>
                 </a:solidFill>
+                <a:latin typeface="Times New Roman" panose="02020603050405020304" pitchFamily="18" charset="0"/>
                 <a:cs typeface="Times New Roman" panose="02020603050405020304" pitchFamily="18" charset="0"/>
               </a:rPr>
               <a:t>Интерфе́йс</a:t>
@@ -8551,6 +8990,7 @@
                 <a:solidFill>
                   <a:srgbClr val="0070C0"/>
                 </a:solidFill>
+                <a:latin typeface="Times New Roman" panose="02020603050405020304" pitchFamily="18" charset="0"/>
                 <a:cs typeface="Times New Roman" panose="02020603050405020304" pitchFamily="18" charset="0"/>
               </a:rPr>
               <a:t> (от англ. </a:t>
@@ -8560,6 +9000,7 @@
                 <a:solidFill>
                   <a:srgbClr val="0070C0"/>
                 </a:solidFill>
+                <a:latin typeface="Times New Roman" panose="02020603050405020304" pitchFamily="18" charset="0"/>
                 <a:cs typeface="Times New Roman" panose="02020603050405020304" pitchFamily="18" charset="0"/>
               </a:rPr>
               <a:t>interface</a:t>
@@ -8569,6 +9010,7 @@
                 <a:solidFill>
                   <a:srgbClr val="0070C0"/>
                 </a:solidFill>
+                <a:latin typeface="Times New Roman" panose="02020603050405020304" pitchFamily="18" charset="0"/>
                 <a:cs typeface="Times New Roman" panose="02020603050405020304" pitchFamily="18" charset="0"/>
               </a:rPr>
               <a:t>) — общая граница между двумя функциональными объектами, требования к которой определяются стандартом и совокупностью средств, методов и правил взаимодействия (управления, контроля и т.д.) между элементами системы.</a:t>
@@ -8580,7 +9022,10 @@
                 <a:spcPct val="150000"/>
               </a:lnSpc>
             </a:pPr>
-            <a:endParaRPr lang="ru-RU" dirty="0"/>
+            <a:endParaRPr lang="ru-RU" dirty="0">
+              <a:latin typeface="Times New Roman" panose="02020603050405020304" pitchFamily="18" charset="0"/>
+              <a:cs typeface="Times New Roman" panose="02020603050405020304" pitchFamily="18" charset="0"/>
+            </a:endParaRPr>
           </a:p>
         </p:txBody>
       </p:sp>
@@ -8640,18 +9085,30 @@
           <a:lstStyle/>
           <a:p>
             <a:r>
-              <a:rPr lang="en-US" dirty="0"/>
+              <a:rPr lang="en-US" dirty="0">
+                <a:latin typeface="Times New Roman" panose="02020603050405020304" pitchFamily="18" charset="0"/>
+                <a:cs typeface="Times New Roman" panose="02020603050405020304" pitchFamily="18" charset="0"/>
+              </a:rPr>
               <a:t>SOAP </a:t>
             </a:r>
             <a:r>
-              <a:rPr lang="ru-RU" dirty="0"/>
+              <a:rPr lang="ru-RU" dirty="0">
+                <a:latin typeface="Times New Roman" panose="02020603050405020304" pitchFamily="18" charset="0"/>
+                <a:cs typeface="Times New Roman" panose="02020603050405020304" pitchFamily="18" charset="0"/>
+              </a:rPr>
               <a:t>и </a:t>
             </a:r>
             <a:r>
-              <a:rPr lang="en-US" dirty="0"/>
+              <a:rPr lang="en-US" dirty="0">
+                <a:latin typeface="Times New Roman" panose="02020603050405020304" pitchFamily="18" charset="0"/>
+                <a:cs typeface="Times New Roman" panose="02020603050405020304" pitchFamily="18" charset="0"/>
+              </a:rPr>
               <a:t>REST</a:t>
             </a:r>
-            <a:endParaRPr lang="ru-RU" dirty="0"/>
+            <a:endParaRPr lang="ru-RU" dirty="0">
+              <a:latin typeface="Times New Roman" panose="02020603050405020304" pitchFamily="18" charset="0"/>
+              <a:cs typeface="Times New Roman" panose="02020603050405020304" pitchFamily="18" charset="0"/>
+            </a:endParaRPr>
           </a:p>
         </p:txBody>
       </p:sp>
@@ -8665,7 +9122,7 @@
             <p:ph idx="1"/>
             <p:extLst>
               <p:ext uri="{D42A27DB-BD31-4B8C-83A1-F6EECF244321}">
-                <p14:modId xmlns:p14="http://schemas.microsoft.com/office/powerpoint/2010/main" val="2054673817"/>
+                <p14:modId xmlns:p14="http://schemas.microsoft.com/office/powerpoint/2010/main" val="3172262197"/>
               </p:ext>
             </p:extLst>
           </p:nvPr>
@@ -8710,7 +9167,10 @@
                     <a:lstStyle/>
                     <a:p>
                       <a:r>
-                        <a:rPr lang="ru-RU" dirty="0"/>
+                        <a:rPr lang="ru-RU" dirty="0">
+                          <a:latin typeface="Times New Roman" panose="02020603050405020304" pitchFamily="18" charset="0"/>
+                          <a:cs typeface="Times New Roman" panose="02020603050405020304" pitchFamily="18" charset="0"/>
+                        </a:rPr>
                         <a:t>Критерий</a:t>
                       </a:r>
                     </a:p>
@@ -8723,10 +9183,16 @@
                     <a:lstStyle/>
                     <a:p>
                       <a:r>
-                        <a:rPr lang="en-US" dirty="0"/>
+                        <a:rPr lang="en-US" dirty="0">
+                          <a:latin typeface="Times New Roman" panose="02020603050405020304" pitchFamily="18" charset="0"/>
+                          <a:cs typeface="Times New Roman" panose="02020603050405020304" pitchFamily="18" charset="0"/>
+                        </a:rPr>
                         <a:t>SOAP</a:t>
                       </a:r>
-                      <a:endParaRPr lang="ru-RU" dirty="0"/>
+                      <a:endParaRPr lang="ru-RU" dirty="0">
+                        <a:latin typeface="Times New Roman" panose="02020603050405020304" pitchFamily="18" charset="0"/>
+                        <a:cs typeface="Times New Roman" panose="02020603050405020304" pitchFamily="18" charset="0"/>
+                      </a:endParaRPr>
                     </a:p>
                   </a:txBody>
                   <a:tcPr/>
@@ -8737,10 +9203,16 @@
                     <a:lstStyle/>
                     <a:p>
                       <a:r>
-                        <a:rPr lang="en-US" dirty="0"/>
+                        <a:rPr lang="en-US" dirty="0">
+                          <a:latin typeface="Times New Roman" panose="02020603050405020304" pitchFamily="18" charset="0"/>
+                          <a:cs typeface="Times New Roman" panose="02020603050405020304" pitchFamily="18" charset="0"/>
+                        </a:rPr>
                         <a:t>RESTful</a:t>
                       </a:r>
-                      <a:endParaRPr lang="ru-RU" dirty="0"/>
+                      <a:endParaRPr lang="ru-RU" dirty="0">
+                        <a:latin typeface="Times New Roman" panose="02020603050405020304" pitchFamily="18" charset="0"/>
+                        <a:cs typeface="Times New Roman" panose="02020603050405020304" pitchFamily="18" charset="0"/>
+                      </a:endParaRPr>
                     </a:p>
                   </a:txBody>
                   <a:tcPr/>
@@ -8758,18 +9230,30 @@
                     <a:lstStyle/>
                     <a:p>
                       <a:r>
-                        <a:rPr lang="ru-RU" dirty="0"/>
+                        <a:rPr lang="ru-RU" dirty="0">
+                          <a:latin typeface="Times New Roman" panose="02020603050405020304" pitchFamily="18" charset="0"/>
+                          <a:cs typeface="Times New Roman" panose="02020603050405020304" pitchFamily="18" charset="0"/>
+                        </a:rPr>
                         <a:t>Спецификация</a:t>
                       </a:r>
                       <a:r>
-                        <a:rPr lang="ru-RU" baseline="0" dirty="0"/>
+                        <a:rPr lang="ru-RU" baseline="0" dirty="0">
+                          <a:latin typeface="Times New Roman" panose="02020603050405020304" pitchFamily="18" charset="0"/>
+                          <a:cs typeface="Times New Roman" panose="02020603050405020304" pitchFamily="18" charset="0"/>
+                        </a:rPr>
                         <a:t> </a:t>
                       </a:r>
                       <a:r>
-                        <a:rPr lang="en-US" baseline="0" dirty="0"/>
+                        <a:rPr lang="en-US" baseline="0" dirty="0">
+                          <a:latin typeface="Times New Roman" panose="02020603050405020304" pitchFamily="18" charset="0"/>
+                          <a:cs typeface="Times New Roman" panose="02020603050405020304" pitchFamily="18" charset="0"/>
+                        </a:rPr>
                         <a:t>Java</a:t>
                       </a:r>
-                      <a:endParaRPr lang="ru-RU" dirty="0"/>
+                      <a:endParaRPr lang="ru-RU" dirty="0">
+                        <a:latin typeface="Times New Roman" panose="02020603050405020304" pitchFamily="18" charset="0"/>
+                        <a:cs typeface="Times New Roman" panose="02020603050405020304" pitchFamily="18" charset="0"/>
+                      </a:endParaRPr>
                     </a:p>
                   </a:txBody>
                   <a:tcPr/>
@@ -8780,10 +9264,16 @@
                     <a:lstStyle/>
                     <a:p>
                       <a:r>
-                        <a:rPr lang="en-US" dirty="0"/>
+                        <a:rPr lang="en-US" dirty="0">
+                          <a:latin typeface="Times New Roman" panose="02020603050405020304" pitchFamily="18" charset="0"/>
+                          <a:cs typeface="Times New Roman" panose="02020603050405020304" pitchFamily="18" charset="0"/>
+                        </a:rPr>
                         <a:t>JAX-WS</a:t>
                       </a:r>
-                      <a:endParaRPr lang="ru-RU" dirty="0"/>
+                      <a:endParaRPr lang="ru-RU" dirty="0">
+                        <a:latin typeface="Times New Roman" panose="02020603050405020304" pitchFamily="18" charset="0"/>
+                        <a:cs typeface="Times New Roman" panose="02020603050405020304" pitchFamily="18" charset="0"/>
+                      </a:endParaRPr>
                     </a:p>
                   </a:txBody>
                   <a:tcPr/>
@@ -8794,10 +9284,16 @@
                     <a:lstStyle/>
                     <a:p>
                       <a:r>
-                        <a:rPr lang="en-US" dirty="0"/>
+                        <a:rPr lang="en-US" dirty="0">
+                          <a:latin typeface="Times New Roman" panose="02020603050405020304" pitchFamily="18" charset="0"/>
+                          <a:cs typeface="Times New Roman" panose="02020603050405020304" pitchFamily="18" charset="0"/>
+                        </a:rPr>
                         <a:t>JAX-RS</a:t>
                       </a:r>
-                      <a:endParaRPr lang="ru-RU" dirty="0"/>
+                      <a:endParaRPr lang="ru-RU" dirty="0">
+                        <a:latin typeface="Times New Roman" panose="02020603050405020304" pitchFamily="18" charset="0"/>
+                        <a:cs typeface="Times New Roman" panose="02020603050405020304" pitchFamily="18" charset="0"/>
+                      </a:endParaRPr>
                     </a:p>
                   </a:txBody>
                   <a:tcPr/>
@@ -8815,7 +9311,10 @@
                     <a:lstStyle/>
                     <a:p>
                       <a:r>
-                        <a:rPr lang="ru-RU" dirty="0"/>
+                        <a:rPr lang="ru-RU" dirty="0">
+                          <a:latin typeface="Times New Roman" panose="02020603050405020304" pitchFamily="18" charset="0"/>
+                          <a:cs typeface="Times New Roman" panose="02020603050405020304" pitchFamily="18" charset="0"/>
+                        </a:rPr>
                         <a:t>Назначение</a:t>
                       </a:r>
                     </a:p>
@@ -8828,7 +9327,10 @@
                     <a:lstStyle/>
                     <a:p>
                       <a:r>
-                        <a:rPr lang="ru-RU" dirty="0"/>
+                        <a:rPr lang="ru-RU" dirty="0">
+                          <a:latin typeface="Times New Roman" panose="02020603050405020304" pitchFamily="18" charset="0"/>
+                          <a:cs typeface="Times New Roman" panose="02020603050405020304" pitchFamily="18" charset="0"/>
+                        </a:rPr>
                         <a:t>Инкапсулирует бизнес-логику</a:t>
                       </a:r>
                     </a:p>
@@ -8841,7 +9343,10 @@
                     <a:lstStyle/>
                     <a:p>
                       <a:r>
-                        <a:rPr lang="ru-RU" dirty="0"/>
+                        <a:rPr lang="ru-RU" dirty="0">
+                          <a:latin typeface="Times New Roman" panose="02020603050405020304" pitchFamily="18" charset="0"/>
+                          <a:cs typeface="Times New Roman" panose="02020603050405020304" pitchFamily="18" charset="0"/>
+                        </a:rPr>
                         <a:t>Доступ к ресурсам/данным</a:t>
                       </a:r>
                     </a:p>
@@ -8861,7 +9366,10 @@
                     <a:lstStyle/>
                     <a:p>
                       <a:r>
-                        <a:rPr lang="ru-RU" dirty="0"/>
+                        <a:rPr lang="ru-RU" dirty="0">
+                          <a:latin typeface="Times New Roman" panose="02020603050405020304" pitchFamily="18" charset="0"/>
+                          <a:cs typeface="Times New Roman" panose="02020603050405020304" pitchFamily="18" charset="0"/>
+                        </a:rPr>
                         <a:t>Методология разработки</a:t>
                       </a:r>
                     </a:p>
@@ -8874,15 +9382,24 @@
                     <a:lstStyle/>
                     <a:p>
                       <a:r>
-                        <a:rPr lang="ru-RU" dirty="0"/>
+                        <a:rPr lang="ru-RU" dirty="0">
+                          <a:latin typeface="Times New Roman" panose="02020603050405020304" pitchFamily="18" charset="0"/>
+                          <a:cs typeface="Times New Roman" panose="02020603050405020304" pitchFamily="18" charset="0"/>
+                        </a:rPr>
                         <a:t>Объектно-ориентированная (</a:t>
                       </a:r>
                       <a:r>
-                        <a:rPr lang="ru-RU" dirty="0" err="1"/>
+                        <a:rPr lang="ru-RU" dirty="0" err="1">
+                          <a:latin typeface="Times New Roman" panose="02020603050405020304" pitchFamily="18" charset="0"/>
+                          <a:cs typeface="Times New Roman" panose="02020603050405020304" pitchFamily="18" charset="0"/>
+                        </a:rPr>
                         <a:t>сервисно</a:t>
                       </a:r>
                       <a:r>
-                        <a:rPr lang="ru-RU" dirty="0"/>
+                        <a:rPr lang="ru-RU" dirty="0">
+                          <a:latin typeface="Times New Roman" panose="02020603050405020304" pitchFamily="18" charset="0"/>
+                          <a:cs typeface="Times New Roman" panose="02020603050405020304" pitchFamily="18" charset="0"/>
+                        </a:rPr>
                         <a:t>-)</a:t>
                       </a:r>
                     </a:p>
@@ -8895,7 +9412,10 @@
                     <a:lstStyle/>
                     <a:p>
                       <a:r>
-                        <a:rPr lang="ru-RU" dirty="0"/>
+                        <a:rPr lang="ru-RU" dirty="0">
+                          <a:latin typeface="Times New Roman" panose="02020603050405020304" pitchFamily="18" charset="0"/>
+                          <a:cs typeface="Times New Roman" panose="02020603050405020304" pitchFamily="18" charset="0"/>
+                        </a:rPr>
                         <a:t>Ресурсно-ориентированная</a:t>
                       </a:r>
                     </a:p>
@@ -8915,7 +9435,10 @@
                     <a:lstStyle/>
                     <a:p>
                       <a:r>
-                        <a:rPr lang="ru-RU" dirty="0"/>
+                        <a:rPr lang="ru-RU" dirty="0">
+                          <a:latin typeface="Times New Roman" panose="02020603050405020304" pitchFamily="18" charset="0"/>
+                          <a:cs typeface="Times New Roman" panose="02020603050405020304" pitchFamily="18" charset="0"/>
+                        </a:rPr>
                         <a:t>Независимость от языка</a:t>
                       </a:r>
                     </a:p>
@@ -8928,7 +9451,10 @@
                     <a:lstStyle/>
                     <a:p>
                       <a:r>
-                        <a:rPr lang="ru-RU" dirty="0"/>
+                        <a:rPr lang="ru-RU" dirty="0">
+                          <a:latin typeface="Times New Roman" panose="02020603050405020304" pitchFamily="18" charset="0"/>
+                          <a:cs typeface="Times New Roman" panose="02020603050405020304" pitchFamily="18" charset="0"/>
+                        </a:rPr>
                         <a:t>Да</a:t>
                       </a:r>
                     </a:p>
@@ -8941,7 +9467,10 @@
                     <a:lstStyle/>
                     <a:p>
                       <a:r>
-                        <a:rPr lang="ru-RU" dirty="0"/>
+                        <a:rPr lang="ru-RU" dirty="0">
+                          <a:latin typeface="Times New Roman" panose="02020603050405020304" pitchFamily="18" charset="0"/>
+                          <a:cs typeface="Times New Roman" panose="02020603050405020304" pitchFamily="18" charset="0"/>
+                        </a:rPr>
                         <a:t>Да</a:t>
                       </a:r>
                     </a:p>
@@ -8978,7 +9507,10 @@
                         <a:defRPr/>
                       </a:pPr>
                       <a:r>
-                        <a:rPr lang="ru-RU" dirty="0"/>
+                        <a:rPr lang="ru-RU" dirty="0">
+                          <a:latin typeface="Times New Roman" panose="02020603050405020304" pitchFamily="18" charset="0"/>
+                          <a:cs typeface="Times New Roman" panose="02020603050405020304" pitchFamily="18" charset="0"/>
+                        </a:rPr>
                         <a:t>Независимость от платформы</a:t>
                       </a:r>
                     </a:p>
@@ -8991,7 +9523,10 @@
                     <a:lstStyle/>
                     <a:p>
                       <a:r>
-                        <a:rPr lang="ru-RU" dirty="0"/>
+                        <a:rPr lang="ru-RU" dirty="0">
+                          <a:latin typeface="Times New Roman" panose="02020603050405020304" pitchFamily="18" charset="0"/>
+                          <a:cs typeface="Times New Roman" panose="02020603050405020304" pitchFamily="18" charset="0"/>
+                        </a:rPr>
                         <a:t>Да</a:t>
                       </a:r>
                     </a:p>
@@ -9004,7 +9539,10 @@
                     <a:lstStyle/>
                     <a:p>
                       <a:r>
-                        <a:rPr lang="ru-RU" dirty="0"/>
+                        <a:rPr lang="ru-RU" dirty="0">
+                          <a:latin typeface="Times New Roman" panose="02020603050405020304" pitchFamily="18" charset="0"/>
+                          <a:cs typeface="Times New Roman" panose="02020603050405020304" pitchFamily="18" charset="0"/>
+                        </a:rPr>
                         <a:t>Да</a:t>
                       </a:r>
                     </a:p>
@@ -9041,7 +9579,10 @@
                         <a:defRPr/>
                       </a:pPr>
                       <a:r>
-                        <a:rPr lang="ru-RU" dirty="0"/>
+                        <a:rPr lang="ru-RU" dirty="0">
+                          <a:latin typeface="Times New Roman" panose="02020603050405020304" pitchFamily="18" charset="0"/>
+                          <a:cs typeface="Times New Roman" panose="02020603050405020304" pitchFamily="18" charset="0"/>
+                        </a:rPr>
                         <a:t>Независимость от транспорта</a:t>
                       </a:r>
                     </a:p>
@@ -9054,7 +9595,10 @@
                     <a:lstStyle/>
                     <a:p>
                       <a:r>
-                        <a:rPr lang="ru-RU" dirty="0"/>
+                        <a:rPr lang="ru-RU" dirty="0">
+                          <a:latin typeface="Times New Roman" panose="02020603050405020304" pitchFamily="18" charset="0"/>
+                          <a:cs typeface="Times New Roman" panose="02020603050405020304" pitchFamily="18" charset="0"/>
+                        </a:rPr>
                         <a:t>Да</a:t>
                       </a:r>
                     </a:p>
@@ -9067,14 +9611,23 @@
                     <a:lstStyle/>
                     <a:p>
                       <a:r>
-                        <a:rPr lang="ru-RU" dirty="0"/>
+                        <a:rPr lang="ru-RU" dirty="0">
+                          <a:latin typeface="Times New Roman" panose="02020603050405020304" pitchFamily="18" charset="0"/>
+                          <a:cs typeface="Times New Roman" panose="02020603050405020304" pitchFamily="18" charset="0"/>
+                        </a:rPr>
                         <a:t>Нет, только </a:t>
                       </a:r>
                       <a:r>
-                        <a:rPr lang="en-US" dirty="0"/>
+                        <a:rPr lang="en-US" dirty="0">
+                          <a:latin typeface="Times New Roman" panose="02020603050405020304" pitchFamily="18" charset="0"/>
+                          <a:cs typeface="Times New Roman" panose="02020603050405020304" pitchFamily="18" charset="0"/>
+                        </a:rPr>
                         <a:t>HTTP</a:t>
                       </a:r>
-                      <a:endParaRPr lang="ru-RU" dirty="0"/>
+                      <a:endParaRPr lang="ru-RU" dirty="0">
+                        <a:latin typeface="Times New Roman" panose="02020603050405020304" pitchFamily="18" charset="0"/>
+                        <a:cs typeface="Times New Roman" panose="02020603050405020304" pitchFamily="18" charset="0"/>
+                      </a:endParaRPr>
                     </a:p>
                   </a:txBody>
                   <a:tcPr/>
@@ -9092,7 +9645,10 @@
                     <a:lstStyle/>
                     <a:p>
                       <a:r>
-                        <a:rPr lang="ru-RU" dirty="0"/>
+                        <a:rPr lang="ru-RU" dirty="0">
+                          <a:latin typeface="Times New Roman" panose="02020603050405020304" pitchFamily="18" charset="0"/>
+                          <a:cs typeface="Times New Roman" panose="02020603050405020304" pitchFamily="18" charset="0"/>
+                        </a:rPr>
                         <a:t>Стандартизирован</a:t>
                       </a:r>
                     </a:p>
@@ -9105,7 +9661,10 @@
                     <a:lstStyle/>
                     <a:p>
                       <a:r>
-                        <a:rPr lang="ru-RU" dirty="0"/>
+                        <a:rPr lang="ru-RU" dirty="0">
+                          <a:latin typeface="Times New Roman" panose="02020603050405020304" pitchFamily="18" charset="0"/>
+                          <a:cs typeface="Times New Roman" panose="02020603050405020304" pitchFamily="18" charset="0"/>
+                        </a:rPr>
                         <a:t>Да</a:t>
                       </a:r>
                     </a:p>
@@ -9118,7 +9677,10 @@
                     <a:lstStyle/>
                     <a:p>
                       <a:r>
-                        <a:rPr lang="ru-RU" dirty="0"/>
+                        <a:rPr lang="ru-RU" dirty="0">
+                          <a:latin typeface="Times New Roman" panose="02020603050405020304" pitchFamily="18" charset="0"/>
+                          <a:cs typeface="Times New Roman" panose="02020603050405020304" pitchFamily="18" charset="0"/>
+                        </a:rPr>
                         <a:t>Нет</a:t>
                       </a:r>
                     </a:p>
@@ -9138,7 +9700,10 @@
                     <a:lstStyle/>
                     <a:p>
                       <a:r>
-                        <a:rPr lang="ru-RU" dirty="0"/>
+                        <a:rPr lang="ru-RU" dirty="0">
+                          <a:latin typeface="Times New Roman" panose="02020603050405020304" pitchFamily="18" charset="0"/>
+                          <a:cs typeface="Times New Roman" panose="02020603050405020304" pitchFamily="18" charset="0"/>
+                        </a:rPr>
                         <a:t>Безопасность</a:t>
                       </a:r>
                     </a:p>
@@ -9151,14 +9716,23 @@
                     <a:lstStyle/>
                     <a:p>
                       <a:r>
-                        <a:rPr lang="en-US" dirty="0"/>
+                        <a:rPr lang="en-US" dirty="0">
+                          <a:latin typeface="Times New Roman" panose="02020603050405020304" pitchFamily="18" charset="0"/>
+                          <a:cs typeface="Times New Roman" panose="02020603050405020304" pitchFamily="18" charset="0"/>
+                        </a:rPr>
                         <a:t>SSL,</a:t>
                       </a:r>
                       <a:r>
-                        <a:rPr lang="en-US" baseline="0" dirty="0"/>
+                        <a:rPr lang="en-US" baseline="0" dirty="0">
+                          <a:latin typeface="Times New Roman" panose="02020603050405020304" pitchFamily="18" charset="0"/>
+                          <a:cs typeface="Times New Roman" panose="02020603050405020304" pitchFamily="18" charset="0"/>
+                        </a:rPr>
                         <a:t> WSL-Security</a:t>
                       </a:r>
-                      <a:endParaRPr lang="ru-RU" dirty="0"/>
+                      <a:endParaRPr lang="ru-RU" dirty="0">
+                        <a:latin typeface="Times New Roman" panose="02020603050405020304" pitchFamily="18" charset="0"/>
+                        <a:cs typeface="Times New Roman" panose="02020603050405020304" pitchFamily="18" charset="0"/>
+                      </a:endParaRPr>
                     </a:p>
                   </a:txBody>
                   <a:tcPr/>
@@ -9169,10 +9743,16 @@
                     <a:lstStyle/>
                     <a:p>
                       <a:r>
-                        <a:rPr lang="en-US" dirty="0"/>
+                        <a:rPr lang="en-US" dirty="0">
+                          <a:latin typeface="Times New Roman" panose="02020603050405020304" pitchFamily="18" charset="0"/>
+                          <a:cs typeface="Times New Roman" panose="02020603050405020304" pitchFamily="18" charset="0"/>
+                        </a:rPr>
                         <a:t>SSL</a:t>
                       </a:r>
-                      <a:endParaRPr lang="ru-RU" dirty="0"/>
+                      <a:endParaRPr lang="ru-RU" dirty="0">
+                        <a:latin typeface="Times New Roman" panose="02020603050405020304" pitchFamily="18" charset="0"/>
+                        <a:cs typeface="Times New Roman" panose="02020603050405020304" pitchFamily="18" charset="0"/>
+                      </a:endParaRPr>
                     </a:p>
                   </a:txBody>
                   <a:tcPr/>
@@ -9190,7 +9770,10 @@
                     <a:lstStyle/>
                     <a:p>
                       <a:r>
-                        <a:rPr lang="ru-RU" dirty="0"/>
+                        <a:rPr lang="ru-RU" dirty="0">
+                          <a:latin typeface="Times New Roman" panose="02020603050405020304" pitchFamily="18" charset="0"/>
+                          <a:cs typeface="Times New Roman" panose="02020603050405020304" pitchFamily="18" charset="0"/>
+                        </a:rPr>
                         <a:t>Транзакции</a:t>
                       </a:r>
                     </a:p>
@@ -9203,14 +9786,23 @@
                     <a:lstStyle/>
                     <a:p>
                       <a:r>
-                        <a:rPr lang="en-US" dirty="0"/>
+                        <a:rPr lang="en-US" dirty="0">
+                          <a:latin typeface="Times New Roman" panose="02020603050405020304" pitchFamily="18" charset="0"/>
+                          <a:cs typeface="Times New Roman" panose="02020603050405020304" pitchFamily="18" charset="0"/>
+                        </a:rPr>
                         <a:t>WS-</a:t>
                       </a:r>
                       <a:r>
-                        <a:rPr lang="en-US" dirty="0" err="1"/>
+                        <a:rPr lang="en-US" dirty="0" err="1">
+                          <a:latin typeface="Times New Roman" panose="02020603050405020304" pitchFamily="18" charset="0"/>
+                          <a:cs typeface="Times New Roman" panose="02020603050405020304" pitchFamily="18" charset="0"/>
+                        </a:rPr>
                         <a:t>AtomicTransaction</a:t>
                       </a:r>
-                      <a:endParaRPr lang="ru-RU" dirty="0"/>
+                      <a:endParaRPr lang="ru-RU" dirty="0">
+                        <a:latin typeface="Times New Roman" panose="02020603050405020304" pitchFamily="18" charset="0"/>
+                        <a:cs typeface="Times New Roman" panose="02020603050405020304" pitchFamily="18" charset="0"/>
+                      </a:endParaRPr>
                     </a:p>
                   </a:txBody>
                   <a:tcPr/>
@@ -9221,7 +9813,10 @@
                     <a:lstStyle/>
                     <a:p>
                       <a:r>
-                        <a:rPr lang="ru-RU" dirty="0"/>
+                        <a:rPr lang="ru-RU" dirty="0">
+                          <a:latin typeface="Times New Roman" panose="02020603050405020304" pitchFamily="18" charset="0"/>
+                          <a:cs typeface="Times New Roman" panose="02020603050405020304" pitchFamily="18" charset="0"/>
+                        </a:rPr>
                         <a:t>Нет</a:t>
                       </a:r>
                     </a:p>
@@ -9241,7 +9836,10 @@
                     <a:lstStyle/>
                     <a:p>
                       <a:r>
-                        <a:rPr lang="ru-RU" dirty="0"/>
+                        <a:rPr lang="ru-RU" dirty="0">
+                          <a:latin typeface="Times New Roman" panose="02020603050405020304" pitchFamily="18" charset="0"/>
+                          <a:cs typeface="Times New Roman" panose="02020603050405020304" pitchFamily="18" charset="0"/>
+                        </a:rPr>
                         <a:t>Надежная доставка</a:t>
                       </a:r>
                     </a:p>
@@ -9254,14 +9852,23 @@
                     <a:lstStyle/>
                     <a:p>
                       <a:r>
-                        <a:rPr lang="en-US" dirty="0"/>
+                        <a:rPr lang="en-US" dirty="0">
+                          <a:latin typeface="Times New Roman" panose="02020603050405020304" pitchFamily="18" charset="0"/>
+                          <a:cs typeface="Times New Roman" panose="02020603050405020304" pitchFamily="18" charset="0"/>
+                        </a:rPr>
                         <a:t>WS-</a:t>
                       </a:r>
                       <a:r>
-                        <a:rPr lang="en-US" dirty="0" err="1"/>
+                        <a:rPr lang="en-US" dirty="0" err="1">
+                          <a:latin typeface="Times New Roman" panose="02020603050405020304" pitchFamily="18" charset="0"/>
+                          <a:cs typeface="Times New Roman" panose="02020603050405020304" pitchFamily="18" charset="0"/>
+                        </a:rPr>
                         <a:t>ReliableMessaging</a:t>
                       </a:r>
-                      <a:endParaRPr lang="ru-RU" dirty="0"/>
+                      <a:endParaRPr lang="ru-RU" dirty="0">
+                        <a:latin typeface="Times New Roman" panose="02020603050405020304" pitchFamily="18" charset="0"/>
+                        <a:cs typeface="Times New Roman" panose="02020603050405020304" pitchFamily="18" charset="0"/>
+                      </a:endParaRPr>
                     </a:p>
                   </a:txBody>
                   <a:tcPr/>
@@ -9272,7 +9879,10 @@
                     <a:lstStyle/>
                     <a:p>
                       <a:r>
-                        <a:rPr lang="ru-RU" dirty="0"/>
+                        <a:rPr lang="ru-RU" dirty="0">
+                          <a:latin typeface="Times New Roman" panose="02020603050405020304" pitchFamily="18" charset="0"/>
+                          <a:cs typeface="Times New Roman" panose="02020603050405020304" pitchFamily="18" charset="0"/>
+                        </a:rPr>
                         <a:t>Контроль со стороны приложения</a:t>
                       </a:r>
                     </a:p>
@@ -9331,7 +9941,7 @@
           <p:nvPr>
             <p:extLst>
               <p:ext uri="{D42A27DB-BD31-4B8C-83A1-F6EECF244321}">
-                <p14:modId xmlns:p14="http://schemas.microsoft.com/office/powerpoint/2010/main" val="1956097610"/>
+                <p14:modId xmlns:p14="http://schemas.microsoft.com/office/powerpoint/2010/main" val="3020519927"/>
               </p:ext>
             </p:extLst>
           </p:nvPr>
@@ -9376,7 +9986,10 @@
                     <a:lstStyle/>
                     <a:p>
                       <a:r>
-                        <a:rPr lang="ru-RU" dirty="0"/>
+                        <a:rPr lang="ru-RU" dirty="0">
+                          <a:latin typeface="Times New Roman" panose="02020603050405020304" pitchFamily="18" charset="0"/>
+                          <a:cs typeface="Times New Roman" panose="02020603050405020304" pitchFamily="18" charset="0"/>
+                        </a:rPr>
                         <a:t>Критерий</a:t>
                       </a:r>
                     </a:p>
@@ -9389,10 +10002,16 @@
                     <a:lstStyle/>
                     <a:p>
                       <a:r>
-                        <a:rPr lang="en-US" dirty="0"/>
+                        <a:rPr lang="en-US" dirty="0">
+                          <a:latin typeface="Times New Roman" panose="02020603050405020304" pitchFamily="18" charset="0"/>
+                          <a:cs typeface="Times New Roman" panose="02020603050405020304" pitchFamily="18" charset="0"/>
+                        </a:rPr>
                         <a:t>SOAP</a:t>
                       </a:r>
-                      <a:endParaRPr lang="ru-RU" dirty="0"/>
+                      <a:endParaRPr lang="ru-RU" dirty="0">
+                        <a:latin typeface="Times New Roman" panose="02020603050405020304" pitchFamily="18" charset="0"/>
+                        <a:cs typeface="Times New Roman" panose="02020603050405020304" pitchFamily="18" charset="0"/>
+                      </a:endParaRPr>
                     </a:p>
                   </a:txBody>
                   <a:tcPr/>
@@ -9403,10 +10022,16 @@
                     <a:lstStyle/>
                     <a:p>
                       <a:r>
-                        <a:rPr lang="en-US" dirty="0"/>
+                        <a:rPr lang="en-US" dirty="0">
+                          <a:latin typeface="Times New Roman" panose="02020603050405020304" pitchFamily="18" charset="0"/>
+                          <a:cs typeface="Times New Roman" panose="02020603050405020304" pitchFamily="18" charset="0"/>
+                        </a:rPr>
                         <a:t>RESTful</a:t>
                       </a:r>
-                      <a:endParaRPr lang="ru-RU" dirty="0"/>
+                      <a:endParaRPr lang="ru-RU" dirty="0">
+                        <a:latin typeface="Times New Roman" panose="02020603050405020304" pitchFamily="18" charset="0"/>
+                        <a:cs typeface="Times New Roman" panose="02020603050405020304" pitchFamily="18" charset="0"/>
+                      </a:endParaRPr>
                     </a:p>
                   </a:txBody>
                   <a:tcPr/>
@@ -9424,7 +10049,10 @@
                     <a:lstStyle/>
                     <a:p>
                       <a:r>
-                        <a:rPr lang="ru-RU" dirty="0"/>
+                        <a:rPr lang="ru-RU" dirty="0">
+                          <a:latin typeface="Times New Roman" panose="02020603050405020304" pitchFamily="18" charset="0"/>
+                          <a:cs typeface="Times New Roman" panose="02020603050405020304" pitchFamily="18" charset="0"/>
+                        </a:rPr>
                         <a:t>Производительность</a:t>
                       </a:r>
                     </a:p>
@@ -9437,7 +10065,10 @@
                     <a:lstStyle/>
                     <a:p>
                       <a:r>
-                        <a:rPr lang="ru-RU" dirty="0"/>
+                        <a:rPr lang="ru-RU" dirty="0">
+                          <a:latin typeface="Times New Roman" panose="02020603050405020304" pitchFamily="18" charset="0"/>
+                          <a:cs typeface="Times New Roman" panose="02020603050405020304" pitchFamily="18" charset="0"/>
+                        </a:rPr>
                         <a:t>Ниже</a:t>
                       </a:r>
                     </a:p>
@@ -9450,7 +10081,10 @@
                     <a:lstStyle/>
                     <a:p>
                       <a:r>
-                        <a:rPr lang="ru-RU" dirty="0"/>
+                        <a:rPr lang="ru-RU" dirty="0">
+                          <a:latin typeface="Times New Roman" panose="02020603050405020304" pitchFamily="18" charset="0"/>
+                          <a:cs typeface="Times New Roman" panose="02020603050405020304" pitchFamily="18" charset="0"/>
+                        </a:rPr>
                         <a:t>Выше</a:t>
                       </a:r>
                     </a:p>
@@ -9470,7 +10104,10 @@
                     <a:lstStyle/>
                     <a:p>
                       <a:r>
-                        <a:rPr lang="ru-RU" dirty="0"/>
+                        <a:rPr lang="ru-RU" dirty="0">
+                          <a:latin typeface="Times New Roman" panose="02020603050405020304" pitchFamily="18" charset="0"/>
+                          <a:cs typeface="Times New Roman" panose="02020603050405020304" pitchFamily="18" charset="0"/>
+                        </a:rPr>
                         <a:t>Кэширование</a:t>
                       </a:r>
                     </a:p>
@@ -9483,7 +10120,10 @@
                     <a:lstStyle/>
                     <a:p>
                       <a:r>
-                        <a:rPr lang="ru-RU" dirty="0"/>
+                        <a:rPr lang="ru-RU" dirty="0">
+                          <a:latin typeface="Times New Roman" panose="02020603050405020304" pitchFamily="18" charset="0"/>
+                          <a:cs typeface="Times New Roman" panose="02020603050405020304" pitchFamily="18" charset="0"/>
+                        </a:rPr>
                         <a:t>Нет</a:t>
                       </a:r>
                     </a:p>
@@ -9496,14 +10136,23 @@
                     <a:lstStyle/>
                     <a:p>
                       <a:r>
-                        <a:rPr lang="ru-RU" dirty="0"/>
+                        <a:rPr lang="ru-RU" dirty="0">
+                          <a:latin typeface="Times New Roman" panose="02020603050405020304" pitchFamily="18" charset="0"/>
+                          <a:cs typeface="Times New Roman" panose="02020603050405020304" pitchFamily="18" charset="0"/>
+                        </a:rPr>
                         <a:t>Есть для метода </a:t>
                       </a:r>
                       <a:r>
-                        <a:rPr lang="en-US" dirty="0"/>
+                        <a:rPr lang="en-US" dirty="0">
+                          <a:latin typeface="Times New Roman" panose="02020603050405020304" pitchFamily="18" charset="0"/>
+                          <a:cs typeface="Times New Roman" panose="02020603050405020304" pitchFamily="18" charset="0"/>
+                        </a:rPr>
                         <a:t>GET</a:t>
                       </a:r>
-                      <a:endParaRPr lang="ru-RU" dirty="0"/>
+                      <a:endParaRPr lang="ru-RU" dirty="0">
+                        <a:latin typeface="Times New Roman" panose="02020603050405020304" pitchFamily="18" charset="0"/>
+                        <a:cs typeface="Times New Roman" panose="02020603050405020304" pitchFamily="18" charset="0"/>
+                      </a:endParaRPr>
                     </a:p>
                   </a:txBody>
                   <a:tcPr/>
@@ -9521,7 +10170,10 @@
                     <a:lstStyle/>
                     <a:p>
                       <a:r>
-                        <a:rPr lang="ru-RU" dirty="0"/>
+                        <a:rPr lang="ru-RU" dirty="0">
+                          <a:latin typeface="Times New Roman" panose="02020603050405020304" pitchFamily="18" charset="0"/>
+                          <a:cs typeface="Times New Roman" panose="02020603050405020304" pitchFamily="18" charset="0"/>
+                        </a:rPr>
                         <a:t>Транспорт</a:t>
                       </a:r>
                     </a:p>
@@ -9534,14 +10186,23 @@
                     <a:lstStyle/>
                     <a:p>
                       <a:r>
-                        <a:rPr lang="en-US" dirty="0"/>
+                        <a:rPr lang="en-US" dirty="0">
+                          <a:latin typeface="Times New Roman" panose="02020603050405020304" pitchFamily="18" charset="0"/>
+                          <a:cs typeface="Times New Roman" panose="02020603050405020304" pitchFamily="18" charset="0"/>
+                        </a:rPr>
                         <a:t>HTTP, SMTP,</a:t>
                       </a:r>
                       <a:r>
-                        <a:rPr lang="en-US" baseline="0" dirty="0"/>
+                        <a:rPr lang="en-US" baseline="0" dirty="0">
+                          <a:latin typeface="Times New Roman" panose="02020603050405020304" pitchFamily="18" charset="0"/>
+                          <a:cs typeface="Times New Roman" panose="02020603050405020304" pitchFamily="18" charset="0"/>
+                        </a:rPr>
                         <a:t> JMS</a:t>
                       </a:r>
-                      <a:endParaRPr lang="ru-RU" dirty="0"/>
+                      <a:endParaRPr lang="ru-RU" dirty="0">
+                        <a:latin typeface="Times New Roman" panose="02020603050405020304" pitchFamily="18" charset="0"/>
+                        <a:cs typeface="Times New Roman" panose="02020603050405020304" pitchFamily="18" charset="0"/>
+                      </a:endParaRPr>
                     </a:p>
                   </a:txBody>
                   <a:tcPr/>
@@ -9552,10 +10213,16 @@
                     <a:lstStyle/>
                     <a:p>
                       <a:r>
-                        <a:rPr lang="en-US" dirty="0"/>
+                        <a:rPr lang="en-US" dirty="0">
+                          <a:latin typeface="Times New Roman" panose="02020603050405020304" pitchFamily="18" charset="0"/>
+                          <a:cs typeface="Times New Roman" panose="02020603050405020304" pitchFamily="18" charset="0"/>
+                        </a:rPr>
                         <a:t>HTTP</a:t>
                       </a:r>
-                      <a:endParaRPr lang="ru-RU" dirty="0"/>
+                      <a:endParaRPr lang="ru-RU" dirty="0">
+                        <a:latin typeface="Times New Roman" panose="02020603050405020304" pitchFamily="18" charset="0"/>
+                        <a:cs typeface="Times New Roman" panose="02020603050405020304" pitchFamily="18" charset="0"/>
+                      </a:endParaRPr>
                     </a:p>
                   </a:txBody>
                   <a:tcPr/>
@@ -9573,7 +10240,10 @@
                     <a:lstStyle/>
                     <a:p>
                       <a:r>
-                        <a:rPr lang="ru-RU" dirty="0"/>
+                        <a:rPr lang="ru-RU" dirty="0">
+                          <a:latin typeface="Times New Roman" panose="02020603050405020304" pitchFamily="18" charset="0"/>
+                          <a:cs typeface="Times New Roman" panose="02020603050405020304" pitchFamily="18" charset="0"/>
+                        </a:rPr>
                         <a:t>Размер сообщений</a:t>
                       </a:r>
                     </a:p>
@@ -9586,7 +10256,10 @@
                     <a:lstStyle/>
                     <a:p>
                       <a:r>
-                        <a:rPr lang="ru-RU" dirty="0"/>
+                        <a:rPr lang="ru-RU" dirty="0">
+                          <a:latin typeface="Times New Roman" panose="02020603050405020304" pitchFamily="18" charset="0"/>
+                          <a:cs typeface="Times New Roman" panose="02020603050405020304" pitchFamily="18" charset="0"/>
+                        </a:rPr>
                         <a:t>Большой, служебные данные</a:t>
                       </a:r>
                     </a:p>
@@ -9599,7 +10272,10 @@
                     <a:lstStyle/>
                     <a:p>
                       <a:r>
-                        <a:rPr lang="ru-RU" dirty="0"/>
+                        <a:rPr lang="ru-RU" dirty="0">
+                          <a:latin typeface="Times New Roman" panose="02020603050405020304" pitchFamily="18" charset="0"/>
+                          <a:cs typeface="Times New Roman" panose="02020603050405020304" pitchFamily="18" charset="0"/>
+                        </a:rPr>
                         <a:t>Небольшой</a:t>
                       </a:r>
                     </a:p>
@@ -9636,7 +10312,10 @@
                         <a:defRPr/>
                       </a:pPr>
                       <a:r>
-                        <a:rPr lang="ru-RU" dirty="0"/>
+                        <a:rPr lang="ru-RU" dirty="0">
+                          <a:latin typeface="Times New Roman" panose="02020603050405020304" pitchFamily="18" charset="0"/>
+                          <a:cs typeface="Times New Roman" panose="02020603050405020304" pitchFamily="18" charset="0"/>
+                        </a:rPr>
                         <a:t>Протокол сообщений</a:t>
                       </a:r>
                     </a:p>
@@ -9649,10 +10328,16 @@
                     <a:lstStyle/>
                     <a:p>
                       <a:r>
-                        <a:rPr lang="en-US" dirty="0"/>
+                        <a:rPr lang="en-US" dirty="0">
+                          <a:latin typeface="Times New Roman" panose="02020603050405020304" pitchFamily="18" charset="0"/>
+                          <a:cs typeface="Times New Roman" panose="02020603050405020304" pitchFamily="18" charset="0"/>
+                        </a:rPr>
                         <a:t>XML</a:t>
                       </a:r>
-                      <a:endParaRPr lang="ru-RU" dirty="0"/>
+                      <a:endParaRPr lang="ru-RU" dirty="0">
+                        <a:latin typeface="Times New Roman" panose="02020603050405020304" pitchFamily="18" charset="0"/>
+                        <a:cs typeface="Times New Roman" panose="02020603050405020304" pitchFamily="18" charset="0"/>
+                      </a:endParaRPr>
                     </a:p>
                   </a:txBody>
                   <a:tcPr/>
@@ -9663,22 +10348,37 @@
                     <a:lstStyle/>
                     <a:p>
                       <a:r>
-                        <a:rPr lang="en-US" dirty="0"/>
+                        <a:rPr lang="en-US" dirty="0">
+                          <a:latin typeface="Times New Roman" panose="02020603050405020304" pitchFamily="18" charset="0"/>
+                          <a:cs typeface="Times New Roman" panose="02020603050405020304" pitchFamily="18" charset="0"/>
+                        </a:rPr>
                         <a:t>XML,</a:t>
                       </a:r>
                       <a:r>
-                        <a:rPr lang="en-US" baseline="0" dirty="0"/>
+                        <a:rPr lang="en-US" baseline="0" dirty="0">
+                          <a:latin typeface="Times New Roman" panose="02020603050405020304" pitchFamily="18" charset="0"/>
+                          <a:cs typeface="Times New Roman" panose="02020603050405020304" pitchFamily="18" charset="0"/>
+                        </a:rPr>
                         <a:t> JSON, </a:t>
                       </a:r>
                       <a:r>
-                        <a:rPr lang="ru-RU" baseline="0" dirty="0"/>
+                        <a:rPr lang="ru-RU" baseline="0" dirty="0">
+                          <a:latin typeface="Times New Roman" panose="02020603050405020304" pitchFamily="18" charset="0"/>
+                          <a:cs typeface="Times New Roman" panose="02020603050405020304" pitchFamily="18" charset="0"/>
+                        </a:rPr>
                         <a:t>любой тип </a:t>
                       </a:r>
                       <a:r>
-                        <a:rPr lang="en-US" baseline="0" dirty="0"/>
+                        <a:rPr lang="en-US" baseline="0" dirty="0">
+                          <a:latin typeface="Times New Roman" panose="02020603050405020304" pitchFamily="18" charset="0"/>
+                          <a:cs typeface="Times New Roman" panose="02020603050405020304" pitchFamily="18" charset="0"/>
+                        </a:rPr>
                         <a:t>MIME</a:t>
                       </a:r>
-                      <a:endParaRPr lang="ru-RU" dirty="0"/>
+                      <a:endParaRPr lang="ru-RU" dirty="0">
+                        <a:latin typeface="Times New Roman" panose="02020603050405020304" pitchFamily="18" charset="0"/>
+                        <a:cs typeface="Times New Roman" panose="02020603050405020304" pitchFamily="18" charset="0"/>
+                      </a:endParaRPr>
                     </a:p>
                   </a:txBody>
                   <a:tcPr/>
@@ -9713,7 +10413,10 @@
                         <a:defRPr/>
                       </a:pPr>
                       <a:r>
-                        <a:rPr lang="ru-RU" dirty="0"/>
+                        <a:rPr lang="ru-RU" dirty="0">
+                          <a:latin typeface="Times New Roman" panose="02020603050405020304" pitchFamily="18" charset="0"/>
+                          <a:cs typeface="Times New Roman" panose="02020603050405020304" pitchFamily="18" charset="0"/>
+                        </a:rPr>
                         <a:t>Описание сервисов</a:t>
                       </a:r>
                     </a:p>
@@ -9726,10 +10429,16 @@
                     <a:lstStyle/>
                     <a:p>
                       <a:r>
-                        <a:rPr lang="en-US" dirty="0"/>
+                        <a:rPr lang="en-US" dirty="0">
+                          <a:latin typeface="Times New Roman" panose="02020603050405020304" pitchFamily="18" charset="0"/>
+                          <a:cs typeface="Times New Roman" panose="02020603050405020304" pitchFamily="18" charset="0"/>
+                        </a:rPr>
                         <a:t>WSDL</a:t>
                       </a:r>
-                      <a:endParaRPr lang="ru-RU" dirty="0"/>
+                      <a:endParaRPr lang="ru-RU" dirty="0">
+                        <a:latin typeface="Times New Roman" panose="02020603050405020304" pitchFamily="18" charset="0"/>
+                        <a:cs typeface="Times New Roman" panose="02020603050405020304" pitchFamily="18" charset="0"/>
+                      </a:endParaRPr>
                     </a:p>
                   </a:txBody>
                   <a:tcPr/>
@@ -9740,14 +10449,23 @@
                     <a:lstStyle/>
                     <a:p>
                       <a:r>
-                        <a:rPr lang="ru-RU" dirty="0"/>
+                        <a:rPr lang="ru-RU" dirty="0">
+                          <a:latin typeface="Times New Roman" panose="02020603050405020304" pitchFamily="18" charset="0"/>
+                          <a:cs typeface="Times New Roman" panose="02020603050405020304" pitchFamily="18" charset="0"/>
+                        </a:rPr>
                         <a:t>Формального</a:t>
                       </a:r>
                       <a:r>
-                        <a:rPr lang="ru-RU" baseline="0" dirty="0"/>
+                        <a:rPr lang="ru-RU" baseline="0" dirty="0">
+                          <a:latin typeface="Times New Roman" panose="02020603050405020304" pitchFamily="18" charset="0"/>
+                          <a:cs typeface="Times New Roman" panose="02020603050405020304" pitchFamily="18" charset="0"/>
+                        </a:rPr>
                         <a:t> нет</a:t>
                       </a:r>
-                      <a:endParaRPr lang="ru-RU" dirty="0"/>
+                      <a:endParaRPr lang="ru-RU" dirty="0">
+                        <a:latin typeface="Times New Roman" panose="02020603050405020304" pitchFamily="18" charset="0"/>
+                        <a:cs typeface="Times New Roman" panose="02020603050405020304" pitchFamily="18" charset="0"/>
+                      </a:endParaRPr>
                     </a:p>
                   </a:txBody>
                   <a:tcPr/>
@@ -9765,14 +10483,23 @@
                     <a:lstStyle/>
                     <a:p>
                       <a:r>
-                        <a:rPr lang="ru-RU" dirty="0"/>
+                        <a:rPr lang="ru-RU" dirty="0">
+                          <a:latin typeface="Times New Roman" panose="02020603050405020304" pitchFamily="18" charset="0"/>
+                          <a:cs typeface="Times New Roman" panose="02020603050405020304" pitchFamily="18" charset="0"/>
+                        </a:rPr>
                         <a:t>Инструменты</a:t>
                       </a:r>
                       <a:r>
-                        <a:rPr lang="ru-RU" baseline="0" dirty="0"/>
+                        <a:rPr lang="ru-RU" baseline="0" dirty="0">
+                          <a:latin typeface="Times New Roman" panose="02020603050405020304" pitchFamily="18" charset="0"/>
+                          <a:cs typeface="Times New Roman" panose="02020603050405020304" pitchFamily="18" charset="0"/>
+                        </a:rPr>
                         <a:t> разработки</a:t>
                       </a:r>
-                      <a:endParaRPr lang="ru-RU" dirty="0"/>
+                      <a:endParaRPr lang="ru-RU" dirty="0">
+                        <a:latin typeface="Times New Roman" panose="02020603050405020304" pitchFamily="18" charset="0"/>
+                        <a:cs typeface="Times New Roman" panose="02020603050405020304" pitchFamily="18" charset="0"/>
+                      </a:endParaRPr>
                     </a:p>
                   </a:txBody>
                   <a:tcPr/>
@@ -9783,7 +10510,10 @@
                     <a:lstStyle/>
                     <a:p>
                       <a:r>
-                        <a:rPr lang="ru-RU" dirty="0"/>
+                        <a:rPr lang="ru-RU" dirty="0">
+                          <a:latin typeface="Times New Roman" panose="02020603050405020304" pitchFamily="18" charset="0"/>
+                          <a:cs typeface="Times New Roman" panose="02020603050405020304" pitchFamily="18" charset="0"/>
+                        </a:rPr>
                         <a:t>Требуются</a:t>
                       </a:r>
                     </a:p>
@@ -9796,14 +10526,23 @@
                     <a:lstStyle/>
                     <a:p>
                       <a:r>
-                        <a:rPr lang="ru-RU" dirty="0"/>
+                        <a:rPr lang="ru-RU" dirty="0">
+                          <a:latin typeface="Times New Roman" panose="02020603050405020304" pitchFamily="18" charset="0"/>
+                          <a:cs typeface="Times New Roman" panose="02020603050405020304" pitchFamily="18" charset="0"/>
+                        </a:rPr>
                         <a:t>Можно</a:t>
                       </a:r>
                       <a:r>
-                        <a:rPr lang="ru-RU" baseline="0" dirty="0"/>
+                        <a:rPr lang="ru-RU" baseline="0" dirty="0">
+                          <a:latin typeface="Times New Roman" panose="02020603050405020304" pitchFamily="18" charset="0"/>
+                          <a:cs typeface="Times New Roman" panose="02020603050405020304" pitchFamily="18" charset="0"/>
+                        </a:rPr>
                         <a:t> без них</a:t>
                       </a:r>
-                      <a:endParaRPr lang="ru-RU" dirty="0"/>
+                      <a:endParaRPr lang="ru-RU" dirty="0">
+                        <a:latin typeface="Times New Roman" panose="02020603050405020304" pitchFamily="18" charset="0"/>
+                        <a:cs typeface="Times New Roman" panose="02020603050405020304" pitchFamily="18" charset="0"/>
+                      </a:endParaRPr>
                     </a:p>
                   </a:txBody>
                   <a:tcPr/>
@@ -9873,7 +10612,10 @@
           <a:lstStyle/>
           <a:p>
             <a:r>
-              <a:rPr lang="ru-RU" dirty="0"/>
+              <a:rPr lang="ru-RU" dirty="0">
+                <a:latin typeface="Times New Roman" panose="02020603050405020304" pitchFamily="18" charset="0"/>
+                <a:cs typeface="Times New Roman" panose="02020603050405020304" pitchFamily="18" charset="0"/>
+              </a:rPr>
               <a:t>Примеры:</a:t>
             </a:r>
           </a:p>
@@ -9914,6 +10656,7 @@
             </a:pPr>
             <a:r>
               <a:rPr lang="ru-RU" dirty="0">
+                <a:latin typeface="Times New Roman" panose="02020603050405020304" pitchFamily="18" charset="0"/>
                 <a:cs typeface="Times New Roman" panose="02020603050405020304" pitchFamily="18" charset="0"/>
               </a:rPr>
               <a:t>элементы электронного аппарата (телевизора, автомагнитолы, часов и т. п.), такие как дисплей, набор кнопок и переключателей для настройки, плюс правила управления ими, относятся к человеко-машинному интерфейсу;</a:t>
@@ -9927,6 +10670,7 @@
             </a:pPr>
             <a:r>
               <a:rPr lang="ru-RU" dirty="0">
+                <a:latin typeface="Times New Roman" panose="02020603050405020304" pitchFamily="18" charset="0"/>
                 <a:cs typeface="Times New Roman" panose="02020603050405020304" pitchFamily="18" charset="0"/>
               </a:rPr>
               <a:t>клавиатура, мышь и пр. устройства ввода — элементы интерфейса «человек—компьютер».</a:t>
@@ -9938,7 +10682,10 @@
                 <a:spcPct val="150000"/>
               </a:lnSpc>
             </a:pPr>
-            <a:endParaRPr lang="ru-RU" dirty="0"/>
+            <a:endParaRPr lang="ru-RU" dirty="0">
+              <a:latin typeface="Times New Roman" panose="02020603050405020304" pitchFamily="18" charset="0"/>
+              <a:cs typeface="Times New Roman" panose="02020603050405020304" pitchFamily="18" charset="0"/>
+            </a:endParaRPr>
           </a:p>
         </p:txBody>
       </p:sp>
@@ -9997,7 +10744,10 @@
           <a:lstStyle/>
           <a:p>
             <a:r>
-              <a:rPr lang="ru-RU" dirty="0"/>
+              <a:rPr lang="ru-RU" dirty="0">
+                <a:latin typeface="Times New Roman" panose="02020603050405020304" pitchFamily="18" charset="0"/>
+                <a:cs typeface="Times New Roman" panose="02020603050405020304" pitchFamily="18" charset="0"/>
+              </a:rPr>
               <a:t>Примеры:</a:t>
             </a:r>
           </a:p>
@@ -10033,12 +10783,14 @@
           <a:p>
             <a:r>
               <a:rPr lang="ru-RU" dirty="0">
+                <a:latin typeface="Times New Roman" panose="02020603050405020304" pitchFamily="18" charset="0"/>
                 <a:cs typeface="Times New Roman" panose="02020603050405020304" pitchFamily="18" charset="0"/>
               </a:rPr>
               <a:t>элементы </a:t>
             </a:r>
             <a:r>
               <a:rPr lang="ru-RU" dirty="0">
+                <a:latin typeface="Times New Roman" panose="02020603050405020304" pitchFamily="18" charset="0"/>
                 <a:cs typeface="Times New Roman" panose="02020603050405020304" pitchFamily="18" charset="0"/>
                 <a:hlinkClick r:id="rId2" tooltip="Электронная техника"/>
               </a:rPr>
@@ -10046,12 +10798,14 @@
             </a:r>
             <a:r>
               <a:rPr lang="ru-RU" dirty="0">
+                <a:latin typeface="Times New Roman" panose="02020603050405020304" pitchFamily="18" charset="0"/>
                 <a:cs typeface="Times New Roman" panose="02020603050405020304" pitchFamily="18" charset="0"/>
               </a:rPr>
               <a:t> (</a:t>
             </a:r>
             <a:r>
               <a:rPr lang="ru-RU" dirty="0">
+                <a:latin typeface="Times New Roman" panose="02020603050405020304" pitchFamily="18" charset="0"/>
                 <a:cs typeface="Times New Roman" panose="02020603050405020304" pitchFamily="18" charset="0"/>
                 <a:hlinkClick r:id="rId3" tooltip="Телевизор"/>
               </a:rPr>
@@ -10059,12 +10813,14 @@
             </a:r>
             <a:r>
               <a:rPr lang="ru-RU" dirty="0">
+                <a:latin typeface="Times New Roman" panose="02020603050405020304" pitchFamily="18" charset="0"/>
                 <a:cs typeface="Times New Roman" panose="02020603050405020304" pitchFamily="18" charset="0"/>
               </a:rPr>
               <a:t>, </a:t>
             </a:r>
             <a:r>
               <a:rPr lang="ru-RU" dirty="0">
+                <a:latin typeface="Times New Roman" panose="02020603050405020304" pitchFamily="18" charset="0"/>
                 <a:cs typeface="Times New Roman" panose="02020603050405020304" pitchFamily="18" charset="0"/>
                 <a:hlinkClick r:id="rId4" tooltip="Магнитола"/>
               </a:rPr>
@@ -10072,12 +10828,14 @@
             </a:r>
             <a:r>
               <a:rPr lang="ru-RU" dirty="0">
+                <a:latin typeface="Times New Roman" panose="02020603050405020304" pitchFamily="18" charset="0"/>
                 <a:cs typeface="Times New Roman" panose="02020603050405020304" pitchFamily="18" charset="0"/>
               </a:rPr>
               <a:t>, </a:t>
             </a:r>
             <a:r>
               <a:rPr lang="ru-RU" dirty="0">
+                <a:latin typeface="Times New Roman" panose="02020603050405020304" pitchFamily="18" charset="0"/>
                 <a:cs typeface="Times New Roman" panose="02020603050405020304" pitchFamily="18" charset="0"/>
                 <a:hlinkClick r:id="rId5" tooltip="Часы"/>
               </a:rPr>
@@ -10085,12 +10843,14 @@
             </a:r>
             <a:r>
               <a:rPr lang="ru-RU" dirty="0">
+                <a:latin typeface="Times New Roman" panose="02020603050405020304" pitchFamily="18" charset="0"/>
                 <a:cs typeface="Times New Roman" panose="02020603050405020304" pitchFamily="18" charset="0"/>
               </a:rPr>
               <a:t> и т. п.), такие как дисплей, набор кнопок и переключателей для настройки, плюс правила управления ими, относятся к </a:t>
             </a:r>
             <a:r>
               <a:rPr lang="ru-RU" dirty="0">
+                <a:latin typeface="Times New Roman" panose="02020603050405020304" pitchFamily="18" charset="0"/>
                 <a:cs typeface="Times New Roman" panose="02020603050405020304" pitchFamily="18" charset="0"/>
                 <a:hlinkClick r:id="rId6" tooltip="Человеко-машинный интерфейс"/>
               </a:rPr>
@@ -10098,6 +10858,7 @@
             </a:r>
             <a:r>
               <a:rPr lang="ru-RU" dirty="0">
+                <a:latin typeface="Times New Roman" panose="02020603050405020304" pitchFamily="18" charset="0"/>
                 <a:cs typeface="Times New Roman" panose="02020603050405020304" pitchFamily="18" charset="0"/>
               </a:rPr>
               <a:t>;</a:t>
@@ -10106,6 +10867,7 @@
           <a:p>
             <a:r>
               <a:rPr lang="ru-RU" dirty="0">
+                <a:latin typeface="Times New Roman" panose="02020603050405020304" pitchFamily="18" charset="0"/>
                 <a:cs typeface="Times New Roman" panose="02020603050405020304" pitchFamily="18" charset="0"/>
                 <a:hlinkClick r:id="rId7" tooltip="Компьютерная клавиатура"/>
               </a:rPr>
@@ -10113,12 +10875,14 @@
             </a:r>
             <a:r>
               <a:rPr lang="ru-RU" dirty="0">
+                <a:latin typeface="Times New Roman" panose="02020603050405020304" pitchFamily="18" charset="0"/>
                 <a:cs typeface="Times New Roman" panose="02020603050405020304" pitchFamily="18" charset="0"/>
               </a:rPr>
               <a:t>, </a:t>
             </a:r>
             <a:r>
               <a:rPr lang="ru-RU" dirty="0">
+                <a:latin typeface="Times New Roman" panose="02020603050405020304" pitchFamily="18" charset="0"/>
                 <a:cs typeface="Times New Roman" panose="02020603050405020304" pitchFamily="18" charset="0"/>
                 <a:hlinkClick r:id="rId8" tooltip="Компьютерная мышь"/>
               </a:rPr>
@@ -10126,12 +10890,14 @@
             </a:r>
             <a:r>
               <a:rPr lang="ru-RU" dirty="0">
+                <a:latin typeface="Times New Roman" panose="02020603050405020304" pitchFamily="18" charset="0"/>
                 <a:cs typeface="Times New Roman" panose="02020603050405020304" pitchFamily="18" charset="0"/>
               </a:rPr>
               <a:t> и пр. </a:t>
             </a:r>
             <a:r>
               <a:rPr lang="ru-RU" dirty="0">
+                <a:latin typeface="Times New Roman" panose="02020603050405020304" pitchFamily="18" charset="0"/>
                 <a:cs typeface="Times New Roman" panose="02020603050405020304" pitchFamily="18" charset="0"/>
                 <a:hlinkClick r:id="rId9" tooltip="Устройство ввода-вывода"/>
               </a:rPr>
@@ -10139,12 +10905,14 @@
             </a:r>
             <a:r>
               <a:rPr lang="ru-RU" dirty="0">
+                <a:latin typeface="Times New Roman" panose="02020603050405020304" pitchFamily="18" charset="0"/>
                 <a:cs typeface="Times New Roman" panose="02020603050405020304" pitchFamily="18" charset="0"/>
               </a:rPr>
               <a:t> — элементы </a:t>
             </a:r>
             <a:r>
               <a:rPr lang="ru-RU" dirty="0">
+                <a:latin typeface="Times New Roman" panose="02020603050405020304" pitchFamily="18" charset="0"/>
                 <a:cs typeface="Times New Roman" panose="02020603050405020304" pitchFamily="18" charset="0"/>
                 <a:hlinkClick r:id="rId10" tooltip="Интерфейс пользователя"/>
               </a:rPr>
@@ -10152,13 +10920,17 @@
             </a:r>
             <a:r>
               <a:rPr lang="ru-RU" dirty="0">
+                <a:latin typeface="Times New Roman" panose="02020603050405020304" pitchFamily="18" charset="0"/>
                 <a:cs typeface="Times New Roman" panose="02020603050405020304" pitchFamily="18" charset="0"/>
               </a:rPr>
               <a:t>.</a:t>
             </a:r>
           </a:p>
           <a:p>
-            <a:endParaRPr lang="ru-RU" dirty="0"/>
+            <a:endParaRPr lang="ru-RU" dirty="0">
+              <a:latin typeface="Times New Roman" panose="02020603050405020304" pitchFamily="18" charset="0"/>
+              <a:cs typeface="Times New Roman" panose="02020603050405020304" pitchFamily="18" charset="0"/>
+            </a:endParaRPr>
           </a:p>
         </p:txBody>
       </p:sp>
@@ -10367,8 +11139,15 @@
           <a:lstStyle/>
           <a:p>
             <a:r>
+              <a:rPr lang="ru-RU" dirty="0">
+                <a:latin typeface="Times New Roman" panose="02020603050405020304" pitchFamily="18" charset="0"/>
+                <a:cs typeface="Times New Roman" panose="02020603050405020304" pitchFamily="18" charset="0"/>
+              </a:rPr>
+              <a:t>Примеры</a:t>
+            </a:r>
+            <a:r>
               <a:rPr lang="ru-RU" dirty="0"/>
-              <a:t>Примеры:</a:t>
+              <a:t>:</a:t>
             </a:r>
           </a:p>
         </p:txBody>
@@ -10757,7 +11536,7 @@
         </p:spPr>
         <p:txBody>
           <a:bodyPr>
-            <a:normAutofit fontScale="90000"/>
+            <a:normAutofit/>
           </a:bodyPr>
           <a:lstStyle/>
           <a:p>
@@ -10766,6 +11545,8 @@
                 <a:solidFill>
                   <a:srgbClr val="0070C0"/>
                 </a:solidFill>
+                <a:latin typeface="Times New Roman" panose="02020603050405020304" pitchFamily="18" charset="0"/>
+                <a:cs typeface="Times New Roman" panose="02020603050405020304" pitchFamily="18" charset="0"/>
               </a:rPr>
               <a:t>Элементы информационной системы</a:t>
             </a:r>
@@ -10802,6 +11583,8 @@
                 <a:solidFill>
                   <a:srgbClr val="0070C0"/>
                 </a:solidFill>
+                <a:latin typeface="Times New Roman" panose="02020603050405020304" pitchFamily="18" charset="0"/>
+                <a:cs typeface="Times New Roman" panose="02020603050405020304" pitchFamily="18" charset="0"/>
               </a:rPr>
               <a:t>Любая информационная система (ИС) включает в себя три компонента: </a:t>
             </a:r>
@@ -10812,6 +11595,8 @@
                 <a:solidFill>
                   <a:srgbClr val="FF0000"/>
                 </a:solidFill>
+                <a:latin typeface="Times New Roman" panose="02020603050405020304" pitchFamily="18" charset="0"/>
+                <a:cs typeface="Times New Roman" panose="02020603050405020304" pitchFamily="18" charset="0"/>
               </a:rPr>
               <a:t>Управление данными; </a:t>
             </a:r>
@@ -10822,6 +11607,8 @@
                 <a:solidFill>
                   <a:srgbClr val="FF0000"/>
                 </a:solidFill>
+                <a:latin typeface="Times New Roman" panose="02020603050405020304" pitchFamily="18" charset="0"/>
+                <a:cs typeface="Times New Roman" panose="02020603050405020304" pitchFamily="18" charset="0"/>
               </a:rPr>
               <a:t>Бизнес-логику; </a:t>
             </a:r>
@@ -10832,6 +11619,8 @@
                 <a:solidFill>
                   <a:srgbClr val="FF0000"/>
                 </a:solidFill>
+                <a:latin typeface="Times New Roman" panose="02020603050405020304" pitchFamily="18" charset="0"/>
+                <a:cs typeface="Times New Roman" panose="02020603050405020304" pitchFamily="18" charset="0"/>
               </a:rPr>
               <a:t>Пользовательский интерфейс. </a:t>
             </a:r>
@@ -10889,7 +11678,7 @@
         </p:spPr>
         <p:txBody>
           <a:bodyPr>
-            <a:normAutofit fontScale="90000"/>
+            <a:normAutofit/>
           </a:bodyPr>
           <a:lstStyle/>
           <a:p>
@@ -10898,6 +11687,8 @@
                 <a:solidFill>
                   <a:srgbClr val="0070C0"/>
                 </a:solidFill>
+                <a:latin typeface="Times New Roman" panose="02020603050405020304" pitchFamily="18" charset="0"/>
+                <a:cs typeface="Times New Roman" panose="02020603050405020304" pitchFamily="18" charset="0"/>
               </a:rPr>
               <a:t>Элементы информационной системы</a:t>
             </a:r>
@@ -10934,6 +11725,8 @@
                 <a:solidFill>
                   <a:srgbClr val="FF0000"/>
                 </a:solidFill>
+                <a:latin typeface="Times New Roman" panose="02020603050405020304" pitchFamily="18" charset="0"/>
+                <a:cs typeface="Times New Roman" panose="02020603050405020304" pitchFamily="18" charset="0"/>
               </a:rPr>
               <a:t>Данные хранятся в базах данных</a:t>
             </a:r>
@@ -10942,6 +11735,8 @@
                 <a:solidFill>
                   <a:srgbClr val="0070C0"/>
                 </a:solidFill>
+                <a:latin typeface="Times New Roman" panose="02020603050405020304" pitchFamily="18" charset="0"/>
+                <a:cs typeface="Times New Roman" panose="02020603050405020304" pitchFamily="18" charset="0"/>
               </a:rPr>
               <a:t>, а управление ими осуществляется с помощью системы управления базами данных (СУБД).</a:t>
             </a:r>
@@ -10951,7 +11746,10 @@
               <a:buNone/>
             </a:pPr>
             <a:r>
-              <a:rPr lang="ru-RU" dirty="0"/>
+              <a:rPr lang="ru-RU" dirty="0">
+                <a:latin typeface="Times New Roman" panose="02020603050405020304" pitchFamily="18" charset="0"/>
+                <a:cs typeface="Times New Roman" panose="02020603050405020304" pitchFamily="18" charset="0"/>
+              </a:rPr>
               <a:t> </a:t>
             </a:r>
             <a:r>
@@ -10959,6 +11757,8 @@
                 <a:solidFill>
                   <a:srgbClr val="FF0000"/>
                 </a:solidFill>
+                <a:latin typeface="Times New Roman" panose="02020603050405020304" pitchFamily="18" charset="0"/>
+                <a:cs typeface="Times New Roman" panose="02020603050405020304" pitchFamily="18" charset="0"/>
               </a:rPr>
               <a:t>Бизнес-логика определяет правила, по которым обрабатываются данные. </a:t>
             </a:r>
@@ -10967,6 +11767,8 @@
                 <a:solidFill>
                   <a:srgbClr val="0070C0"/>
                 </a:solidFill>
+                <a:latin typeface="Times New Roman" panose="02020603050405020304" pitchFamily="18" charset="0"/>
+                <a:cs typeface="Times New Roman" panose="02020603050405020304" pitchFamily="18" charset="0"/>
               </a:rPr>
               <a:t>Она реализуется набором процедур, написанных на различных языках программирования. </a:t>
             </a:r>
